--- a/Keynote.pptx
+++ b/Keynote.pptx
@@ -1,29 +1,951 @@
 
 <file path=ppt/presentation.xml><?xml version="1.0" encoding="utf-8"?>
-<p:presentation xmlns:a="http://schemas.openxmlformats.org/drawingml/2006/main" xmlns:p="http://schemas.openxmlformats.org/presentationml/2006/main" xmlns:r="http://schemas.openxmlformats.org/officeDocument/2006/relationships">
+<p:presentation xmlns:a="http://schemas.openxmlformats.org/drawingml/2006/main" xmlns:r="http://schemas.openxmlformats.org/officeDocument/2006/relationships" xmlns:p="http://schemas.openxmlformats.org/presentationml/2006/main">
   <p:sldMasterIdLst>
-    <p:sldMasterId id="2147483648" r:id="rId2"/>
+    <p:sldMasterId id="2147483648" r:id="rId1"/>
   </p:sldMasterIdLst>
+  <p:notesMasterIdLst>
+    <p:notesMasterId r:id="rId15"/>
+  </p:notesMasterIdLst>
   <p:sldIdLst>
-    <p:sldId id="256" r:id="rId3"/>
-    <p:sldId id="257" r:id="rId4"/>
-    <p:sldId id="258" r:id="rId5"/>
-    <p:sldId id="259" r:id="rId6"/>
-    <p:sldId id="260" r:id="rId7"/>
+    <p:sldId id="256" r:id="rId2"/>
+    <p:sldId id="257" r:id="rId3"/>
+    <p:sldId id="258" r:id="rId4"/>
+    <p:sldId id="259" r:id="rId5"/>
+    <p:sldId id="260" r:id="rId6"/>
+    <p:sldId id="268" r:id="rId7"/>
     <p:sldId id="261" r:id="rId8"/>
     <p:sldId id="262" r:id="rId9"/>
     <p:sldId id="263" r:id="rId10"/>
     <p:sldId id="264" r:id="rId11"/>
     <p:sldId id="265" r:id="rId12"/>
     <p:sldId id="266" r:id="rId13"/>
+    <p:sldId id="267" r:id="rId14"/>
   </p:sldIdLst>
   <p:sldSz cx="10080625" cy="7559675"/>
   <p:notesSz cx="7772400" cy="10058400"/>
+  <p:defaultTextStyle>
+    <a:defPPr>
+      <a:defRPr lang="zh-CN"/>
+    </a:defPPr>
+    <a:lvl1pPr marL="0" algn="l" defTabSz="914400" rtl="0" eaLnBrk="1" latinLnBrk="0" hangingPunct="1">
+      <a:defRPr sz="1800" kern="1200">
+        <a:solidFill>
+          <a:schemeClr val="tx1"/>
+        </a:solidFill>
+        <a:latin typeface="+mn-lt"/>
+        <a:ea typeface="+mn-ea"/>
+        <a:cs typeface="+mn-cs"/>
+      </a:defRPr>
+    </a:lvl1pPr>
+    <a:lvl2pPr marL="457200" algn="l" defTabSz="914400" rtl="0" eaLnBrk="1" latinLnBrk="0" hangingPunct="1">
+      <a:defRPr sz="1800" kern="1200">
+        <a:solidFill>
+          <a:schemeClr val="tx1"/>
+        </a:solidFill>
+        <a:latin typeface="+mn-lt"/>
+        <a:ea typeface="+mn-ea"/>
+        <a:cs typeface="+mn-cs"/>
+      </a:defRPr>
+    </a:lvl2pPr>
+    <a:lvl3pPr marL="914400" algn="l" defTabSz="914400" rtl="0" eaLnBrk="1" latinLnBrk="0" hangingPunct="1">
+      <a:defRPr sz="1800" kern="1200">
+        <a:solidFill>
+          <a:schemeClr val="tx1"/>
+        </a:solidFill>
+        <a:latin typeface="+mn-lt"/>
+        <a:ea typeface="+mn-ea"/>
+        <a:cs typeface="+mn-cs"/>
+      </a:defRPr>
+    </a:lvl3pPr>
+    <a:lvl4pPr marL="1371600" algn="l" defTabSz="914400" rtl="0" eaLnBrk="1" latinLnBrk="0" hangingPunct="1">
+      <a:defRPr sz="1800" kern="1200">
+        <a:solidFill>
+          <a:schemeClr val="tx1"/>
+        </a:solidFill>
+        <a:latin typeface="+mn-lt"/>
+        <a:ea typeface="+mn-ea"/>
+        <a:cs typeface="+mn-cs"/>
+      </a:defRPr>
+    </a:lvl4pPr>
+    <a:lvl5pPr marL="1828800" algn="l" defTabSz="914400" rtl="0" eaLnBrk="1" latinLnBrk="0" hangingPunct="1">
+      <a:defRPr sz="1800" kern="1200">
+        <a:solidFill>
+          <a:schemeClr val="tx1"/>
+        </a:solidFill>
+        <a:latin typeface="+mn-lt"/>
+        <a:ea typeface="+mn-ea"/>
+        <a:cs typeface="+mn-cs"/>
+      </a:defRPr>
+    </a:lvl5pPr>
+    <a:lvl6pPr marL="2286000" algn="l" defTabSz="914400" rtl="0" eaLnBrk="1" latinLnBrk="0" hangingPunct="1">
+      <a:defRPr sz="1800" kern="1200">
+        <a:solidFill>
+          <a:schemeClr val="tx1"/>
+        </a:solidFill>
+        <a:latin typeface="+mn-lt"/>
+        <a:ea typeface="+mn-ea"/>
+        <a:cs typeface="+mn-cs"/>
+      </a:defRPr>
+    </a:lvl6pPr>
+    <a:lvl7pPr marL="2743200" algn="l" defTabSz="914400" rtl="0" eaLnBrk="1" latinLnBrk="0" hangingPunct="1">
+      <a:defRPr sz="1800" kern="1200">
+        <a:solidFill>
+          <a:schemeClr val="tx1"/>
+        </a:solidFill>
+        <a:latin typeface="+mn-lt"/>
+        <a:ea typeface="+mn-ea"/>
+        <a:cs typeface="+mn-cs"/>
+      </a:defRPr>
+    </a:lvl7pPr>
+    <a:lvl8pPr marL="3200400" algn="l" defTabSz="914400" rtl="0" eaLnBrk="1" latinLnBrk="0" hangingPunct="1">
+      <a:defRPr sz="1800" kern="1200">
+        <a:solidFill>
+          <a:schemeClr val="tx1"/>
+        </a:solidFill>
+        <a:latin typeface="+mn-lt"/>
+        <a:ea typeface="+mn-ea"/>
+        <a:cs typeface="+mn-cs"/>
+      </a:defRPr>
+    </a:lvl8pPr>
+    <a:lvl9pPr marL="3657600" algn="l" defTabSz="914400" rtl="0" eaLnBrk="1" latinLnBrk="0" hangingPunct="1">
+      <a:defRPr sz="1800" kern="1200">
+        <a:solidFill>
+          <a:schemeClr val="tx1"/>
+        </a:solidFill>
+        <a:latin typeface="+mn-lt"/>
+        <a:ea typeface="+mn-ea"/>
+        <a:cs typeface="+mn-cs"/>
+      </a:defRPr>
+    </a:lvl9pPr>
+  </p:defaultTextStyle>
 </p:presentation>
 </file>
 
+<file path=ppt/notesMasters/notesMaster1.xml><?xml version="1.0" encoding="utf-8"?>
+<p:notesMaster xmlns:a="http://schemas.openxmlformats.org/drawingml/2006/main" xmlns:r="http://schemas.openxmlformats.org/officeDocument/2006/relationships" xmlns:p="http://schemas.openxmlformats.org/presentationml/2006/main">
+  <p:cSld>
+    <p:bg>
+      <p:bgRef idx="1001">
+        <a:schemeClr val="bg1"/>
+      </p:bgRef>
+    </p:bg>
+    <p:spTree>
+      <p:nvGrpSpPr>
+        <p:cNvPr id="1" name=""/>
+        <p:cNvGrpSpPr/>
+        <p:nvPr/>
+      </p:nvGrpSpPr>
+      <p:grpSpPr>
+        <a:xfrm>
+          <a:off x="0" y="0"/>
+          <a:ext cx="0" cy="0"/>
+          <a:chOff x="0" y="0"/>
+          <a:chExt cx="0" cy="0"/>
+        </a:xfrm>
+      </p:grpSpPr>
+      <p:sp>
+        <p:nvSpPr>
+          <p:cNvPr id="2" name="页眉占位符 1"/>
+          <p:cNvSpPr>
+            <a:spLocks noGrp="1"/>
+          </p:cNvSpPr>
+          <p:nvPr>
+            <p:ph type="hdr" sz="quarter"/>
+          </p:nvPr>
+        </p:nvSpPr>
+        <p:spPr>
+          <a:xfrm>
+            <a:off x="0" y="0"/>
+            <a:ext cx="3368675" cy="504825"/>
+          </a:xfrm>
+          <a:prstGeom prst="rect">
+            <a:avLst/>
+          </a:prstGeom>
+        </p:spPr>
+        <p:txBody>
+          <a:bodyPr vert="horz" lIns="91440" tIns="45720" rIns="91440" bIns="45720" rtlCol="0"/>
+          <a:lstStyle>
+            <a:lvl1pPr algn="l">
+              <a:defRPr sz="1200"/>
+            </a:lvl1pPr>
+          </a:lstStyle>
+          <a:p>
+            <a:endParaRPr lang="zh-CN" altLang="en-US"/>
+          </a:p>
+        </p:txBody>
+      </p:sp>
+      <p:sp>
+        <p:nvSpPr>
+          <p:cNvPr id="3" name="日期占位符 2"/>
+          <p:cNvSpPr>
+            <a:spLocks noGrp="1"/>
+          </p:cNvSpPr>
+          <p:nvPr>
+            <p:ph type="dt" idx="1"/>
+          </p:nvPr>
+        </p:nvSpPr>
+        <p:spPr>
+          <a:xfrm>
+            <a:off x="4402138" y="0"/>
+            <a:ext cx="3368675" cy="504825"/>
+          </a:xfrm>
+          <a:prstGeom prst="rect">
+            <a:avLst/>
+          </a:prstGeom>
+        </p:spPr>
+        <p:txBody>
+          <a:bodyPr vert="horz" lIns="91440" tIns="45720" rIns="91440" bIns="45720" rtlCol="0"/>
+          <a:lstStyle>
+            <a:lvl1pPr algn="r">
+              <a:defRPr sz="1200"/>
+            </a:lvl1pPr>
+          </a:lstStyle>
+          <a:p>
+            <a:fld id="{C737FCC2-D8B8-4496-A646-FA3D1545D785}" type="datetimeFigureOut">
+              <a:rPr lang="zh-CN" altLang="en-US" smtClean="0"/>
+              <a:t>2018.06.05</a:t>
+            </a:fld>
+            <a:endParaRPr lang="zh-CN" altLang="en-US"/>
+          </a:p>
+        </p:txBody>
+      </p:sp>
+      <p:sp>
+        <p:nvSpPr>
+          <p:cNvPr id="4" name="幻灯片图像占位符 3"/>
+          <p:cNvSpPr>
+            <a:spLocks noGrp="1" noRot="1" noChangeAspect="1"/>
+          </p:cNvSpPr>
+          <p:nvPr>
+            <p:ph type="sldImg" idx="2"/>
+          </p:nvPr>
+        </p:nvSpPr>
+        <p:spPr>
+          <a:xfrm>
+            <a:off x="1624013" y="1257300"/>
+            <a:ext cx="4524375" cy="3394075"/>
+          </a:xfrm>
+          <a:prstGeom prst="rect">
+            <a:avLst/>
+          </a:prstGeom>
+          <a:noFill/>
+          <a:ln w="12700">
+            <a:solidFill>
+              <a:prstClr val="black"/>
+            </a:solidFill>
+          </a:ln>
+        </p:spPr>
+        <p:txBody>
+          <a:bodyPr vert="horz" lIns="91440" tIns="45720" rIns="91440" bIns="45720" rtlCol="0" anchor="ctr"/>
+          <a:lstStyle/>
+          <a:p>
+            <a:endParaRPr lang="zh-CN" altLang="en-US"/>
+          </a:p>
+        </p:txBody>
+      </p:sp>
+      <p:sp>
+        <p:nvSpPr>
+          <p:cNvPr id="5" name="备注占位符 4"/>
+          <p:cNvSpPr>
+            <a:spLocks noGrp="1"/>
+          </p:cNvSpPr>
+          <p:nvPr>
+            <p:ph type="body" sz="quarter" idx="3"/>
+          </p:nvPr>
+        </p:nvSpPr>
+        <p:spPr>
+          <a:xfrm>
+            <a:off x="777875" y="4840288"/>
+            <a:ext cx="6216650" cy="3960812"/>
+          </a:xfrm>
+          <a:prstGeom prst="rect">
+            <a:avLst/>
+          </a:prstGeom>
+        </p:spPr>
+        <p:txBody>
+          <a:bodyPr vert="horz" lIns="91440" tIns="45720" rIns="91440" bIns="45720" rtlCol="0"/>
+          <a:lstStyle/>
+          <a:p>
+            <a:pPr lvl="0"/>
+            <a:r>
+              <a:rPr lang="zh-CN" altLang="en-US"/>
+              <a:t>编辑母版文本样式</a:t>
+            </a:r>
+          </a:p>
+          <a:p>
+            <a:pPr lvl="1"/>
+            <a:r>
+              <a:rPr lang="zh-CN" altLang="en-US"/>
+              <a:t>第二级</a:t>
+            </a:r>
+          </a:p>
+          <a:p>
+            <a:pPr lvl="2"/>
+            <a:r>
+              <a:rPr lang="zh-CN" altLang="en-US"/>
+              <a:t>第三级</a:t>
+            </a:r>
+          </a:p>
+          <a:p>
+            <a:pPr lvl="3"/>
+            <a:r>
+              <a:rPr lang="zh-CN" altLang="en-US"/>
+              <a:t>第四级</a:t>
+            </a:r>
+          </a:p>
+          <a:p>
+            <a:pPr lvl="4"/>
+            <a:r>
+              <a:rPr lang="zh-CN" altLang="en-US"/>
+              <a:t>第五级</a:t>
+            </a:r>
+          </a:p>
+        </p:txBody>
+      </p:sp>
+      <p:sp>
+        <p:nvSpPr>
+          <p:cNvPr id="6" name="页脚占位符 5"/>
+          <p:cNvSpPr>
+            <a:spLocks noGrp="1"/>
+          </p:cNvSpPr>
+          <p:nvPr>
+            <p:ph type="ftr" sz="quarter" idx="4"/>
+          </p:nvPr>
+        </p:nvSpPr>
+        <p:spPr>
+          <a:xfrm>
+            <a:off x="0" y="9553575"/>
+            <a:ext cx="3368675" cy="504825"/>
+          </a:xfrm>
+          <a:prstGeom prst="rect">
+            <a:avLst/>
+          </a:prstGeom>
+        </p:spPr>
+        <p:txBody>
+          <a:bodyPr vert="horz" lIns="91440" tIns="45720" rIns="91440" bIns="45720" rtlCol="0" anchor="b"/>
+          <a:lstStyle>
+            <a:lvl1pPr algn="l">
+              <a:defRPr sz="1200"/>
+            </a:lvl1pPr>
+          </a:lstStyle>
+          <a:p>
+            <a:endParaRPr lang="zh-CN" altLang="en-US"/>
+          </a:p>
+        </p:txBody>
+      </p:sp>
+      <p:sp>
+        <p:nvSpPr>
+          <p:cNvPr id="7" name="灯片编号占位符 6"/>
+          <p:cNvSpPr>
+            <a:spLocks noGrp="1"/>
+          </p:cNvSpPr>
+          <p:nvPr>
+            <p:ph type="sldNum" sz="quarter" idx="5"/>
+          </p:nvPr>
+        </p:nvSpPr>
+        <p:spPr>
+          <a:xfrm>
+            <a:off x="4402138" y="9553575"/>
+            <a:ext cx="3368675" cy="504825"/>
+          </a:xfrm>
+          <a:prstGeom prst="rect">
+            <a:avLst/>
+          </a:prstGeom>
+        </p:spPr>
+        <p:txBody>
+          <a:bodyPr vert="horz" lIns="91440" tIns="45720" rIns="91440" bIns="45720" rtlCol="0" anchor="b"/>
+          <a:lstStyle>
+            <a:lvl1pPr algn="r">
+              <a:defRPr sz="1200"/>
+            </a:lvl1pPr>
+          </a:lstStyle>
+          <a:p>
+            <a:fld id="{BFEAC89E-BDAD-4DD7-BC7E-8ADA36915ECC}" type="slidenum">
+              <a:rPr lang="zh-CN" altLang="en-US" smtClean="0"/>
+              <a:t>‹#›</a:t>
+            </a:fld>
+            <a:endParaRPr lang="zh-CN" altLang="en-US"/>
+          </a:p>
+        </p:txBody>
+      </p:sp>
+    </p:spTree>
+    <p:extLst>
+      <p:ext uri="{BB962C8B-B14F-4D97-AF65-F5344CB8AC3E}">
+        <p14:creationId xmlns:p14="http://schemas.microsoft.com/office/powerpoint/2010/main" val="3528682985"/>
+      </p:ext>
+    </p:extLst>
+  </p:cSld>
+  <p:clrMap bg1="lt1" tx1="dk1" bg2="lt2" tx2="dk2" accent1="accent1" accent2="accent2" accent3="accent3" accent4="accent4" accent5="accent5" accent6="accent6" hlink="hlink" folHlink="folHlink"/>
+  <p:notesStyle>
+    <a:lvl1pPr marL="0" algn="l" defTabSz="914400" rtl="0" eaLnBrk="1" latinLnBrk="0" hangingPunct="1">
+      <a:defRPr sz="1200" kern="1200">
+        <a:solidFill>
+          <a:schemeClr val="tx1"/>
+        </a:solidFill>
+        <a:latin typeface="+mn-lt"/>
+        <a:ea typeface="+mn-ea"/>
+        <a:cs typeface="+mn-cs"/>
+      </a:defRPr>
+    </a:lvl1pPr>
+    <a:lvl2pPr marL="457200" algn="l" defTabSz="914400" rtl="0" eaLnBrk="1" latinLnBrk="0" hangingPunct="1">
+      <a:defRPr sz="1200" kern="1200">
+        <a:solidFill>
+          <a:schemeClr val="tx1"/>
+        </a:solidFill>
+        <a:latin typeface="+mn-lt"/>
+        <a:ea typeface="+mn-ea"/>
+        <a:cs typeface="+mn-cs"/>
+      </a:defRPr>
+    </a:lvl2pPr>
+    <a:lvl3pPr marL="914400" algn="l" defTabSz="914400" rtl="0" eaLnBrk="1" latinLnBrk="0" hangingPunct="1">
+      <a:defRPr sz="1200" kern="1200">
+        <a:solidFill>
+          <a:schemeClr val="tx1"/>
+        </a:solidFill>
+        <a:latin typeface="+mn-lt"/>
+        <a:ea typeface="+mn-ea"/>
+        <a:cs typeface="+mn-cs"/>
+      </a:defRPr>
+    </a:lvl3pPr>
+    <a:lvl4pPr marL="1371600" algn="l" defTabSz="914400" rtl="0" eaLnBrk="1" latinLnBrk="0" hangingPunct="1">
+      <a:defRPr sz="1200" kern="1200">
+        <a:solidFill>
+          <a:schemeClr val="tx1"/>
+        </a:solidFill>
+        <a:latin typeface="+mn-lt"/>
+        <a:ea typeface="+mn-ea"/>
+        <a:cs typeface="+mn-cs"/>
+      </a:defRPr>
+    </a:lvl4pPr>
+    <a:lvl5pPr marL="1828800" algn="l" defTabSz="914400" rtl="0" eaLnBrk="1" latinLnBrk="0" hangingPunct="1">
+      <a:defRPr sz="1200" kern="1200">
+        <a:solidFill>
+          <a:schemeClr val="tx1"/>
+        </a:solidFill>
+        <a:latin typeface="+mn-lt"/>
+        <a:ea typeface="+mn-ea"/>
+        <a:cs typeface="+mn-cs"/>
+      </a:defRPr>
+    </a:lvl5pPr>
+    <a:lvl6pPr marL="2286000" algn="l" defTabSz="914400" rtl="0" eaLnBrk="1" latinLnBrk="0" hangingPunct="1">
+      <a:defRPr sz="1200" kern="1200">
+        <a:solidFill>
+          <a:schemeClr val="tx1"/>
+        </a:solidFill>
+        <a:latin typeface="+mn-lt"/>
+        <a:ea typeface="+mn-ea"/>
+        <a:cs typeface="+mn-cs"/>
+      </a:defRPr>
+    </a:lvl6pPr>
+    <a:lvl7pPr marL="2743200" algn="l" defTabSz="914400" rtl="0" eaLnBrk="1" latinLnBrk="0" hangingPunct="1">
+      <a:defRPr sz="1200" kern="1200">
+        <a:solidFill>
+          <a:schemeClr val="tx1"/>
+        </a:solidFill>
+        <a:latin typeface="+mn-lt"/>
+        <a:ea typeface="+mn-ea"/>
+        <a:cs typeface="+mn-cs"/>
+      </a:defRPr>
+    </a:lvl7pPr>
+    <a:lvl8pPr marL="3200400" algn="l" defTabSz="914400" rtl="0" eaLnBrk="1" latinLnBrk="0" hangingPunct="1">
+      <a:defRPr sz="1200" kern="1200">
+        <a:solidFill>
+          <a:schemeClr val="tx1"/>
+        </a:solidFill>
+        <a:latin typeface="+mn-lt"/>
+        <a:ea typeface="+mn-ea"/>
+        <a:cs typeface="+mn-cs"/>
+      </a:defRPr>
+    </a:lvl8pPr>
+    <a:lvl9pPr marL="3657600" algn="l" defTabSz="914400" rtl="0" eaLnBrk="1" latinLnBrk="0" hangingPunct="1">
+      <a:defRPr sz="1200" kern="1200">
+        <a:solidFill>
+          <a:schemeClr val="tx1"/>
+        </a:solidFill>
+        <a:latin typeface="+mn-lt"/>
+        <a:ea typeface="+mn-ea"/>
+        <a:cs typeface="+mn-cs"/>
+      </a:defRPr>
+    </a:lvl9pPr>
+  </p:notesStyle>
+</p:notesMaster>
+</file>
+
+<file path=ppt/notesSlides/notesSlide1.xml><?xml version="1.0" encoding="utf-8"?>
+<p:notes xmlns:a="http://schemas.openxmlformats.org/drawingml/2006/main" xmlns:r="http://schemas.openxmlformats.org/officeDocument/2006/relationships" xmlns:p="http://schemas.openxmlformats.org/presentationml/2006/main">
+  <p:cSld>
+    <p:spTree>
+      <p:nvGrpSpPr>
+        <p:cNvPr id="1" name=""/>
+        <p:cNvGrpSpPr/>
+        <p:nvPr/>
+      </p:nvGrpSpPr>
+      <p:grpSpPr>
+        <a:xfrm>
+          <a:off x="0" y="0"/>
+          <a:ext cx="0" cy="0"/>
+          <a:chOff x="0" y="0"/>
+          <a:chExt cx="0" cy="0"/>
+        </a:xfrm>
+      </p:grpSpPr>
+      <p:sp>
+        <p:nvSpPr>
+          <p:cNvPr id="2" name="幻灯片图像占位符 1"/>
+          <p:cNvSpPr>
+            <a:spLocks noGrp="1" noRot="1" noChangeAspect="1"/>
+          </p:cNvSpPr>
+          <p:nvPr>
+            <p:ph type="sldImg"/>
+          </p:nvPr>
+        </p:nvSpPr>
+        <p:spPr/>
+      </p:sp>
+      <p:sp>
+        <p:nvSpPr>
+          <p:cNvPr id="3" name="备注占位符 2"/>
+          <p:cNvSpPr>
+            <a:spLocks noGrp="1"/>
+          </p:cNvSpPr>
+          <p:nvPr>
+            <p:ph type="body" idx="1"/>
+          </p:nvPr>
+        </p:nvSpPr>
+        <p:spPr/>
+        <p:txBody>
+          <a:bodyPr/>
+          <a:lstStyle/>
+          <a:p>
+            <a:r>
+              <a:rPr lang="en-US" altLang="zh-CN" dirty="0"/>
+              <a:t>Well ,let know about </a:t>
+            </a:r>
+            <a:r>
+              <a:rPr lang="en-US" altLang="zh-CN"/>
+              <a:t>some realities.</a:t>
+            </a:r>
+            <a:endParaRPr lang="zh-CN" altLang="en-US" dirty="0"/>
+          </a:p>
+        </p:txBody>
+      </p:sp>
+      <p:sp>
+        <p:nvSpPr>
+          <p:cNvPr id="4" name="灯片编号占位符 3"/>
+          <p:cNvSpPr>
+            <a:spLocks noGrp="1"/>
+          </p:cNvSpPr>
+          <p:nvPr>
+            <p:ph type="sldNum" sz="quarter" idx="10"/>
+          </p:nvPr>
+        </p:nvSpPr>
+        <p:spPr/>
+        <p:txBody>
+          <a:bodyPr/>
+          <a:lstStyle/>
+          <a:p>
+            <a:fld id="{BFEAC89E-BDAD-4DD7-BC7E-8ADA36915ECC}" type="slidenum">
+              <a:rPr lang="zh-CN" altLang="en-US" smtClean="0"/>
+              <a:t>4</a:t>
+            </a:fld>
+            <a:endParaRPr lang="zh-CN" altLang="en-US"/>
+          </a:p>
+        </p:txBody>
+      </p:sp>
+    </p:spTree>
+    <p:extLst>
+      <p:ext uri="{BB962C8B-B14F-4D97-AF65-F5344CB8AC3E}">
+        <p14:creationId xmlns:p14="http://schemas.microsoft.com/office/powerpoint/2010/main" val="2113681754"/>
+      </p:ext>
+    </p:extLst>
+  </p:cSld>
+  <p:clrMapOvr>
+    <a:masterClrMapping/>
+  </p:clrMapOvr>
+</p:notes>
+</file>
+
+<file path=ppt/notesSlides/notesSlide2.xml><?xml version="1.0" encoding="utf-8"?>
+<p:notes xmlns:a="http://schemas.openxmlformats.org/drawingml/2006/main" xmlns:r="http://schemas.openxmlformats.org/officeDocument/2006/relationships" xmlns:p="http://schemas.openxmlformats.org/presentationml/2006/main">
+  <p:cSld>
+    <p:spTree>
+      <p:nvGrpSpPr>
+        <p:cNvPr id="1" name=""/>
+        <p:cNvGrpSpPr/>
+        <p:nvPr/>
+      </p:nvGrpSpPr>
+      <p:grpSpPr>
+        <a:xfrm>
+          <a:off x="0" y="0"/>
+          <a:ext cx="0" cy="0"/>
+          <a:chOff x="0" y="0"/>
+          <a:chExt cx="0" cy="0"/>
+        </a:xfrm>
+      </p:grpSpPr>
+      <p:sp>
+        <p:nvSpPr>
+          <p:cNvPr id="2" name="幻灯片图像占位符 1"/>
+          <p:cNvSpPr>
+            <a:spLocks noGrp="1" noRot="1" noChangeAspect="1"/>
+          </p:cNvSpPr>
+          <p:nvPr>
+            <p:ph type="sldImg"/>
+          </p:nvPr>
+        </p:nvSpPr>
+        <p:spPr/>
+      </p:sp>
+      <p:sp>
+        <p:nvSpPr>
+          <p:cNvPr id="3" name="备注占位符 2"/>
+          <p:cNvSpPr>
+            <a:spLocks noGrp="1"/>
+          </p:cNvSpPr>
+          <p:nvPr>
+            <p:ph type="body" idx="1"/>
+          </p:nvPr>
+        </p:nvSpPr>
+        <p:spPr/>
+        <p:txBody>
+          <a:bodyPr/>
+          <a:lstStyle/>
+          <a:p>
+            <a:r>
+              <a:rPr lang="en-US" altLang="zh-CN" dirty="0"/>
+              <a:t>* One major opinion is that animals raised by human beings have rights like human beings and live a happy life.</a:t>
+            </a:r>
+          </a:p>
+          <a:p>
+            <a:r>
+              <a:rPr lang="en-US" altLang="zh-CN" dirty="0"/>
+              <a:t>* Another major opinion is that animals are suffering great pain and they totally have no rights or respect.</a:t>
+            </a:r>
+            <a:endParaRPr lang="zh-CN" altLang="en-US" dirty="0"/>
+          </a:p>
+        </p:txBody>
+      </p:sp>
+      <p:sp>
+        <p:nvSpPr>
+          <p:cNvPr id="4" name="灯片编号占位符 3"/>
+          <p:cNvSpPr>
+            <a:spLocks noGrp="1"/>
+          </p:cNvSpPr>
+          <p:nvPr>
+            <p:ph type="sldNum" sz="quarter" idx="10"/>
+          </p:nvPr>
+        </p:nvSpPr>
+        <p:spPr/>
+        <p:txBody>
+          <a:bodyPr/>
+          <a:lstStyle/>
+          <a:p>
+            <a:fld id="{BFEAC89E-BDAD-4DD7-BC7E-8ADA36915ECC}" type="slidenum">
+              <a:rPr lang="zh-CN" altLang="en-US" smtClean="0"/>
+              <a:t>5</a:t>
+            </a:fld>
+            <a:endParaRPr lang="zh-CN" altLang="en-US"/>
+          </a:p>
+        </p:txBody>
+      </p:sp>
+    </p:spTree>
+    <p:extLst>
+      <p:ext uri="{BB962C8B-B14F-4D97-AF65-F5344CB8AC3E}">
+        <p14:creationId xmlns:p14="http://schemas.microsoft.com/office/powerpoint/2010/main" val="2833528468"/>
+      </p:ext>
+    </p:extLst>
+  </p:cSld>
+  <p:clrMapOvr>
+    <a:masterClrMapping/>
+  </p:clrMapOvr>
+</p:notes>
+</file>
+
+<file path=ppt/notesSlides/notesSlide3.xml><?xml version="1.0" encoding="utf-8"?>
+<p:notes xmlns:a="http://schemas.openxmlformats.org/drawingml/2006/main" xmlns:r="http://schemas.openxmlformats.org/officeDocument/2006/relationships" xmlns:p="http://schemas.openxmlformats.org/presentationml/2006/main">
+  <p:cSld>
+    <p:spTree>
+      <p:nvGrpSpPr>
+        <p:cNvPr id="1" name=""/>
+        <p:cNvGrpSpPr/>
+        <p:nvPr/>
+      </p:nvGrpSpPr>
+      <p:grpSpPr>
+        <a:xfrm>
+          <a:off x="0" y="0"/>
+          <a:ext cx="0" cy="0"/>
+          <a:chOff x="0" y="0"/>
+          <a:chExt cx="0" cy="0"/>
+        </a:xfrm>
+      </p:grpSpPr>
+      <p:sp>
+        <p:nvSpPr>
+          <p:cNvPr id="2" name="幻灯片图像占位符 1"/>
+          <p:cNvSpPr>
+            <a:spLocks noGrp="1" noRot="1" noChangeAspect="1"/>
+          </p:cNvSpPr>
+          <p:nvPr>
+            <p:ph type="sldImg"/>
+          </p:nvPr>
+        </p:nvSpPr>
+        <p:spPr/>
+      </p:sp>
+      <p:sp>
+        <p:nvSpPr>
+          <p:cNvPr id="3" name="备注占位符 2"/>
+          <p:cNvSpPr>
+            <a:spLocks noGrp="1"/>
+          </p:cNvSpPr>
+          <p:nvPr>
+            <p:ph type="body" idx="1"/>
+          </p:nvPr>
+        </p:nvSpPr>
+        <p:spPr/>
+        <p:txBody>
+          <a:bodyPr/>
+          <a:lstStyle/>
+          <a:p>
+            <a:pPr marL="0" marR="0" lvl="0" indent="0" algn="l" defTabSz="914400" rtl="0" eaLnBrk="1" fontAlgn="auto" latinLnBrk="0" hangingPunct="1">
+              <a:lnSpc>
+                <a:spcPct val="100000"/>
+              </a:lnSpc>
+              <a:spcBef>
+                <a:spcPts val="0"/>
+              </a:spcBef>
+              <a:spcAft>
+                <a:spcPts val="0"/>
+              </a:spcAft>
+              <a:buClrTx/>
+              <a:buSzTx/>
+              <a:buFontTx/>
+              <a:buNone/>
+              <a:tabLst/>
+              <a:defRPr/>
+            </a:pPr>
+            <a:r>
+              <a:rPr lang="en-US" altLang="zh-CN" sz="1200" b="0" kern="1200" dirty="0">
+                <a:solidFill>
+                  <a:schemeClr val="tx1"/>
+                </a:solidFill>
+                <a:effectLst/>
+                <a:latin typeface="+mn-lt"/>
+                <a:ea typeface="+mn-ea"/>
+                <a:cs typeface="+mn-cs"/>
+              </a:rPr>
+              <a:t>    * As a matter of fact. Both of them exists. In some area, most animals are taken good care of even if some kind of animals like pigs. People will let them fell less pain when killing them. However, in other places, thing may not be so fantastic to animals. We have to admit that some of us kill animals just for unreasonable profile, vanity or just for fun. They killed animals in extremely cruel way. That's what most of us can't accept. </a:t>
+            </a:r>
+          </a:p>
+          <a:p>
+            <a:endParaRPr lang="zh-CN" altLang="en-US" dirty="0"/>
+          </a:p>
+        </p:txBody>
+      </p:sp>
+      <p:sp>
+        <p:nvSpPr>
+          <p:cNvPr id="4" name="灯片编号占位符 3"/>
+          <p:cNvSpPr>
+            <a:spLocks noGrp="1"/>
+          </p:cNvSpPr>
+          <p:nvPr>
+            <p:ph type="sldNum" sz="quarter" idx="10"/>
+          </p:nvPr>
+        </p:nvSpPr>
+        <p:spPr/>
+        <p:txBody>
+          <a:bodyPr/>
+          <a:lstStyle/>
+          <a:p>
+            <a:fld id="{BFEAC89E-BDAD-4DD7-BC7E-8ADA36915ECC}" type="slidenum">
+              <a:rPr lang="zh-CN" altLang="en-US" smtClean="0"/>
+              <a:t>6</a:t>
+            </a:fld>
+            <a:endParaRPr lang="zh-CN" altLang="en-US"/>
+          </a:p>
+        </p:txBody>
+      </p:sp>
+    </p:spTree>
+    <p:extLst>
+      <p:ext uri="{BB962C8B-B14F-4D97-AF65-F5344CB8AC3E}">
+        <p14:creationId xmlns:p14="http://schemas.microsoft.com/office/powerpoint/2010/main" val="2488045623"/>
+      </p:ext>
+    </p:extLst>
+  </p:cSld>
+  <p:clrMapOvr>
+    <a:masterClrMapping/>
+  </p:clrMapOvr>
+</p:notes>
+</file>
+
+<file path=ppt/notesSlides/notesSlide4.xml><?xml version="1.0" encoding="utf-8"?>
+<p:notes xmlns:a="http://schemas.openxmlformats.org/drawingml/2006/main" xmlns:r="http://schemas.openxmlformats.org/officeDocument/2006/relationships" xmlns:p="http://schemas.openxmlformats.org/presentationml/2006/main">
+  <p:cSld>
+    <p:spTree>
+      <p:nvGrpSpPr>
+        <p:cNvPr id="1" name=""/>
+        <p:cNvGrpSpPr/>
+        <p:nvPr/>
+      </p:nvGrpSpPr>
+      <p:grpSpPr>
+        <a:xfrm>
+          <a:off x="0" y="0"/>
+          <a:ext cx="0" cy="0"/>
+          <a:chOff x="0" y="0"/>
+          <a:chExt cx="0" cy="0"/>
+        </a:xfrm>
+      </p:grpSpPr>
+      <p:sp>
+        <p:nvSpPr>
+          <p:cNvPr id="2" name="幻灯片图像占位符 1"/>
+          <p:cNvSpPr>
+            <a:spLocks noGrp="1" noRot="1" noChangeAspect="1"/>
+          </p:cNvSpPr>
+          <p:nvPr>
+            <p:ph type="sldImg"/>
+          </p:nvPr>
+        </p:nvSpPr>
+        <p:spPr/>
+      </p:sp>
+      <p:sp>
+        <p:nvSpPr>
+          <p:cNvPr id="3" name="备注占位符 2"/>
+          <p:cNvSpPr>
+            <a:spLocks noGrp="1"/>
+          </p:cNvSpPr>
+          <p:nvPr>
+            <p:ph type="body" idx="1"/>
+          </p:nvPr>
+        </p:nvSpPr>
+        <p:spPr/>
+        <p:txBody>
+          <a:bodyPr/>
+          <a:lstStyle/>
+          <a:p>
+            <a:r>
+              <a:rPr lang="en-US" altLang="zh-CN" sz="1200" b="0" kern="1200" dirty="0">
+                <a:solidFill>
+                  <a:schemeClr val="tx1"/>
+                </a:solidFill>
+                <a:effectLst/>
+                <a:latin typeface="+mn-lt"/>
+                <a:ea typeface="+mn-ea"/>
+                <a:cs typeface="+mn-cs"/>
+              </a:rPr>
+              <a:t>    * We are happy to witness the found of all kinds of animal rights protection organizations and more and more volunteers participating various of activities. With the developing of human beings, animals rights were being more and more think highly of. We start to care about what animals feeling and whether they lives well.</a:t>
+            </a:r>
+          </a:p>
+          <a:p>
+            <a:r>
+              <a:rPr lang="en-US" altLang="zh-CN" sz="1200" b="0" kern="1200" dirty="0">
+                <a:solidFill>
+                  <a:schemeClr val="tx1"/>
+                </a:solidFill>
+                <a:effectLst/>
+                <a:latin typeface="+mn-lt"/>
+                <a:ea typeface="+mn-ea"/>
+                <a:cs typeface="+mn-cs"/>
+              </a:rPr>
+              <a:t>    * We are also sad to see news that there were still hundred of thousands of abandoned pet walking alone the street and have no place to sleep and no food to eat. Hundreds of thousands of endangered animals were being killed everyday illegal because it will bring income to hunters. Some children and adults get joy by cheating small and weak animals such as their home hold animals, Id don't think their home hold animals can be seen as pets, these animals are more like inanimate objects to their owner.</a:t>
+            </a:r>
+          </a:p>
+          <a:p>
+            <a:r>
+              <a:rPr lang="en-US" altLang="zh-CN" sz="1200" b="0" kern="1200" dirty="0">
+                <a:solidFill>
+                  <a:schemeClr val="tx1"/>
+                </a:solidFill>
+                <a:effectLst/>
+                <a:latin typeface="+mn-lt"/>
+                <a:ea typeface="+mn-ea"/>
+                <a:cs typeface="+mn-cs"/>
+              </a:rPr>
+              <a:t>    * Well we </a:t>
+            </a:r>
+            <a:r>
+              <a:rPr lang="en-US" altLang="zh-CN" sz="1200" b="0" kern="1200" dirty="0" err="1">
+                <a:solidFill>
+                  <a:schemeClr val="tx1"/>
+                </a:solidFill>
+                <a:effectLst/>
+                <a:latin typeface="+mn-lt"/>
+                <a:ea typeface="+mn-ea"/>
+                <a:cs typeface="+mn-cs"/>
+              </a:rPr>
+              <a:t>shoud</a:t>
+            </a:r>
+            <a:r>
+              <a:rPr lang="en-US" altLang="zh-CN" sz="1200" b="0" kern="1200" dirty="0">
+                <a:solidFill>
+                  <a:schemeClr val="tx1"/>
+                </a:solidFill>
+                <a:effectLst/>
+                <a:latin typeface="+mn-lt"/>
+                <a:ea typeface="+mn-ea"/>
+                <a:cs typeface="+mn-cs"/>
+              </a:rPr>
+              <a:t> be confident to our future ,and at the meantime, we have to suffering the pain to overcome the difficulty to improve our mind and thought.</a:t>
+            </a:r>
+          </a:p>
+          <a:p>
+            <a:br>
+              <a:rPr lang="en-US" altLang="zh-CN" sz="1200" b="0" kern="1200" dirty="0">
+                <a:solidFill>
+                  <a:schemeClr val="tx1"/>
+                </a:solidFill>
+                <a:effectLst/>
+                <a:latin typeface="+mn-lt"/>
+                <a:ea typeface="+mn-ea"/>
+                <a:cs typeface="+mn-cs"/>
+              </a:rPr>
+            </a:br>
+            <a:endParaRPr lang="en-US" altLang="zh-CN" sz="1200" b="0" kern="1200" dirty="0">
+              <a:solidFill>
+                <a:schemeClr val="tx1"/>
+              </a:solidFill>
+              <a:effectLst/>
+              <a:latin typeface="+mn-lt"/>
+              <a:ea typeface="+mn-ea"/>
+              <a:cs typeface="+mn-cs"/>
+            </a:endParaRPr>
+          </a:p>
+          <a:p>
+            <a:endParaRPr lang="zh-CN" altLang="en-US" dirty="0"/>
+          </a:p>
+        </p:txBody>
+      </p:sp>
+      <p:sp>
+        <p:nvSpPr>
+          <p:cNvPr id="4" name="灯片编号占位符 3"/>
+          <p:cNvSpPr>
+            <a:spLocks noGrp="1"/>
+          </p:cNvSpPr>
+          <p:nvPr>
+            <p:ph type="sldNum" sz="quarter" idx="10"/>
+          </p:nvPr>
+        </p:nvSpPr>
+        <p:spPr/>
+        <p:txBody>
+          <a:bodyPr/>
+          <a:lstStyle/>
+          <a:p>
+            <a:fld id="{BFEAC89E-BDAD-4DD7-BC7E-8ADA36915ECC}" type="slidenum">
+              <a:rPr lang="zh-CN" altLang="en-US" smtClean="0"/>
+              <a:t>7</a:t>
+            </a:fld>
+            <a:endParaRPr lang="zh-CN" altLang="en-US"/>
+          </a:p>
+        </p:txBody>
+      </p:sp>
+    </p:spTree>
+    <p:extLst>
+      <p:ext uri="{BB962C8B-B14F-4D97-AF65-F5344CB8AC3E}">
+        <p14:creationId xmlns:p14="http://schemas.microsoft.com/office/powerpoint/2010/main" val="2519715900"/>
+      </p:ext>
+    </p:extLst>
+  </p:cSld>
+  <p:clrMapOvr>
+    <a:masterClrMapping/>
+  </p:clrMapOvr>
+</p:notes>
+</file>
+
 <file path=ppt/slideLayouts/slideLayout1.xml><?xml version="1.0" encoding="utf-8"?>
-<p:sldLayout xmlns:a="http://schemas.openxmlformats.org/drawingml/2006/main" xmlns:p="http://schemas.openxmlformats.org/presentationml/2006/main" xmlns:r="http://schemas.openxmlformats.org/officeDocument/2006/relationships" type="blank" preserve="1">
+<p:sldLayout xmlns:a="http://schemas.openxmlformats.org/drawingml/2006/main" xmlns:r="http://schemas.openxmlformats.org/officeDocument/2006/relationships" xmlns:p="http://schemas.openxmlformats.org/presentationml/2006/main" type="blank" preserve="1">
   <p:cSld name="Blank Slide">
     <p:spTree>
       <p:nvGrpSpPr>
@@ -41,11 +963,14 @@
       </p:grpSpPr>
     </p:spTree>
   </p:cSld>
+  <p:clrMapOvr>
+    <a:masterClrMapping/>
+  </p:clrMapOvr>
 </p:sldLayout>
 </file>
 
 <file path=ppt/slideLayouts/slideLayout10.xml><?xml version="1.0" encoding="utf-8"?>
-<p:sldLayout xmlns:a="http://schemas.openxmlformats.org/drawingml/2006/main" xmlns:p="http://schemas.openxmlformats.org/presentationml/2006/main" xmlns:r="http://schemas.openxmlformats.org/officeDocument/2006/relationships" type="objOverTx" preserve="1">
+<p:sldLayout xmlns:a="http://schemas.openxmlformats.org/drawingml/2006/main" xmlns:r="http://schemas.openxmlformats.org/officeDocument/2006/relationships" xmlns:p="http://schemas.openxmlformats.org/presentationml/2006/main" type="objOverTx" preserve="1">
   <p:cSld name="Title, Content over Content">
     <p:spTree>
       <p:nvGrpSpPr>
@@ -81,7 +1006,8 @@
           </a:prstGeom>
         </p:spPr>
         <p:txBody>
-          <a:bodyPr lIns="0" rIns="0" tIns="0" bIns="0" anchor="ctr"/>
+          <a:bodyPr lIns="0" tIns="0" rIns="0" bIns="0" anchor="ctr"/>
+          <a:lstStyle/>
           <a:p>
             <a:pPr algn="ctr"/>
             <a:endParaRPr/>
@@ -108,7 +1034,8 @@
           </a:prstGeom>
         </p:spPr>
         <p:txBody>
-          <a:bodyPr lIns="0" rIns="0" tIns="0" bIns="0"/>
+          <a:bodyPr lIns="0" tIns="0" rIns="0" bIns="0"/>
+          <a:lstStyle/>
           <a:p>
             <a:endParaRPr/>
           </a:p>
@@ -134,7 +1061,8 @@
           </a:prstGeom>
         </p:spPr>
         <p:txBody>
-          <a:bodyPr lIns="0" rIns="0" tIns="0" bIns="0"/>
+          <a:bodyPr lIns="0" tIns="0" rIns="0" bIns="0"/>
+          <a:lstStyle/>
           <a:p>
             <a:endParaRPr/>
           </a:p>
@@ -142,11 +1070,14 @@
       </p:sp>
     </p:spTree>
   </p:cSld>
+  <p:clrMapOvr>
+    <a:masterClrMapping/>
+  </p:clrMapOvr>
 </p:sldLayout>
 </file>
 
 <file path=ppt/slideLayouts/slideLayout11.xml><?xml version="1.0" encoding="utf-8"?>
-<p:sldLayout xmlns:a="http://schemas.openxmlformats.org/drawingml/2006/main" xmlns:p="http://schemas.openxmlformats.org/presentationml/2006/main" xmlns:r="http://schemas.openxmlformats.org/officeDocument/2006/relationships" type="fourObj" preserve="1">
+<p:sldLayout xmlns:a="http://schemas.openxmlformats.org/drawingml/2006/main" xmlns:r="http://schemas.openxmlformats.org/officeDocument/2006/relationships" xmlns:p="http://schemas.openxmlformats.org/presentationml/2006/main" type="fourObj" preserve="1">
   <p:cSld name="Title, 4 Content">
     <p:spTree>
       <p:nvGrpSpPr>
@@ -182,7 +1113,8 @@
           </a:prstGeom>
         </p:spPr>
         <p:txBody>
-          <a:bodyPr lIns="0" rIns="0" tIns="0" bIns="0" anchor="ctr"/>
+          <a:bodyPr lIns="0" tIns="0" rIns="0" bIns="0" anchor="ctr"/>
+          <a:lstStyle/>
           <a:p>
             <a:pPr algn="ctr"/>
             <a:endParaRPr/>
@@ -209,7 +1141,8 @@
           </a:prstGeom>
         </p:spPr>
         <p:txBody>
-          <a:bodyPr lIns="0" rIns="0" tIns="0" bIns="0"/>
+          <a:bodyPr lIns="0" tIns="0" rIns="0" bIns="0"/>
+          <a:lstStyle/>
           <a:p>
             <a:endParaRPr/>
           </a:p>
@@ -235,7 +1168,8 @@
           </a:prstGeom>
         </p:spPr>
         <p:txBody>
-          <a:bodyPr lIns="0" rIns="0" tIns="0" bIns="0"/>
+          <a:bodyPr lIns="0" tIns="0" rIns="0" bIns="0"/>
+          <a:lstStyle/>
           <a:p>
             <a:endParaRPr/>
           </a:p>
@@ -261,7 +1195,8 @@
           </a:prstGeom>
         </p:spPr>
         <p:txBody>
-          <a:bodyPr lIns="0" rIns="0" tIns="0" bIns="0"/>
+          <a:bodyPr lIns="0" tIns="0" rIns="0" bIns="0"/>
+          <a:lstStyle/>
           <a:p>
             <a:endParaRPr/>
           </a:p>
@@ -287,7 +1222,8 @@
           </a:prstGeom>
         </p:spPr>
         <p:txBody>
-          <a:bodyPr lIns="0" rIns="0" tIns="0" bIns="0"/>
+          <a:bodyPr lIns="0" tIns="0" rIns="0" bIns="0"/>
+          <a:lstStyle/>
           <a:p>
             <a:endParaRPr/>
           </a:p>
@@ -295,11 +1231,14 @@
       </p:sp>
     </p:spTree>
   </p:cSld>
+  <p:clrMapOvr>
+    <a:masterClrMapping/>
+  </p:clrMapOvr>
 </p:sldLayout>
 </file>
 
 <file path=ppt/slideLayouts/slideLayout12.xml><?xml version="1.0" encoding="utf-8"?>
-<p:sldLayout xmlns:a="http://schemas.openxmlformats.org/drawingml/2006/main" xmlns:p="http://schemas.openxmlformats.org/presentationml/2006/main" xmlns:r="http://schemas.openxmlformats.org/officeDocument/2006/relationships" type="blank" preserve="1">
+<p:sldLayout xmlns:a="http://schemas.openxmlformats.org/drawingml/2006/main" xmlns:r="http://schemas.openxmlformats.org/officeDocument/2006/relationships" xmlns:p="http://schemas.openxmlformats.org/presentationml/2006/main" type="blank" preserve="1">
   <p:cSld name="Title, 6 Content">
     <p:spTree>
       <p:nvGrpSpPr>
@@ -335,7 +1274,8 @@
           </a:prstGeom>
         </p:spPr>
         <p:txBody>
-          <a:bodyPr lIns="0" rIns="0" tIns="0" bIns="0" anchor="ctr"/>
+          <a:bodyPr lIns="0" tIns="0" rIns="0" bIns="0" anchor="ctr"/>
+          <a:lstStyle/>
           <a:p>
             <a:pPr algn="ctr"/>
             <a:endParaRPr/>
@@ -362,7 +1302,8 @@
           </a:prstGeom>
         </p:spPr>
         <p:txBody>
-          <a:bodyPr lIns="0" rIns="0" tIns="0" bIns="0"/>
+          <a:bodyPr lIns="0" tIns="0" rIns="0" bIns="0"/>
+          <a:lstStyle/>
           <a:p>
             <a:endParaRPr/>
           </a:p>
@@ -388,7 +1329,8 @@
           </a:prstGeom>
         </p:spPr>
         <p:txBody>
-          <a:bodyPr lIns="0" rIns="0" tIns="0" bIns="0"/>
+          <a:bodyPr lIns="0" tIns="0" rIns="0" bIns="0"/>
+          <a:lstStyle/>
           <a:p>
             <a:endParaRPr/>
           </a:p>
@@ -396,7 +1338,7 @@
       </p:sp>
       <p:pic>
         <p:nvPicPr>
-          <p:cNvPr id="37" name="" descr=""/>
+          <p:cNvPr id="37" name="图片 36"/>
           <p:cNvPicPr/>
           <p:nvPr/>
         </p:nvPicPr>
@@ -421,12 +1363,12 @@
       </p:pic>
       <p:pic>
         <p:nvPicPr>
-          <p:cNvPr id="38" name="" descr=""/>
+          <p:cNvPr id="38" name="图片 37"/>
           <p:cNvPicPr/>
           <p:nvPr/>
         </p:nvPicPr>
         <p:blipFill>
-          <a:blip r:embed="rId3"/>
+          <a:blip r:embed="rId2"/>
           <a:stretch>
             <a:fillRect/>
           </a:stretch>
@@ -446,11 +1388,14 @@
       </p:pic>
     </p:spTree>
   </p:cSld>
+  <p:clrMapOvr>
+    <a:masterClrMapping/>
+  </p:clrMapOvr>
 </p:sldLayout>
 </file>
 
 <file path=ppt/slideLayouts/slideLayout2.xml><?xml version="1.0" encoding="utf-8"?>
-<p:sldLayout xmlns:a="http://schemas.openxmlformats.org/drawingml/2006/main" xmlns:p="http://schemas.openxmlformats.org/presentationml/2006/main" xmlns:r="http://schemas.openxmlformats.org/officeDocument/2006/relationships" type="tx" preserve="1">
+<p:sldLayout xmlns:a="http://schemas.openxmlformats.org/drawingml/2006/main" xmlns:r="http://schemas.openxmlformats.org/officeDocument/2006/relationships" xmlns:p="http://schemas.openxmlformats.org/presentationml/2006/main" type="tx" preserve="1">
   <p:cSld name="Title Slide">
     <p:spTree>
       <p:nvGrpSpPr>
@@ -486,7 +1431,8 @@
           </a:prstGeom>
         </p:spPr>
         <p:txBody>
-          <a:bodyPr lIns="0" rIns="0" tIns="0" bIns="0" anchor="ctr"/>
+          <a:bodyPr lIns="0" tIns="0" rIns="0" bIns="0" anchor="ctr"/>
+          <a:lstStyle/>
           <a:p>
             <a:pPr algn="ctr"/>
             <a:endParaRPr/>
@@ -513,7 +1459,8 @@
           </a:prstGeom>
         </p:spPr>
         <p:txBody>
-          <a:bodyPr lIns="0" rIns="0" tIns="0" bIns="0" anchor="ctr"/>
+          <a:bodyPr lIns="0" tIns="0" rIns="0" bIns="0" anchor="ctr"/>
+          <a:lstStyle/>
           <a:p>
             <a:pPr algn="ctr"/>
             <a:endParaRPr/>
@@ -522,11 +1469,14 @@
       </p:sp>
     </p:spTree>
   </p:cSld>
+  <p:clrMapOvr>
+    <a:masterClrMapping/>
+  </p:clrMapOvr>
 </p:sldLayout>
 </file>
 
 <file path=ppt/slideLayouts/slideLayout3.xml><?xml version="1.0" encoding="utf-8"?>
-<p:sldLayout xmlns:a="http://schemas.openxmlformats.org/drawingml/2006/main" xmlns:p="http://schemas.openxmlformats.org/presentationml/2006/main" xmlns:r="http://schemas.openxmlformats.org/officeDocument/2006/relationships" type="obj" preserve="1">
+<p:sldLayout xmlns:a="http://schemas.openxmlformats.org/drawingml/2006/main" xmlns:r="http://schemas.openxmlformats.org/officeDocument/2006/relationships" xmlns:p="http://schemas.openxmlformats.org/presentationml/2006/main" type="obj" preserve="1">
   <p:cSld name="Title, Content">
     <p:spTree>
       <p:nvGrpSpPr>
@@ -562,7 +1512,8 @@
           </a:prstGeom>
         </p:spPr>
         <p:txBody>
-          <a:bodyPr lIns="0" rIns="0" tIns="0" bIns="0" anchor="ctr"/>
+          <a:bodyPr lIns="0" tIns="0" rIns="0" bIns="0" anchor="ctr"/>
+          <a:lstStyle/>
           <a:p>
             <a:pPr algn="ctr"/>
             <a:endParaRPr/>
@@ -589,7 +1540,8 @@
           </a:prstGeom>
         </p:spPr>
         <p:txBody>
-          <a:bodyPr lIns="0" rIns="0" tIns="0" bIns="0"/>
+          <a:bodyPr lIns="0" tIns="0" rIns="0" bIns="0"/>
+          <a:lstStyle/>
           <a:p>
             <a:endParaRPr/>
           </a:p>
@@ -597,11 +1549,14 @@
       </p:sp>
     </p:spTree>
   </p:cSld>
+  <p:clrMapOvr>
+    <a:masterClrMapping/>
+  </p:clrMapOvr>
 </p:sldLayout>
 </file>
 
 <file path=ppt/slideLayouts/slideLayout4.xml><?xml version="1.0" encoding="utf-8"?>
-<p:sldLayout xmlns:a="http://schemas.openxmlformats.org/drawingml/2006/main" xmlns:p="http://schemas.openxmlformats.org/presentationml/2006/main" xmlns:r="http://schemas.openxmlformats.org/officeDocument/2006/relationships" type="twoObj" preserve="1">
+<p:sldLayout xmlns:a="http://schemas.openxmlformats.org/drawingml/2006/main" xmlns:r="http://schemas.openxmlformats.org/officeDocument/2006/relationships" xmlns:p="http://schemas.openxmlformats.org/presentationml/2006/main" type="twoObj" preserve="1">
   <p:cSld name="Title, 2 Content">
     <p:spTree>
       <p:nvGrpSpPr>
@@ -637,7 +1592,8 @@
           </a:prstGeom>
         </p:spPr>
         <p:txBody>
-          <a:bodyPr lIns="0" rIns="0" tIns="0" bIns="0" anchor="ctr"/>
+          <a:bodyPr lIns="0" tIns="0" rIns="0" bIns="0" anchor="ctr"/>
+          <a:lstStyle/>
           <a:p>
             <a:pPr algn="ctr"/>
             <a:endParaRPr/>
@@ -664,7 +1620,8 @@
           </a:prstGeom>
         </p:spPr>
         <p:txBody>
-          <a:bodyPr lIns="0" rIns="0" tIns="0" bIns="0"/>
+          <a:bodyPr lIns="0" tIns="0" rIns="0" bIns="0"/>
+          <a:lstStyle/>
           <a:p>
             <a:endParaRPr/>
           </a:p>
@@ -690,7 +1647,8 @@
           </a:prstGeom>
         </p:spPr>
         <p:txBody>
-          <a:bodyPr lIns="0" rIns="0" tIns="0" bIns="0"/>
+          <a:bodyPr lIns="0" tIns="0" rIns="0" bIns="0"/>
+          <a:lstStyle/>
           <a:p>
             <a:endParaRPr/>
           </a:p>
@@ -698,11 +1656,14 @@
       </p:sp>
     </p:spTree>
   </p:cSld>
+  <p:clrMapOvr>
+    <a:masterClrMapping/>
+  </p:clrMapOvr>
 </p:sldLayout>
 </file>
 
 <file path=ppt/slideLayouts/slideLayout5.xml><?xml version="1.0" encoding="utf-8"?>
-<p:sldLayout xmlns:a="http://schemas.openxmlformats.org/drawingml/2006/main" xmlns:p="http://schemas.openxmlformats.org/presentationml/2006/main" xmlns:r="http://schemas.openxmlformats.org/officeDocument/2006/relationships" type="titleOnly" preserve="1">
+<p:sldLayout xmlns:a="http://schemas.openxmlformats.org/drawingml/2006/main" xmlns:r="http://schemas.openxmlformats.org/officeDocument/2006/relationships" xmlns:p="http://schemas.openxmlformats.org/presentationml/2006/main" type="titleOnly" preserve="1">
   <p:cSld name="Title Only">
     <p:spTree>
       <p:nvGrpSpPr>
@@ -738,7 +1699,8 @@
           </a:prstGeom>
         </p:spPr>
         <p:txBody>
-          <a:bodyPr lIns="0" rIns="0" tIns="0" bIns="0" anchor="ctr"/>
+          <a:bodyPr lIns="0" tIns="0" rIns="0" bIns="0" anchor="ctr"/>
+          <a:lstStyle/>
           <a:p>
             <a:pPr algn="ctr"/>
             <a:endParaRPr/>
@@ -747,11 +1709,14 @@
       </p:sp>
     </p:spTree>
   </p:cSld>
+  <p:clrMapOvr>
+    <a:masterClrMapping/>
+  </p:clrMapOvr>
 </p:sldLayout>
 </file>
 
 <file path=ppt/slideLayouts/slideLayout6.xml><?xml version="1.0" encoding="utf-8"?>
-<p:sldLayout xmlns:a="http://schemas.openxmlformats.org/drawingml/2006/main" xmlns:p="http://schemas.openxmlformats.org/presentationml/2006/main" xmlns:r="http://schemas.openxmlformats.org/officeDocument/2006/relationships" type="objOnly" preserve="1">
+<p:sldLayout xmlns:a="http://schemas.openxmlformats.org/drawingml/2006/main" xmlns:r="http://schemas.openxmlformats.org/officeDocument/2006/relationships" xmlns:p="http://schemas.openxmlformats.org/presentationml/2006/main" type="objOnly" preserve="1">
   <p:cSld name="Centered Text">
     <p:spTree>
       <p:nvGrpSpPr>
@@ -787,7 +1752,8 @@
           </a:prstGeom>
         </p:spPr>
         <p:txBody>
-          <a:bodyPr lIns="0" rIns="0" tIns="0" bIns="0" anchor="ctr"/>
+          <a:bodyPr lIns="0" tIns="0" rIns="0" bIns="0" anchor="ctr"/>
+          <a:lstStyle/>
           <a:p>
             <a:pPr algn="ctr"/>
             <a:endParaRPr/>
@@ -796,11 +1762,14 @@
       </p:sp>
     </p:spTree>
   </p:cSld>
+  <p:clrMapOvr>
+    <a:masterClrMapping/>
+  </p:clrMapOvr>
 </p:sldLayout>
 </file>
 
 <file path=ppt/slideLayouts/slideLayout7.xml><?xml version="1.0" encoding="utf-8"?>
-<p:sldLayout xmlns:a="http://schemas.openxmlformats.org/drawingml/2006/main" xmlns:p="http://schemas.openxmlformats.org/presentationml/2006/main" xmlns:r="http://schemas.openxmlformats.org/officeDocument/2006/relationships" type="twoObjAndObj" preserve="1">
+<p:sldLayout xmlns:a="http://schemas.openxmlformats.org/drawingml/2006/main" xmlns:r="http://schemas.openxmlformats.org/officeDocument/2006/relationships" xmlns:p="http://schemas.openxmlformats.org/presentationml/2006/main" type="twoObjAndObj" preserve="1">
   <p:cSld name="Title, 2 Content and Content">
     <p:spTree>
       <p:nvGrpSpPr>
@@ -836,7 +1805,8 @@
           </a:prstGeom>
         </p:spPr>
         <p:txBody>
-          <a:bodyPr lIns="0" rIns="0" tIns="0" bIns="0" anchor="ctr"/>
+          <a:bodyPr lIns="0" tIns="0" rIns="0" bIns="0" anchor="ctr"/>
+          <a:lstStyle/>
           <a:p>
             <a:pPr algn="ctr"/>
             <a:endParaRPr/>
@@ -863,7 +1833,8 @@
           </a:prstGeom>
         </p:spPr>
         <p:txBody>
-          <a:bodyPr lIns="0" rIns="0" tIns="0" bIns="0"/>
+          <a:bodyPr lIns="0" tIns="0" rIns="0" bIns="0"/>
+          <a:lstStyle/>
           <a:p>
             <a:endParaRPr/>
           </a:p>
@@ -889,7 +1860,8 @@
           </a:prstGeom>
         </p:spPr>
         <p:txBody>
-          <a:bodyPr lIns="0" rIns="0" tIns="0" bIns="0"/>
+          <a:bodyPr lIns="0" tIns="0" rIns="0" bIns="0"/>
+          <a:lstStyle/>
           <a:p>
             <a:endParaRPr/>
           </a:p>
@@ -915,7 +1887,8 @@
           </a:prstGeom>
         </p:spPr>
         <p:txBody>
-          <a:bodyPr lIns="0" rIns="0" tIns="0" bIns="0"/>
+          <a:bodyPr lIns="0" tIns="0" rIns="0" bIns="0"/>
+          <a:lstStyle/>
           <a:p>
             <a:endParaRPr/>
           </a:p>
@@ -923,11 +1896,14 @@
       </p:sp>
     </p:spTree>
   </p:cSld>
+  <p:clrMapOvr>
+    <a:masterClrMapping/>
+  </p:clrMapOvr>
 </p:sldLayout>
 </file>
 
 <file path=ppt/slideLayouts/slideLayout8.xml><?xml version="1.0" encoding="utf-8"?>
-<p:sldLayout xmlns:a="http://schemas.openxmlformats.org/drawingml/2006/main" xmlns:p="http://schemas.openxmlformats.org/presentationml/2006/main" xmlns:r="http://schemas.openxmlformats.org/officeDocument/2006/relationships" type="objAndTwoObj" preserve="1">
+<p:sldLayout xmlns:a="http://schemas.openxmlformats.org/drawingml/2006/main" xmlns:r="http://schemas.openxmlformats.org/officeDocument/2006/relationships" xmlns:p="http://schemas.openxmlformats.org/presentationml/2006/main" type="objAndTwoObj" preserve="1">
   <p:cSld name="Title Content and 2 Content">
     <p:spTree>
       <p:nvGrpSpPr>
@@ -963,7 +1939,8 @@
           </a:prstGeom>
         </p:spPr>
         <p:txBody>
-          <a:bodyPr lIns="0" rIns="0" tIns="0" bIns="0" anchor="ctr"/>
+          <a:bodyPr lIns="0" tIns="0" rIns="0" bIns="0" anchor="ctr"/>
+          <a:lstStyle/>
           <a:p>
             <a:pPr algn="ctr"/>
             <a:endParaRPr/>
@@ -990,7 +1967,8 @@
           </a:prstGeom>
         </p:spPr>
         <p:txBody>
-          <a:bodyPr lIns="0" rIns="0" tIns="0" bIns="0"/>
+          <a:bodyPr lIns="0" tIns="0" rIns="0" bIns="0"/>
+          <a:lstStyle/>
           <a:p>
             <a:endParaRPr/>
           </a:p>
@@ -1016,7 +1994,8 @@
           </a:prstGeom>
         </p:spPr>
         <p:txBody>
-          <a:bodyPr lIns="0" rIns="0" tIns="0" bIns="0"/>
+          <a:bodyPr lIns="0" tIns="0" rIns="0" bIns="0"/>
+          <a:lstStyle/>
           <a:p>
             <a:endParaRPr/>
           </a:p>
@@ -1042,7 +2021,8 @@
           </a:prstGeom>
         </p:spPr>
         <p:txBody>
-          <a:bodyPr lIns="0" rIns="0" tIns="0" bIns="0"/>
+          <a:bodyPr lIns="0" tIns="0" rIns="0" bIns="0"/>
+          <a:lstStyle/>
           <a:p>
             <a:endParaRPr/>
           </a:p>
@@ -1050,11 +2030,14 @@
       </p:sp>
     </p:spTree>
   </p:cSld>
+  <p:clrMapOvr>
+    <a:masterClrMapping/>
+  </p:clrMapOvr>
 </p:sldLayout>
 </file>
 
 <file path=ppt/slideLayouts/slideLayout9.xml><?xml version="1.0" encoding="utf-8"?>
-<p:sldLayout xmlns:a="http://schemas.openxmlformats.org/drawingml/2006/main" xmlns:p="http://schemas.openxmlformats.org/presentationml/2006/main" xmlns:r="http://schemas.openxmlformats.org/officeDocument/2006/relationships" type="twoObjOverTx" preserve="1">
+<p:sldLayout xmlns:a="http://schemas.openxmlformats.org/drawingml/2006/main" xmlns:r="http://schemas.openxmlformats.org/officeDocument/2006/relationships" xmlns:p="http://schemas.openxmlformats.org/presentationml/2006/main" type="twoObjOverTx" preserve="1">
   <p:cSld name="Title, 2 Content over Content">
     <p:spTree>
       <p:nvGrpSpPr>
@@ -1090,7 +2073,8 @@
           </a:prstGeom>
         </p:spPr>
         <p:txBody>
-          <a:bodyPr lIns="0" rIns="0" tIns="0" bIns="0" anchor="ctr"/>
+          <a:bodyPr lIns="0" tIns="0" rIns="0" bIns="0" anchor="ctr"/>
+          <a:lstStyle/>
           <a:p>
             <a:pPr algn="ctr"/>
             <a:endParaRPr/>
@@ -1117,7 +2101,8 @@
           </a:prstGeom>
         </p:spPr>
         <p:txBody>
-          <a:bodyPr lIns="0" rIns="0" tIns="0" bIns="0"/>
+          <a:bodyPr lIns="0" tIns="0" rIns="0" bIns="0"/>
+          <a:lstStyle/>
           <a:p>
             <a:endParaRPr/>
           </a:p>
@@ -1143,7 +2128,8 @@
           </a:prstGeom>
         </p:spPr>
         <p:txBody>
-          <a:bodyPr lIns="0" rIns="0" tIns="0" bIns="0"/>
+          <a:bodyPr lIns="0" tIns="0" rIns="0" bIns="0"/>
+          <a:lstStyle/>
           <a:p>
             <a:endParaRPr/>
           </a:p>
@@ -1169,7 +2155,8 @@
           </a:prstGeom>
         </p:spPr>
         <p:txBody>
-          <a:bodyPr lIns="0" rIns="0" tIns="0" bIns="0"/>
+          <a:bodyPr lIns="0" tIns="0" rIns="0" bIns="0"/>
+          <a:lstStyle/>
           <a:p>
             <a:endParaRPr/>
           </a:p>
@@ -1177,11 +2164,593 @@
       </p:sp>
     </p:spTree>
   </p:cSld>
+  <p:clrMapOvr>
+    <a:masterClrMapping/>
+  </p:clrMapOvr>
 </p:sldLayout>
 </file>
 
 <file path=ppt/slideMasters/slideMaster1.xml><?xml version="1.0" encoding="utf-8"?>
-<p:sldMaster xmlns:a="http://schemas.openxmlformats.org/drawingml/2006/main" xmlns:p="http://schemas.openxmlformats.org/presentationml/2006/main" xmlns:r="http://schemas.openxmlformats.org/officeDocument/2006/relationships">
+<p:sldMaster xmlns:a="http://schemas.openxmlformats.org/drawingml/2006/main" xmlns:r="http://schemas.openxmlformats.org/officeDocument/2006/relationships" xmlns:p="http://schemas.openxmlformats.org/presentationml/2006/main">
+  <p:cSld>
+    <p:bg>
+      <p:bgRef idx="1001">
+        <a:schemeClr val="bg1"/>
+      </p:bgRef>
+    </p:bg>
+    <p:spTree>
+      <p:nvGrpSpPr>
+        <p:cNvPr id="1" name=""/>
+        <p:cNvGrpSpPr/>
+        <p:nvPr/>
+      </p:nvGrpSpPr>
+      <p:grpSpPr>
+        <a:xfrm>
+          <a:off x="0" y="0"/>
+          <a:ext cx="0" cy="0"/>
+          <a:chOff x="0" y="0"/>
+          <a:chExt cx="0" cy="0"/>
+        </a:xfrm>
+      </p:grpSpPr>
+      <p:sp>
+        <p:nvSpPr>
+          <p:cNvPr id="5" name="PlaceHolder 1"/>
+          <p:cNvSpPr>
+            <a:spLocks noGrp="1"/>
+          </p:cNvSpPr>
+          <p:nvPr>
+            <p:ph type="title"/>
+          </p:nvPr>
+        </p:nvSpPr>
+        <p:spPr>
+          <a:xfrm>
+            <a:off x="504000" y="301320"/>
+            <a:ext cx="9071640" cy="1262160"/>
+          </a:xfrm>
+          <a:prstGeom prst="rect">
+            <a:avLst/>
+          </a:prstGeom>
+        </p:spPr>
+        <p:txBody>
+          <a:bodyPr lIns="0" tIns="0" rIns="0" bIns="0" anchor="ctr"/>
+          <a:lstStyle/>
+          <a:p>
+            <a:pPr algn="ctr"/>
+            <a:r>
+              <a:rPr lang="en-US" sz="4400">
+                <a:latin typeface="Arial"/>
+              </a:rPr>
+              <a:t>Click to edit the title text format</a:t>
+            </a:r>
+            <a:endParaRPr/>
+          </a:p>
+        </p:txBody>
+      </p:sp>
+      <p:sp>
+        <p:nvSpPr>
+          <p:cNvPr id="6" name="PlaceHolder 2"/>
+          <p:cNvSpPr>
+            <a:spLocks noGrp="1"/>
+          </p:cNvSpPr>
+          <p:nvPr>
+            <p:ph type="body"/>
+          </p:nvPr>
+        </p:nvSpPr>
+        <p:spPr>
+          <a:xfrm>
+            <a:off x="504000" y="1769040"/>
+            <a:ext cx="9071640" cy="4384080"/>
+          </a:xfrm>
+          <a:prstGeom prst="rect">
+            <a:avLst/>
+          </a:prstGeom>
+        </p:spPr>
+        <p:txBody>
+          <a:bodyPr lIns="0" tIns="0" rIns="0" bIns="0"/>
+          <a:lstStyle/>
+          <a:p>
+            <a:pPr>
+              <a:buSzPct val="45000"/>
+              <a:buFont typeface="StarSymbol"/>
+              <a:buChar char=""/>
+            </a:pPr>
+            <a:r>
+              <a:rPr lang="en-US" sz="3200">
+                <a:latin typeface="Arial"/>
+              </a:rPr>
+              <a:t>Click to edit the outline text format</a:t>
+            </a:r>
+            <a:endParaRPr/>
+          </a:p>
+          <a:p>
+            <a:pPr lvl="1">
+              <a:buSzPct val="75000"/>
+              <a:buFont typeface="StarSymbol"/>
+              <a:buChar char=""/>
+            </a:pPr>
+            <a:r>
+              <a:rPr lang="en-US" sz="2800">
+                <a:latin typeface="Arial"/>
+              </a:rPr>
+              <a:t>Second Outline Level</a:t>
+            </a:r>
+            <a:endParaRPr/>
+          </a:p>
+          <a:p>
+            <a:pPr lvl="2">
+              <a:buSzPct val="45000"/>
+              <a:buFont typeface="StarSymbol"/>
+              <a:buChar char=""/>
+            </a:pPr>
+            <a:r>
+              <a:rPr lang="en-US" sz="2400">
+                <a:latin typeface="Arial"/>
+              </a:rPr>
+              <a:t>Third Outline Level</a:t>
+            </a:r>
+            <a:endParaRPr/>
+          </a:p>
+          <a:p>
+            <a:pPr lvl="3">
+              <a:buSzPct val="75000"/>
+              <a:buFont typeface="StarSymbol"/>
+              <a:buChar char=""/>
+            </a:pPr>
+            <a:r>
+              <a:rPr lang="en-US" sz="2000">
+                <a:latin typeface="Arial"/>
+              </a:rPr>
+              <a:t>Fourth Outline Level</a:t>
+            </a:r>
+            <a:endParaRPr/>
+          </a:p>
+          <a:p>
+            <a:pPr lvl="4">
+              <a:buSzPct val="45000"/>
+              <a:buFont typeface="StarSymbol"/>
+              <a:buChar char=""/>
+            </a:pPr>
+            <a:r>
+              <a:rPr lang="en-US" sz="2000">
+                <a:latin typeface="Arial"/>
+              </a:rPr>
+              <a:t>Fifth Outline Level</a:t>
+            </a:r>
+            <a:endParaRPr/>
+          </a:p>
+          <a:p>
+            <a:pPr lvl="5">
+              <a:buSzPct val="45000"/>
+              <a:buFont typeface="StarSymbol"/>
+              <a:buChar char=""/>
+            </a:pPr>
+            <a:r>
+              <a:rPr lang="en-US" sz="2000">
+                <a:latin typeface="Arial"/>
+              </a:rPr>
+              <a:t>Sixth Outline Level</a:t>
+            </a:r>
+            <a:endParaRPr/>
+          </a:p>
+          <a:p>
+            <a:pPr lvl="6">
+              <a:buSzPct val="45000"/>
+              <a:buFont typeface="StarSymbol"/>
+              <a:buChar char=""/>
+            </a:pPr>
+            <a:r>
+              <a:rPr lang="en-US" sz="2000">
+                <a:latin typeface="Arial"/>
+              </a:rPr>
+              <a:t>Seventh Outline Level</a:t>
+            </a:r>
+            <a:endParaRPr/>
+          </a:p>
+        </p:txBody>
+      </p:sp>
+      <p:sp>
+        <p:nvSpPr>
+          <p:cNvPr id="2" name="PlaceHolder 3"/>
+          <p:cNvSpPr>
+            <a:spLocks noGrp="1"/>
+          </p:cNvSpPr>
+          <p:nvPr>
+            <p:ph type="dt"/>
+          </p:nvPr>
+        </p:nvSpPr>
+        <p:spPr>
+          <a:xfrm>
+            <a:off x="504000" y="6887160"/>
+            <a:ext cx="2348280" cy="521280"/>
+          </a:xfrm>
+          <a:prstGeom prst="rect">
+            <a:avLst/>
+          </a:prstGeom>
+        </p:spPr>
+        <p:txBody>
+          <a:bodyPr lIns="0" tIns="0" rIns="0" bIns="0"/>
+          <a:lstStyle/>
+          <a:p>
+            <a:r>
+              <a:rPr lang="en-US" sz="1400">
+                <a:latin typeface="Times New Roman"/>
+              </a:rPr>
+              <a:t>&lt;date/time&gt;</a:t>
+            </a:r>
+            <a:endParaRPr/>
+          </a:p>
+        </p:txBody>
+      </p:sp>
+      <p:sp>
+        <p:nvSpPr>
+          <p:cNvPr id="3" name="PlaceHolder 4"/>
+          <p:cNvSpPr>
+            <a:spLocks noGrp="1"/>
+          </p:cNvSpPr>
+          <p:nvPr>
+            <p:ph type="ftr"/>
+          </p:nvPr>
+        </p:nvSpPr>
+        <p:spPr>
+          <a:xfrm>
+            <a:off x="3447360" y="6887160"/>
+            <a:ext cx="3195000" cy="521280"/>
+          </a:xfrm>
+          <a:prstGeom prst="rect">
+            <a:avLst/>
+          </a:prstGeom>
+        </p:spPr>
+        <p:txBody>
+          <a:bodyPr lIns="0" tIns="0" rIns="0" bIns="0"/>
+          <a:lstStyle/>
+          <a:p>
+            <a:pPr algn="ctr"/>
+            <a:r>
+              <a:rPr lang="en-US" sz="1400">
+                <a:latin typeface="Times New Roman"/>
+              </a:rPr>
+              <a:t>&lt;footer&gt;</a:t>
+            </a:r>
+            <a:endParaRPr/>
+          </a:p>
+        </p:txBody>
+      </p:sp>
+      <p:sp>
+        <p:nvSpPr>
+          <p:cNvPr id="4" name="PlaceHolder 5"/>
+          <p:cNvSpPr>
+            <a:spLocks noGrp="1"/>
+          </p:cNvSpPr>
+          <p:nvPr>
+            <p:ph type="sldNum"/>
+          </p:nvPr>
+        </p:nvSpPr>
+        <p:spPr>
+          <a:xfrm>
+            <a:off x="7227000" y="6887160"/>
+            <a:ext cx="2348280" cy="521280"/>
+          </a:xfrm>
+          <a:prstGeom prst="rect">
+            <a:avLst/>
+          </a:prstGeom>
+        </p:spPr>
+        <p:txBody>
+          <a:bodyPr lIns="0" tIns="0" rIns="0" bIns="0"/>
+          <a:lstStyle/>
+          <a:p>
+            <a:pPr algn="r"/>
+            <a:fld id="{48FD289A-614A-4F43-9816-E931AD26CEB9}" type="slidenum">
+              <a:rPr lang="en-US" sz="1400">
+                <a:latin typeface="Times New Roman"/>
+              </a:rPr>
+              <a:t>‹#›</a:t>
+            </a:fld>
+            <a:endParaRPr/>
+          </a:p>
+        </p:txBody>
+      </p:sp>
+    </p:spTree>
+  </p:cSld>
+  <p:clrMap bg1="lt1" tx1="dk1" bg2="lt2" tx2="dk2" accent1="accent1" accent2="accent2" accent3="accent3" accent4="accent4" accent5="accent5" accent6="accent6" hlink="hlink" folHlink="folHlink"/>
+  <p:sldLayoutIdLst>
+    <p:sldLayoutId id="2147483649" r:id="rId1"/>
+    <p:sldLayoutId id="2147483650" r:id="rId2"/>
+    <p:sldLayoutId id="2147483651" r:id="rId3"/>
+    <p:sldLayoutId id="2147483652" r:id="rId4"/>
+    <p:sldLayoutId id="2147483653" r:id="rId5"/>
+    <p:sldLayoutId id="2147483654" r:id="rId6"/>
+    <p:sldLayoutId id="2147483655" r:id="rId7"/>
+    <p:sldLayoutId id="2147483656" r:id="rId8"/>
+    <p:sldLayoutId id="2147483657" r:id="rId9"/>
+    <p:sldLayoutId id="2147483658" r:id="rId10"/>
+    <p:sldLayoutId id="2147483659" r:id="rId11"/>
+    <p:sldLayoutId id="2147483660" r:id="rId12"/>
+  </p:sldLayoutIdLst>
+  <p:txStyles>
+    <p:titleStyle>
+      <a:lvl1pPr algn="l" defTabSz="914400" rtl="0" eaLnBrk="1" latinLnBrk="0" hangingPunct="1">
+        <a:lnSpc>
+          <a:spcPct val="90000"/>
+        </a:lnSpc>
+        <a:spcBef>
+          <a:spcPct val="0"/>
+        </a:spcBef>
+        <a:buNone/>
+        <a:defRPr sz="4400" kern="1200">
+          <a:solidFill>
+            <a:schemeClr val="tx1"/>
+          </a:solidFill>
+          <a:latin typeface="+mj-lt"/>
+          <a:ea typeface="+mj-ea"/>
+          <a:cs typeface="+mj-cs"/>
+        </a:defRPr>
+      </a:lvl1pPr>
+    </p:titleStyle>
+    <p:bodyStyle>
+      <a:lvl1pPr marL="228600" indent="-228600" algn="l" defTabSz="914400" rtl="0" eaLnBrk="1" latinLnBrk="0" hangingPunct="1">
+        <a:lnSpc>
+          <a:spcPct val="90000"/>
+        </a:lnSpc>
+        <a:spcBef>
+          <a:spcPts val="1000"/>
+        </a:spcBef>
+        <a:buFont typeface="Arial" panose="020B0604020202020204" pitchFamily="34" charset="0"/>
+        <a:buChar char="•"/>
+        <a:defRPr sz="2800" kern="1200">
+          <a:solidFill>
+            <a:schemeClr val="tx1"/>
+          </a:solidFill>
+          <a:latin typeface="+mn-lt"/>
+          <a:ea typeface="+mn-ea"/>
+          <a:cs typeface="+mn-cs"/>
+        </a:defRPr>
+      </a:lvl1pPr>
+      <a:lvl2pPr marL="685800" indent="-228600" algn="l" defTabSz="914400" rtl="0" eaLnBrk="1" latinLnBrk="0" hangingPunct="1">
+        <a:lnSpc>
+          <a:spcPct val="90000"/>
+        </a:lnSpc>
+        <a:spcBef>
+          <a:spcPts val="500"/>
+        </a:spcBef>
+        <a:buFont typeface="Arial" panose="020B0604020202020204" pitchFamily="34" charset="0"/>
+        <a:buChar char="•"/>
+        <a:defRPr sz="2400" kern="1200">
+          <a:solidFill>
+            <a:schemeClr val="tx1"/>
+          </a:solidFill>
+          <a:latin typeface="+mn-lt"/>
+          <a:ea typeface="+mn-ea"/>
+          <a:cs typeface="+mn-cs"/>
+        </a:defRPr>
+      </a:lvl2pPr>
+      <a:lvl3pPr marL="1143000" indent="-228600" algn="l" defTabSz="914400" rtl="0" eaLnBrk="1" latinLnBrk="0" hangingPunct="1">
+        <a:lnSpc>
+          <a:spcPct val="90000"/>
+        </a:lnSpc>
+        <a:spcBef>
+          <a:spcPts val="500"/>
+        </a:spcBef>
+        <a:buFont typeface="Arial" panose="020B0604020202020204" pitchFamily="34" charset="0"/>
+        <a:buChar char="•"/>
+        <a:defRPr sz="2000" kern="1200">
+          <a:solidFill>
+            <a:schemeClr val="tx1"/>
+          </a:solidFill>
+          <a:latin typeface="+mn-lt"/>
+          <a:ea typeface="+mn-ea"/>
+          <a:cs typeface="+mn-cs"/>
+        </a:defRPr>
+      </a:lvl3pPr>
+      <a:lvl4pPr marL="1600200" indent="-228600" algn="l" defTabSz="914400" rtl="0" eaLnBrk="1" latinLnBrk="0" hangingPunct="1">
+        <a:lnSpc>
+          <a:spcPct val="90000"/>
+        </a:lnSpc>
+        <a:spcBef>
+          <a:spcPts val="500"/>
+        </a:spcBef>
+        <a:buFont typeface="Arial" panose="020B0604020202020204" pitchFamily="34" charset="0"/>
+        <a:buChar char="•"/>
+        <a:defRPr sz="1800" kern="1200">
+          <a:solidFill>
+            <a:schemeClr val="tx1"/>
+          </a:solidFill>
+          <a:latin typeface="+mn-lt"/>
+          <a:ea typeface="+mn-ea"/>
+          <a:cs typeface="+mn-cs"/>
+        </a:defRPr>
+      </a:lvl4pPr>
+      <a:lvl5pPr marL="2057400" indent="-228600" algn="l" defTabSz="914400" rtl="0" eaLnBrk="1" latinLnBrk="0" hangingPunct="1">
+        <a:lnSpc>
+          <a:spcPct val="90000"/>
+        </a:lnSpc>
+        <a:spcBef>
+          <a:spcPts val="500"/>
+        </a:spcBef>
+        <a:buFont typeface="Arial" panose="020B0604020202020204" pitchFamily="34" charset="0"/>
+        <a:buChar char="•"/>
+        <a:defRPr sz="1800" kern="1200">
+          <a:solidFill>
+            <a:schemeClr val="tx1"/>
+          </a:solidFill>
+          <a:latin typeface="+mn-lt"/>
+          <a:ea typeface="+mn-ea"/>
+          <a:cs typeface="+mn-cs"/>
+        </a:defRPr>
+      </a:lvl5pPr>
+      <a:lvl6pPr marL="2514600" indent="-228600" algn="l" defTabSz="914400" rtl="0" eaLnBrk="1" latinLnBrk="0" hangingPunct="1">
+        <a:lnSpc>
+          <a:spcPct val="90000"/>
+        </a:lnSpc>
+        <a:spcBef>
+          <a:spcPts val="500"/>
+        </a:spcBef>
+        <a:buFont typeface="Arial" panose="020B0604020202020204" pitchFamily="34" charset="0"/>
+        <a:buChar char="•"/>
+        <a:defRPr sz="1800" kern="1200">
+          <a:solidFill>
+            <a:schemeClr val="tx1"/>
+          </a:solidFill>
+          <a:latin typeface="+mn-lt"/>
+          <a:ea typeface="+mn-ea"/>
+          <a:cs typeface="+mn-cs"/>
+        </a:defRPr>
+      </a:lvl6pPr>
+      <a:lvl7pPr marL="2971800" indent="-228600" algn="l" defTabSz="914400" rtl="0" eaLnBrk="1" latinLnBrk="0" hangingPunct="1">
+        <a:lnSpc>
+          <a:spcPct val="90000"/>
+        </a:lnSpc>
+        <a:spcBef>
+          <a:spcPts val="500"/>
+        </a:spcBef>
+        <a:buFont typeface="Arial" panose="020B0604020202020204" pitchFamily="34" charset="0"/>
+        <a:buChar char="•"/>
+        <a:defRPr sz="1800" kern="1200">
+          <a:solidFill>
+            <a:schemeClr val="tx1"/>
+          </a:solidFill>
+          <a:latin typeface="+mn-lt"/>
+          <a:ea typeface="+mn-ea"/>
+          <a:cs typeface="+mn-cs"/>
+        </a:defRPr>
+      </a:lvl7pPr>
+      <a:lvl8pPr marL="3429000" indent="-228600" algn="l" defTabSz="914400" rtl="0" eaLnBrk="1" latinLnBrk="0" hangingPunct="1">
+        <a:lnSpc>
+          <a:spcPct val="90000"/>
+        </a:lnSpc>
+        <a:spcBef>
+          <a:spcPts val="500"/>
+        </a:spcBef>
+        <a:buFont typeface="Arial" panose="020B0604020202020204" pitchFamily="34" charset="0"/>
+        <a:buChar char="•"/>
+        <a:defRPr sz="1800" kern="1200">
+          <a:solidFill>
+            <a:schemeClr val="tx1"/>
+          </a:solidFill>
+          <a:latin typeface="+mn-lt"/>
+          <a:ea typeface="+mn-ea"/>
+          <a:cs typeface="+mn-cs"/>
+        </a:defRPr>
+      </a:lvl8pPr>
+      <a:lvl9pPr marL="3886200" indent="-228600" algn="l" defTabSz="914400" rtl="0" eaLnBrk="1" latinLnBrk="0" hangingPunct="1">
+        <a:lnSpc>
+          <a:spcPct val="90000"/>
+        </a:lnSpc>
+        <a:spcBef>
+          <a:spcPts val="500"/>
+        </a:spcBef>
+        <a:buFont typeface="Arial" panose="020B0604020202020204" pitchFamily="34" charset="0"/>
+        <a:buChar char="•"/>
+        <a:defRPr sz="1800" kern="1200">
+          <a:solidFill>
+            <a:schemeClr val="tx1"/>
+          </a:solidFill>
+          <a:latin typeface="+mn-lt"/>
+          <a:ea typeface="+mn-ea"/>
+          <a:cs typeface="+mn-cs"/>
+        </a:defRPr>
+      </a:lvl9pPr>
+    </p:bodyStyle>
+    <p:otherStyle>
+      <a:defPPr>
+        <a:defRPr lang="zh-CN"/>
+      </a:defPPr>
+      <a:lvl1pPr marL="0" algn="l" defTabSz="914400" rtl="0" eaLnBrk="1" latinLnBrk="0" hangingPunct="1">
+        <a:defRPr sz="1800" kern="1200">
+          <a:solidFill>
+            <a:schemeClr val="tx1"/>
+          </a:solidFill>
+          <a:latin typeface="+mn-lt"/>
+          <a:ea typeface="+mn-ea"/>
+          <a:cs typeface="+mn-cs"/>
+        </a:defRPr>
+      </a:lvl1pPr>
+      <a:lvl2pPr marL="457200" algn="l" defTabSz="914400" rtl="0" eaLnBrk="1" latinLnBrk="0" hangingPunct="1">
+        <a:defRPr sz="1800" kern="1200">
+          <a:solidFill>
+            <a:schemeClr val="tx1"/>
+          </a:solidFill>
+          <a:latin typeface="+mn-lt"/>
+          <a:ea typeface="+mn-ea"/>
+          <a:cs typeface="+mn-cs"/>
+        </a:defRPr>
+      </a:lvl2pPr>
+      <a:lvl3pPr marL="914400" algn="l" defTabSz="914400" rtl="0" eaLnBrk="1" latinLnBrk="0" hangingPunct="1">
+        <a:defRPr sz="1800" kern="1200">
+          <a:solidFill>
+            <a:schemeClr val="tx1"/>
+          </a:solidFill>
+          <a:latin typeface="+mn-lt"/>
+          <a:ea typeface="+mn-ea"/>
+          <a:cs typeface="+mn-cs"/>
+        </a:defRPr>
+      </a:lvl3pPr>
+      <a:lvl4pPr marL="1371600" algn="l" defTabSz="914400" rtl="0" eaLnBrk="1" latinLnBrk="0" hangingPunct="1">
+        <a:defRPr sz="1800" kern="1200">
+          <a:solidFill>
+            <a:schemeClr val="tx1"/>
+          </a:solidFill>
+          <a:latin typeface="+mn-lt"/>
+          <a:ea typeface="+mn-ea"/>
+          <a:cs typeface="+mn-cs"/>
+        </a:defRPr>
+      </a:lvl4pPr>
+      <a:lvl5pPr marL="1828800" algn="l" defTabSz="914400" rtl="0" eaLnBrk="1" latinLnBrk="0" hangingPunct="1">
+        <a:defRPr sz="1800" kern="1200">
+          <a:solidFill>
+            <a:schemeClr val="tx1"/>
+          </a:solidFill>
+          <a:latin typeface="+mn-lt"/>
+          <a:ea typeface="+mn-ea"/>
+          <a:cs typeface="+mn-cs"/>
+        </a:defRPr>
+      </a:lvl5pPr>
+      <a:lvl6pPr marL="2286000" algn="l" defTabSz="914400" rtl="0" eaLnBrk="1" latinLnBrk="0" hangingPunct="1">
+        <a:defRPr sz="1800" kern="1200">
+          <a:solidFill>
+            <a:schemeClr val="tx1"/>
+          </a:solidFill>
+          <a:latin typeface="+mn-lt"/>
+          <a:ea typeface="+mn-ea"/>
+          <a:cs typeface="+mn-cs"/>
+        </a:defRPr>
+      </a:lvl6pPr>
+      <a:lvl7pPr marL="2743200" algn="l" defTabSz="914400" rtl="0" eaLnBrk="1" latinLnBrk="0" hangingPunct="1">
+        <a:defRPr sz="1800" kern="1200">
+          <a:solidFill>
+            <a:schemeClr val="tx1"/>
+          </a:solidFill>
+          <a:latin typeface="+mn-lt"/>
+          <a:ea typeface="+mn-ea"/>
+          <a:cs typeface="+mn-cs"/>
+        </a:defRPr>
+      </a:lvl7pPr>
+      <a:lvl8pPr marL="3200400" algn="l" defTabSz="914400" rtl="0" eaLnBrk="1" latinLnBrk="0" hangingPunct="1">
+        <a:defRPr sz="1800" kern="1200">
+          <a:solidFill>
+            <a:schemeClr val="tx1"/>
+          </a:solidFill>
+          <a:latin typeface="+mn-lt"/>
+          <a:ea typeface="+mn-ea"/>
+          <a:cs typeface="+mn-cs"/>
+        </a:defRPr>
+      </a:lvl8pPr>
+      <a:lvl9pPr marL="3657600" algn="l" defTabSz="914400" rtl="0" eaLnBrk="1" latinLnBrk="0" hangingPunct="1">
+        <a:defRPr sz="1800" kern="1200">
+          <a:solidFill>
+            <a:schemeClr val="tx1"/>
+          </a:solidFill>
+          <a:latin typeface="+mn-lt"/>
+          <a:ea typeface="+mn-ea"/>
+          <a:cs typeface="+mn-cs"/>
+        </a:defRPr>
+      </a:lvl9pPr>
+    </p:otherStyle>
+  </p:txStyles>
+</p:sldMaster>
+</file>
+
+<file path=ppt/slides/slide1.xml><?xml version="1.0" encoding="utf-8"?>
+<p:sld xmlns:a="http://schemas.openxmlformats.org/drawingml/2006/main" xmlns:r="http://schemas.openxmlformats.org/officeDocument/2006/relationships" xmlns:p="http://schemas.openxmlformats.org/presentationml/2006/main">
   <p:cSld>
     <p:spTree>
       <p:nvGrpSpPr>
@@ -1197,280 +2766,148 @@
           <a:chExt cx="0" cy="0"/>
         </a:xfrm>
       </p:grpSpPr>
-      <p:sp>
-        <p:nvSpPr>
-          <p:cNvPr id="0" name="PlaceHolder 1"/>
-          <p:cNvSpPr>
-            <a:spLocks noGrp="1"/>
-          </p:cNvSpPr>
-          <p:nvPr>
-            <p:ph type="title"/>
-          </p:nvPr>
-        </p:nvSpPr>
-        <p:spPr>
-          <a:xfrm>
-            <a:off x="504000" y="301320"/>
-            <a:ext cx="9071640" cy="1262160"/>
-          </a:xfrm>
-          <a:prstGeom prst="rect">
-            <a:avLst/>
-          </a:prstGeom>
-        </p:spPr>
-        <p:txBody>
-          <a:bodyPr lIns="0" rIns="0" tIns="0" bIns="0" anchor="ctr"/>
-          <a:p>
-            <a:pPr algn="ctr"/>
+      <p:pic>
+        <p:nvPicPr>
+          <p:cNvPr id="3" name="图片 2">
+            <a:extLst>
+              <a:ext uri="{FF2B5EF4-FFF2-40B4-BE49-F238E27FC236}">
+                <a16:creationId xmlns:a16="http://schemas.microsoft.com/office/drawing/2014/main" id="{9723C0D5-B343-44D8-90C0-18A3925A21E5}"/>
+              </a:ext>
+            </a:extLst>
+          </p:cNvPr>
+          <p:cNvPicPr>
+            <a:picLocks noChangeAspect="1"/>
+          </p:cNvPicPr>
+          <p:nvPr/>
+        </p:nvPicPr>
+        <p:blipFill rotWithShape="1">
+          <a:blip r:embed="rId2"/>
+          <a:srcRect l="6333" r="6333"/>
+          <a:stretch/>
+        </p:blipFill>
+        <p:spPr>
+          <a:xfrm>
+            <a:off x="-1" y="-34040"/>
+            <a:ext cx="10124955" cy="7593716"/>
+          </a:xfrm>
+          <a:prstGeom prst="rect">
+            <a:avLst/>
+          </a:prstGeom>
+        </p:spPr>
+      </p:pic>
+      <p:sp>
+        <p:nvSpPr>
+          <p:cNvPr id="39" name="TextShape 1"/>
+          <p:cNvSpPr txBox="1"/>
+          <p:nvPr/>
+        </p:nvSpPr>
+        <p:spPr>
+          <a:xfrm>
+            <a:off x="5433950" y="5187002"/>
+            <a:ext cx="4359140" cy="1791313"/>
+          </a:xfrm>
+          <a:prstGeom prst="rect">
+            <a:avLst/>
+          </a:prstGeom>
+        </p:spPr>
+        <p:txBody>
+          <a:bodyPr lIns="0" tIns="0" rIns="0" bIns="0" anchor="ctr"/>
+          <a:lstStyle/>
+          <a:p>
+            <a:pPr algn="r"/>
             <a:r>
-              <a:rPr lang="en-US" sz="4400">
+              <a:rPr lang="en-US" sz="4400" b="1" spc="50" dirty="0">
+                <a:ln w="0"/>
+                <a:solidFill>
+                  <a:schemeClr val="bg2"/>
+                </a:solidFill>
+                <a:effectLst>
+                  <a:innerShdw blurRad="63500" dist="50800" dir="13500000">
+                    <a:srgbClr val="000000">
+                      <a:alpha val="50000"/>
+                    </a:srgbClr>
+                  </a:innerShdw>
+                  <a:reflection blurRad="6350" stA="55000" endA="300" endPos="45500" dir="5400000" sy="-100000" algn="bl" rotWithShape="0"/>
+                </a:effectLst>
                 <a:latin typeface="Arial"/>
               </a:rPr>
-              <a:t>Click to edit the title text format</a:t>
+              <a:t>Understanding</a:t>
             </a:r>
-            <a:endParaRPr/>
-          </a:p>
-        </p:txBody>
-      </p:sp>
-      <p:sp>
-        <p:nvSpPr>
-          <p:cNvPr id="1" name="PlaceHolder 2"/>
-          <p:cNvSpPr>
-            <a:spLocks noGrp="1"/>
-          </p:cNvSpPr>
-          <p:nvPr>
-            <p:ph type="body"/>
-          </p:nvPr>
-        </p:nvSpPr>
-        <p:spPr>
-          <a:xfrm>
-            <a:off x="504000" y="1769040"/>
-            <a:ext cx="9071640" cy="4384080"/>
-          </a:xfrm>
-          <a:prstGeom prst="rect">
-            <a:avLst/>
-          </a:prstGeom>
-        </p:spPr>
-        <p:txBody>
-          <a:bodyPr lIns="0" rIns="0" tIns="0" bIns="0"/>
-          <a:p>
-            <a:pPr>
-              <a:buSzPct val="45000"/>
-              <a:buFont typeface="StarSymbol"/>
-              <a:buChar char=""/>
-            </a:pPr>
+          </a:p>
+          <a:p>
+            <a:pPr algn="r"/>
             <a:r>
-              <a:rPr lang="en-US" sz="3200">
+              <a:rPr lang="en-US" sz="4400" b="1" spc="50" dirty="0">
+                <a:ln w="0"/>
+                <a:solidFill>
+                  <a:schemeClr val="bg2"/>
+                </a:solidFill>
+                <a:effectLst>
+                  <a:innerShdw blurRad="63500" dist="50800" dir="13500000">
+                    <a:srgbClr val="000000">
+                      <a:alpha val="50000"/>
+                    </a:srgbClr>
+                  </a:innerShdw>
+                  <a:reflection blurRad="6350" stA="55000" endA="300" endPos="45500" dir="5400000" sy="-100000" algn="bl" rotWithShape="0"/>
+                </a:effectLst>
                 <a:latin typeface="Arial"/>
               </a:rPr>
-              <a:t>Click to edit the outline text format</a:t>
+              <a:t> animals</a:t>
             </a:r>
-            <a:endParaRPr/>
-          </a:p>
-          <a:p>
-            <a:pPr lvl="1">
-              <a:buSzPct val="75000"/>
-              <a:buFont typeface="StarSymbol"/>
-              <a:buChar char=""/>
-            </a:pPr>
-            <a:r>
-              <a:rPr lang="en-US" sz="2800">
-                <a:latin typeface="Arial"/>
-              </a:rPr>
-              <a:t>Second Outline Level</a:t>
-            </a:r>
-            <a:endParaRPr/>
-          </a:p>
-          <a:p>
-            <a:pPr lvl="2">
-              <a:buSzPct val="45000"/>
-              <a:buFont typeface="StarSymbol"/>
-              <a:buChar char=""/>
-            </a:pPr>
-            <a:r>
-              <a:rPr lang="en-US" sz="2400">
-                <a:latin typeface="Arial"/>
-              </a:rPr>
-              <a:t>Third Outline Level</a:t>
-            </a:r>
-            <a:endParaRPr/>
-          </a:p>
-          <a:p>
-            <a:pPr lvl="3">
-              <a:buSzPct val="75000"/>
-              <a:buFont typeface="StarSymbol"/>
-              <a:buChar char=""/>
-            </a:pPr>
-            <a:r>
-              <a:rPr lang="en-US" sz="2000">
-                <a:latin typeface="Arial"/>
-              </a:rPr>
-              <a:t>Fourth Outline Level</a:t>
-            </a:r>
-            <a:endParaRPr/>
-          </a:p>
-          <a:p>
-            <a:pPr lvl="4">
-              <a:buSzPct val="45000"/>
-              <a:buFont typeface="StarSymbol"/>
-              <a:buChar char=""/>
-            </a:pPr>
-            <a:r>
-              <a:rPr lang="en-US" sz="2000">
-                <a:latin typeface="Arial"/>
-              </a:rPr>
-              <a:t>Fifth Outline Level</a:t>
-            </a:r>
-            <a:endParaRPr/>
-          </a:p>
-          <a:p>
-            <a:pPr lvl="5">
-              <a:buSzPct val="45000"/>
-              <a:buFont typeface="StarSymbol"/>
-              <a:buChar char=""/>
-            </a:pPr>
-            <a:r>
-              <a:rPr lang="en-US" sz="2000">
-                <a:latin typeface="Arial"/>
-              </a:rPr>
-              <a:t>Sixth Outline Level</a:t>
-            </a:r>
-            <a:endParaRPr/>
-          </a:p>
-          <a:p>
-            <a:pPr lvl="6">
-              <a:buSzPct val="45000"/>
-              <a:buFont typeface="StarSymbol"/>
-              <a:buChar char=""/>
-            </a:pPr>
-            <a:r>
-              <a:rPr lang="en-US" sz="2000">
-                <a:latin typeface="Arial"/>
-              </a:rPr>
-              <a:t>Seventh Outline Level</a:t>
-            </a:r>
-            <a:endParaRPr/>
-          </a:p>
-        </p:txBody>
-      </p:sp>
-      <p:sp>
-        <p:nvSpPr>
-          <p:cNvPr id="2" name="PlaceHolder 3"/>
-          <p:cNvSpPr>
-            <a:spLocks noGrp="1"/>
-          </p:cNvSpPr>
-          <p:nvPr>
-            <p:ph type="dt"/>
-          </p:nvPr>
-        </p:nvSpPr>
-        <p:spPr>
-          <a:xfrm>
-            <a:off x="504000" y="6887160"/>
-            <a:ext cx="2348280" cy="521280"/>
-          </a:xfrm>
-          <a:prstGeom prst="rect">
-            <a:avLst/>
-          </a:prstGeom>
-        </p:spPr>
-        <p:txBody>
-          <a:bodyPr lIns="0" rIns="0" tIns="0" bIns="0"/>
-          <a:p>
-            <a:r>
-              <a:rPr lang="en-US" sz="1400">
-                <a:latin typeface="Times New Roman"/>
-              </a:rPr>
-              <a:t>&lt;date/time&gt;</a:t>
-            </a:r>
-            <a:endParaRPr/>
-          </a:p>
-        </p:txBody>
-      </p:sp>
-      <p:sp>
-        <p:nvSpPr>
-          <p:cNvPr id="3" name="PlaceHolder 4"/>
-          <p:cNvSpPr>
-            <a:spLocks noGrp="1"/>
-          </p:cNvSpPr>
-          <p:nvPr>
-            <p:ph type="ftr"/>
-          </p:nvPr>
-        </p:nvSpPr>
-        <p:spPr>
-          <a:xfrm>
-            <a:off x="3447360" y="6887160"/>
-            <a:ext cx="3195000" cy="521280"/>
-          </a:xfrm>
-          <a:prstGeom prst="rect">
-            <a:avLst/>
-          </a:prstGeom>
-        </p:spPr>
-        <p:txBody>
-          <a:bodyPr lIns="0" rIns="0" tIns="0" bIns="0"/>
-          <a:p>
-            <a:pPr algn="ctr"/>
-            <a:r>
-              <a:rPr lang="en-US" sz="1400">
-                <a:latin typeface="Times New Roman"/>
-              </a:rPr>
-              <a:t>&lt;footer&gt;</a:t>
-            </a:r>
-            <a:endParaRPr/>
-          </a:p>
-        </p:txBody>
-      </p:sp>
-      <p:sp>
-        <p:nvSpPr>
-          <p:cNvPr id="4" name="PlaceHolder 5"/>
-          <p:cNvSpPr>
-            <a:spLocks noGrp="1"/>
-          </p:cNvSpPr>
-          <p:nvPr>
-            <p:ph type="sldNum"/>
-          </p:nvPr>
-        </p:nvSpPr>
-        <p:spPr>
-          <a:xfrm>
-            <a:off x="7227000" y="6887160"/>
-            <a:ext cx="2348280" cy="521280"/>
-          </a:xfrm>
-          <a:prstGeom prst="rect">
-            <a:avLst/>
-          </a:prstGeom>
-        </p:spPr>
-        <p:txBody>
-          <a:bodyPr lIns="0" rIns="0" tIns="0" bIns="0"/>
-          <a:p>
-            <a:pPr algn="r"/>
-            <a:fld id="{48FD289A-614A-4F43-9816-E931AD26CEB9}" type="slidenum">
-              <a:rPr lang="en-US" sz="1400">
-                <a:latin typeface="Times New Roman"/>
-              </a:rPr>
-              <a:t>&lt;number&gt;</a:t>
-            </a:fld>
-            <a:endParaRPr/>
+            <a:endParaRPr b="1" spc="50" dirty="0">
+              <a:ln w="0"/>
+              <a:solidFill>
+                <a:schemeClr val="bg2"/>
+              </a:solidFill>
+              <a:effectLst>
+                <a:innerShdw blurRad="63500" dist="50800" dir="13500000">
+                  <a:srgbClr val="000000">
+                    <a:alpha val="50000"/>
+                  </a:srgbClr>
+                </a:innerShdw>
+                <a:reflection blurRad="6350" stA="55000" endA="300" endPos="45500" dir="5400000" sy="-100000" algn="bl" rotWithShape="0"/>
+              </a:effectLst>
+            </a:endParaRPr>
           </a:p>
         </p:txBody>
       </p:sp>
     </p:spTree>
   </p:cSld>
-  <p:clrMap bg1="lt1" bg2="lt2" tx1="dk1" tx2="dk2" accent1="accent1" accent2="accent2" accent3="accent3" accent4="accent4" accent5="accent5" accent6="accent6" hlink="hlink" folHlink="folHlink"/>
-  <p:sldLayoutIdLst>
-    <p:sldLayoutId id="2147483649" r:id="rId2"/>
-    <p:sldLayoutId id="2147483650" r:id="rId3"/>
-    <p:sldLayoutId id="2147483651" r:id="rId4"/>
-    <p:sldLayoutId id="2147483652" r:id="rId5"/>
-    <p:sldLayoutId id="2147483653" r:id="rId6"/>
-    <p:sldLayoutId id="2147483654" r:id="rId7"/>
-    <p:sldLayoutId id="2147483655" r:id="rId8"/>
-    <p:sldLayoutId id="2147483656" r:id="rId9"/>
-    <p:sldLayoutId id="2147483657" r:id="rId10"/>
-    <p:sldLayoutId id="2147483658" r:id="rId11"/>
-    <p:sldLayoutId id="2147483659" r:id="rId12"/>
-    <p:sldLayoutId id="2147483660" r:id="rId13"/>
-  </p:sldLayoutIdLst>
-</p:sldMaster>
+  <p:clrMapOvr>
+    <a:masterClrMapping/>
+  </p:clrMapOvr>
+  <p:timing>
+    <p:tnLst>
+      <p:par>
+        <p:cTn id="1" dur="indefinite" restart="never" nodeType="tmRoot">
+          <p:childTnLst>
+            <p:seq>
+              <p:cTn id="2" nodeType="mainSeq"/>
+              <p:prevCondLst>
+                <p:cond evt="onPrev" delay="0">
+                  <p:tgtEl>
+                    <p:sldTgt/>
+                  </p:tgtEl>
+                </p:cond>
+              </p:prevCondLst>
+              <p:nextCondLst>
+                <p:cond evt="onNext" delay="0">
+                  <p:tgtEl>
+                    <p:sldTgt/>
+                  </p:tgtEl>
+                </p:cond>
+              </p:nextCondLst>
+            </p:seq>
+          </p:childTnLst>
+        </p:cTn>
+      </p:par>
+    </p:tnLst>
+  </p:timing>
+</p:sld>
 </file>
 
-<file path=ppt/slides/slide1.xml><?xml version="1.0" encoding="utf-8"?>
-<p:sld xmlns:a="http://schemas.openxmlformats.org/drawingml/2006/main" xmlns:p="http://schemas.openxmlformats.org/presentationml/2006/main" xmlns:r="http://schemas.openxmlformats.org/officeDocument/2006/relationships">
+<file path=ppt/slides/slide10.xml><?xml version="1.0" encoding="utf-8"?>
+<p:sld xmlns:a="http://schemas.openxmlformats.org/drawingml/2006/main" xmlns:r="http://schemas.openxmlformats.org/officeDocument/2006/relationships" xmlns:p="http://schemas.openxmlformats.org/presentationml/2006/main">
   <p:cSld>
     <p:spTree>
       <p:nvGrpSpPr>
@@ -1488,13 +2925,13 @@
       </p:grpSpPr>
       <p:sp>
         <p:nvSpPr>
-          <p:cNvPr id="39" name="TextShape 1"/>
+          <p:cNvPr id="55" name="TextShape 1"/>
           <p:cNvSpPr txBox="1"/>
           <p:nvPr/>
         </p:nvSpPr>
         <p:spPr>
           <a:xfrm>
-            <a:off x="803880" y="3931920"/>
+            <a:off x="504000" y="301320"/>
             <a:ext cx="9071640" cy="1262160"/>
           </a:xfrm>
           <a:prstGeom prst="rect">
@@ -1502,93 +2939,43 @@
           </a:prstGeom>
         </p:spPr>
         <p:txBody>
-          <a:bodyPr lIns="0" rIns="0" tIns="0" bIns="0" anchor="ctr"/>
+          <a:bodyPr lIns="0" tIns="0" rIns="0" bIns="0" anchor="ctr"/>
+          <a:lstStyle/>
           <a:p>
             <a:pPr algn="ctr"/>
+            <a:endParaRPr/>
+          </a:p>
+        </p:txBody>
+      </p:sp>
+      <p:sp>
+        <p:nvSpPr>
+          <p:cNvPr id="56" name="TextShape 2"/>
+          <p:cNvSpPr txBox="1"/>
+          <p:nvPr/>
+        </p:nvSpPr>
+        <p:spPr>
+          <a:xfrm>
+            <a:off x="504000" y="1769040"/>
+            <a:ext cx="9071640" cy="4384080"/>
+          </a:xfrm>
+          <a:prstGeom prst="rect">
+            <a:avLst/>
+          </a:prstGeom>
+        </p:spPr>
+        <p:txBody>
+          <a:bodyPr lIns="0" tIns="0" rIns="0" bIns="0"/>
+          <a:lstStyle/>
+          <a:p>
+            <a:pPr>
+              <a:buSzPct val="45000"/>
+              <a:buFont typeface="StarSymbol"/>
+              <a:buChar char=""/>
+            </a:pPr>
             <a:r>
-              <a:rPr lang="en-US" sz="4400">
+              <a:rPr lang="en-US" sz="3200">
                 <a:latin typeface="Arial"/>
               </a:rPr>
-              <a:t>Understanding animals</a:t>
-            </a:r>
-            <a:endParaRPr/>
-          </a:p>
-        </p:txBody>
-      </p:sp>
-      <p:sp>
-        <p:nvSpPr>
-          <p:cNvPr id="40" name="TextShape 2"/>
-          <p:cNvSpPr txBox="1"/>
-          <p:nvPr/>
-        </p:nvSpPr>
-        <p:spPr>
-          <a:xfrm>
-            <a:off x="7863840" y="5577840"/>
-            <a:ext cx="1894680" cy="1672560"/>
-          </a:xfrm>
-          <a:prstGeom prst="rect">
-            <a:avLst/>
-          </a:prstGeom>
-        </p:spPr>
-        <p:txBody>
-          <a:bodyPr lIns="0" rIns="0" tIns="0" bIns="0" anchor="ctr"/>
-          <a:p>
-            <a:pPr algn="ctr"/>
-            <a:r>
-              <a:rPr lang="en-US" sz="1500">
-                <a:latin typeface="Arial"/>
-              </a:rPr>
-              <a:t>Group IV</a:t>
-            </a:r>
-            <a:endParaRPr/>
-          </a:p>
-          <a:p>
-            <a:pPr algn="ctr"/>
-            <a:r>
-              <a:rPr lang="en-US" sz="1500">
-                <a:latin typeface="Arial"/>
-              </a:rPr>
-              <a:t>汪三科</a:t>
-            </a:r>
-            <a:endParaRPr/>
-          </a:p>
-          <a:p>
-            <a:pPr algn="ctr"/>
-            <a:r>
-              <a:rPr lang="en-US" sz="1500">
-                <a:latin typeface="Arial"/>
-              </a:rPr>
-              <a:t>冯书逸</a:t>
-            </a:r>
-            <a:endParaRPr/>
-          </a:p>
-          <a:p>
-            <a:pPr algn="ctr"/>
-            <a:r>
-              <a:rPr lang="en-US" sz="1500">
-                <a:latin typeface="Arial"/>
-              </a:rPr>
-              <a:t>徐志鹏</a:t>
-            </a:r>
-            <a:endParaRPr/>
-          </a:p>
-          <a:p>
-            <a:pPr algn="ctr"/>
-            <a:r>
-              <a:rPr lang="en-US" sz="1500">
-                <a:latin typeface="Arial"/>
-              </a:rPr>
-              <a:t>何子玉</a:t>
-            </a:r>
-            <a:endParaRPr/>
-          </a:p>
-          <a:p>
-            <a:pPr algn="ctr"/>
-            <a:r>
-              <a:rPr lang="en-US" sz="1500">
-                <a:latin typeface="Arial"/>
-              </a:rPr>
-              <a:t>卢立强</a:t>
+              <a:t>Ecology</a:t>
             </a:r>
             <a:endParaRPr/>
           </a:p>
@@ -1596,38 +2983,14 @@
       </p:sp>
     </p:spTree>
   </p:cSld>
-  <p:timing>
-    <p:tnLst>
-      <p:par>
-        <p:cTn id="1" dur="indefinite" restart="never" nodeType="tmRoot">
-          <p:childTnLst>
-            <p:seq>
-              <p:cTn id="2" nodeType="mainSeq"/>
-              <p:prevCondLst>
-                <p:cond delay="0" evt="onPrev">
-                  <p:tgtEl>
-                    <p:sldTgt/>
-                  </p:tgtEl>
-                </p:cond>
-              </p:prevCondLst>
-              <p:nextCondLst>
-                <p:cond delay="0" evt="onNext">
-                  <p:tgtEl>
-                    <p:sldTgt/>
-                  </p:tgtEl>
-                </p:cond>
-              </p:nextCondLst>
-            </p:seq>
-          </p:childTnLst>
-        </p:cTn>
-      </p:par>
-    </p:tnLst>
-  </p:timing>
+  <p:clrMapOvr>
+    <a:masterClrMapping/>
+  </p:clrMapOvr>
 </p:sld>
 </file>
 
-<file path=ppt/slides/slide10.xml><?xml version="1.0" encoding="utf-8"?>
-<p:sld xmlns:a="http://schemas.openxmlformats.org/drawingml/2006/main" xmlns:p="http://schemas.openxmlformats.org/presentationml/2006/main" xmlns:r="http://schemas.openxmlformats.org/officeDocument/2006/relationships">
+<file path=ppt/slides/slide11.xml><?xml version="1.0" encoding="utf-8"?>
+<p:sld xmlns:a="http://schemas.openxmlformats.org/drawingml/2006/main" xmlns:r="http://schemas.openxmlformats.org/officeDocument/2006/relationships" xmlns:p="http://schemas.openxmlformats.org/presentationml/2006/main">
   <p:cSld>
     <p:spTree>
       <p:nvGrpSpPr>
@@ -1659,7 +3022,8 @@
           </a:prstGeom>
         </p:spPr>
         <p:txBody>
-          <a:bodyPr lIns="0" rIns="0" tIns="0" bIns="0" anchor="ctr"/>
+          <a:bodyPr lIns="0" tIns="0" rIns="0" bIns="0" anchor="ctr"/>
+          <a:lstStyle/>
           <a:p>
             <a:pPr algn="ctr"/>
             <a:r>
@@ -1688,7 +3052,8 @@
           </a:prstGeom>
         </p:spPr>
         <p:txBody>
-          <a:bodyPr lIns="0" rIns="0" tIns="0" bIns="0"/>
+          <a:bodyPr lIns="0" tIns="0" rIns="0" bIns="0"/>
+          <a:lstStyle/>
           <a:p>
             <a:endParaRPr/>
           </a:p>
@@ -1696,11 +3061,14 @@
       </p:sp>
     </p:spTree>
   </p:cSld>
+  <p:clrMapOvr>
+    <a:masterClrMapping/>
+  </p:clrMapOvr>
 </p:sld>
 </file>
 
-<file path=ppt/slides/slide11.xml><?xml version="1.0" encoding="utf-8"?>
-<p:sld xmlns:a="http://schemas.openxmlformats.org/drawingml/2006/main" xmlns:p="http://schemas.openxmlformats.org/presentationml/2006/main" xmlns:r="http://schemas.openxmlformats.org/officeDocument/2006/relationships">
+<file path=ppt/slides/slide12.xml><?xml version="1.0" encoding="utf-8"?>
+<p:sld xmlns:a="http://schemas.openxmlformats.org/drawingml/2006/main" xmlns:r="http://schemas.openxmlformats.org/officeDocument/2006/relationships" xmlns:p="http://schemas.openxmlformats.org/presentationml/2006/main">
   <p:cSld>
     <p:spTree>
       <p:nvGrpSpPr>
@@ -1732,7 +3100,8 @@
           </a:prstGeom>
         </p:spPr>
         <p:txBody>
-          <a:bodyPr lIns="0" rIns="0" tIns="0" bIns="0" anchor="ctr"/>
+          <a:bodyPr lIns="0" tIns="0" rIns="0" bIns="0" anchor="ctr"/>
+          <a:lstStyle/>
           <a:p>
             <a:pPr algn="ctr"/>
             <a:endParaRPr/>
@@ -1755,7 +3124,8 @@
           </a:prstGeom>
         </p:spPr>
         <p:txBody>
-          <a:bodyPr lIns="0" rIns="0" tIns="0" bIns="0"/>
+          <a:bodyPr lIns="0" tIns="0" rIns="0" bIns="0"/>
+          <a:lstStyle/>
           <a:p>
             <a:pPr>
               <a:buSzPct val="45000"/>
@@ -1774,11 +3144,14 @@
       </p:sp>
     </p:spTree>
   </p:cSld>
+  <p:clrMapOvr>
+    <a:masterClrMapping/>
+  </p:clrMapOvr>
 </p:sld>
 </file>
 
-<file path=ppt/slides/slide2.xml><?xml version="1.0" encoding="utf-8"?>
-<p:sld xmlns:a="http://schemas.openxmlformats.org/drawingml/2006/main" xmlns:p="http://schemas.openxmlformats.org/presentationml/2006/main" xmlns:r="http://schemas.openxmlformats.org/officeDocument/2006/relationships">
+<file path=ppt/slides/slide13.xml><?xml version="1.0" encoding="utf-8"?>
+<p:sld xmlns:a="http://schemas.openxmlformats.org/drawingml/2006/main" xmlns:r="http://schemas.openxmlformats.org/officeDocument/2006/relationships" xmlns:p="http://schemas.openxmlformats.org/presentationml/2006/main">
   <p:cSld>
     <p:spTree>
       <p:nvGrpSpPr>
@@ -1796,30 +3169,186 @@
       </p:grpSpPr>
       <p:sp>
         <p:nvSpPr>
+          <p:cNvPr id="2" name="标题 1">
+            <a:extLst>
+              <a:ext uri="{FF2B5EF4-FFF2-40B4-BE49-F238E27FC236}">
+                <a16:creationId xmlns:a16="http://schemas.microsoft.com/office/drawing/2014/main" id="{C0A81118-71A8-4DC9-86DF-55C88947597B}"/>
+              </a:ext>
+            </a:extLst>
+          </p:cNvPr>
+          <p:cNvSpPr>
+            <a:spLocks noGrp="1"/>
+          </p:cNvSpPr>
+          <p:nvPr>
+            <p:ph type="title"/>
+          </p:nvPr>
+        </p:nvSpPr>
+        <p:spPr/>
+        <p:txBody>
+          <a:bodyPr/>
+          <a:lstStyle/>
+          <a:p>
+            <a:endParaRPr lang="zh-CN" altLang="en-US"/>
+          </a:p>
+        </p:txBody>
+      </p:sp>
+      <p:sp>
+        <p:nvSpPr>
+          <p:cNvPr id="4" name="TextShape 2">
+            <a:extLst>
+              <a:ext uri="{FF2B5EF4-FFF2-40B4-BE49-F238E27FC236}">
+                <a16:creationId xmlns:a16="http://schemas.microsoft.com/office/drawing/2014/main" id="{79768F42-358A-403D-98A3-4F9E3191A1A1}"/>
+              </a:ext>
+            </a:extLst>
+          </p:cNvPr>
+          <p:cNvSpPr txBox="1">
+            <a:spLocks noGrp="1"/>
+          </p:cNvSpPr>
+          <p:nvPr>
+            <p:ph type="body"/>
+          </p:nvPr>
+        </p:nvSpPr>
+        <p:spPr>
+          <a:prstGeom prst="rect">
+            <a:avLst/>
+          </a:prstGeom>
+        </p:spPr>
+        <p:txBody>
+          <a:bodyPr lIns="0" tIns="0" rIns="0" bIns="0" anchor="ctr"/>
+          <a:lstStyle/>
+          <a:p>
+            <a:pPr algn="ctr"/>
+            <a:r>
+              <a:rPr lang="en-US" sz="1500" dirty="0">
+                <a:latin typeface="Arial"/>
+              </a:rPr>
+              <a:t>Group IV</a:t>
+            </a:r>
+            <a:endParaRPr dirty="0"/>
+          </a:p>
+          <a:p>
+            <a:pPr algn="ctr"/>
+            <a:r>
+              <a:rPr lang="en-US" sz="1500" dirty="0" err="1">
+                <a:latin typeface="Arial"/>
+              </a:rPr>
+              <a:t>汪三科</a:t>
+            </a:r>
+            <a:endParaRPr dirty="0"/>
+          </a:p>
+          <a:p>
+            <a:pPr algn="ctr"/>
+            <a:r>
+              <a:rPr lang="en-US" sz="1500" dirty="0" err="1">
+                <a:latin typeface="Arial"/>
+              </a:rPr>
+              <a:t>冯书逸</a:t>
+            </a:r>
+            <a:endParaRPr dirty="0"/>
+          </a:p>
+          <a:p>
+            <a:pPr algn="ctr"/>
+            <a:r>
+              <a:rPr lang="en-US" sz="1500" dirty="0" err="1">
+                <a:latin typeface="Arial"/>
+              </a:rPr>
+              <a:t>徐志鹏</a:t>
+            </a:r>
+            <a:endParaRPr dirty="0"/>
+          </a:p>
+          <a:p>
+            <a:pPr algn="ctr"/>
+            <a:r>
+              <a:rPr lang="en-US" sz="1500" dirty="0" err="1">
+                <a:latin typeface="Arial"/>
+              </a:rPr>
+              <a:t>何子玉</a:t>
+            </a:r>
+            <a:endParaRPr dirty="0"/>
+          </a:p>
+          <a:p>
+            <a:pPr algn="ctr"/>
+            <a:r>
+              <a:rPr lang="en-US" sz="1500" dirty="0" err="1">
+                <a:latin typeface="Arial"/>
+              </a:rPr>
+              <a:t>卢立强</a:t>
+            </a:r>
+            <a:endParaRPr dirty="0"/>
+          </a:p>
+        </p:txBody>
+      </p:sp>
+    </p:spTree>
+    <p:extLst>
+      <p:ext uri="{BB962C8B-B14F-4D97-AF65-F5344CB8AC3E}">
+        <p14:creationId xmlns:p14="http://schemas.microsoft.com/office/powerpoint/2010/main" val="2877527807"/>
+      </p:ext>
+    </p:extLst>
+  </p:cSld>
+  <p:clrMapOvr>
+    <a:masterClrMapping/>
+  </p:clrMapOvr>
+</p:sld>
+</file>
+
+<file path=ppt/slides/slide2.xml><?xml version="1.0" encoding="utf-8"?>
+<p:sld xmlns:a="http://schemas.openxmlformats.org/drawingml/2006/main" xmlns:r="http://schemas.openxmlformats.org/officeDocument/2006/relationships" xmlns:p="http://schemas.openxmlformats.org/presentationml/2006/main">
+  <p:cSld>
+    <p:spTree>
+      <p:nvGrpSpPr>
+        <p:cNvPr id="1" name=""/>
+        <p:cNvGrpSpPr/>
+        <p:nvPr/>
+      </p:nvGrpSpPr>
+      <p:grpSpPr>
+        <a:xfrm>
+          <a:off x="0" y="0"/>
+          <a:ext cx="0" cy="0"/>
+          <a:chOff x="0" y="0"/>
+          <a:chExt cx="0" cy="0"/>
+        </a:xfrm>
+      </p:grpSpPr>
+      <p:sp>
+        <p:nvSpPr>
           <p:cNvPr id="41" name="TextShape 1"/>
           <p:cNvSpPr txBox="1"/>
           <p:nvPr/>
         </p:nvSpPr>
         <p:spPr>
           <a:xfrm>
-            <a:off x="504000" y="301320"/>
-            <a:ext cx="9071640" cy="1262160"/>
-          </a:xfrm>
-          <a:prstGeom prst="rect">
-            <a:avLst/>
-          </a:prstGeom>
-        </p:spPr>
-        <p:txBody>
-          <a:bodyPr lIns="0" rIns="0" tIns="0" bIns="0" anchor="ctr"/>
+            <a:off x="609599" y="1538513"/>
+            <a:ext cx="5990612" cy="1359554"/>
+          </a:xfrm>
+          <a:prstGeom prst="rect">
+            <a:avLst/>
+          </a:prstGeom>
+        </p:spPr>
+        <p:txBody>
+          <a:bodyPr lIns="0" tIns="0" rIns="0" bIns="0" anchor="ctr"/>
+          <a:lstStyle/>
           <a:p>
             <a:pPr algn="ctr"/>
             <a:r>
-              <a:rPr lang="en-US" sz="4400">
-                <a:latin typeface="Arial"/>
+              <a:rPr lang="en-US" sz="4400" dirty="0">
+                <a:latin typeface="Comic Sans MS" panose="030F0702030302020204" pitchFamily="66" charset="0"/>
               </a:rPr>
-              <a:t>Animals &amp; people</a:t>
+              <a:t>Animals </a:t>
             </a:r>
-            <a:endParaRPr/>
+            <a:r>
+              <a:rPr lang="en-US" sz="3600" dirty="0">
+                <a:latin typeface="Comic Sans MS" panose="030F0702030302020204" pitchFamily="66" charset="0"/>
+              </a:rPr>
+              <a:t>&amp;</a:t>
+            </a:r>
+            <a:r>
+              <a:rPr lang="en-US" sz="4400" dirty="0">
+                <a:latin typeface="Comic Sans MS" panose="030F0702030302020204" pitchFamily="66" charset="0"/>
+              </a:rPr>
+              <a:t> people</a:t>
+            </a:r>
+            <a:endParaRPr dirty="0">
+              <a:latin typeface="Comic Sans MS" panose="030F0702030302020204" pitchFamily="66" charset="0"/>
+            </a:endParaRPr>
           </a:p>
         </p:txBody>
       </p:sp>
@@ -1839,30 +3368,87 @@
           </a:prstGeom>
         </p:spPr>
         <p:txBody>
-          <a:bodyPr lIns="0" rIns="0" tIns="0" bIns="0"/>
-          <a:p>
-            <a:endParaRPr/>
-          </a:p>
-        </p:txBody>
-      </p:sp>
+          <a:bodyPr lIns="0" tIns="0" rIns="0" bIns="0"/>
+          <a:lstStyle/>
+          <a:p>
+            <a:endParaRPr/>
+          </a:p>
+        </p:txBody>
+      </p:sp>
+      <p:pic>
+        <p:nvPicPr>
+          <p:cNvPr id="2" name="图片 1">
+            <a:extLst>
+              <a:ext uri="{FF2B5EF4-FFF2-40B4-BE49-F238E27FC236}">
+                <a16:creationId xmlns:a16="http://schemas.microsoft.com/office/drawing/2014/main" id="{625344DC-8A1E-439C-9B71-70C5BB19827D}"/>
+              </a:ext>
+            </a:extLst>
+          </p:cNvPr>
+          <p:cNvPicPr>
+            <a:picLocks noChangeAspect="1"/>
+          </p:cNvPicPr>
+          <p:nvPr/>
+        </p:nvPicPr>
+        <p:blipFill rotWithShape="1">
+          <a:blip r:embed="rId2"/>
+          <a:srcRect l="15000" r="15000"/>
+          <a:stretch/>
+        </p:blipFill>
+        <p:spPr>
+          <a:xfrm>
+            <a:off x="4601028" y="3330409"/>
+            <a:ext cx="4974611" cy="3730958"/>
+          </a:xfrm>
+          <a:prstGeom prst="roundRect">
+            <a:avLst>
+              <a:gd name="adj" fmla="val 16667"/>
+            </a:avLst>
+          </a:prstGeom>
+          <a:ln>
+            <a:noFill/>
+          </a:ln>
+          <a:effectLst>
+            <a:outerShdw blurRad="152400" dist="12000" dir="900000" sy="98000" kx="110000" ky="200000" algn="tl" rotWithShape="0">
+              <a:srgbClr val="000000">
+                <a:alpha val="30000"/>
+              </a:srgbClr>
+            </a:outerShdw>
+          </a:effectLst>
+          <a:scene3d>
+            <a:camera prst="perspectiveRelaxed">
+              <a:rot lat="19800000" lon="1200000" rev="20820000"/>
+            </a:camera>
+            <a:lightRig rig="threePt" dir="t"/>
+          </a:scene3d>
+          <a:sp3d contourW="6350" prstMaterial="matte">
+            <a:bevelT w="101600" h="101600"/>
+            <a:contourClr>
+              <a:srgbClr val="969696"/>
+            </a:contourClr>
+          </a:sp3d>
+        </p:spPr>
+      </p:pic>
     </p:spTree>
   </p:cSld>
+  <p:clrMapOvr>
+    <a:masterClrMapping/>
+  </p:clrMapOvr>
   <p:timing>
     <p:tnLst>
       <p:par>
-        <p:cTn id="3" dur="indefinite" restart="never" nodeType="tmRoot">
+        <p:cTn id="1" dur="indefinite" restart="never" nodeType="tmRoot">
           <p:childTnLst>
             <p:seq>
-              <p:cTn id="4" nodeType="mainSeq"/>
+              <p:cTn id="2" nodeType="mainSeq"/>
               <p:prevCondLst>
-                <p:cond delay="0" evt="onPrev">
+                <p:cond evt="onPrev" delay="0">
                   <p:tgtEl>
                     <p:sldTgt/>
                   </p:tgtEl>
                 </p:cond>
               </p:prevCondLst>
               <p:nextCondLst>
-                <p:cond delay="0" evt="onNext">
+                <p:cond evt="onNext" delay="0">
                   <p:tgtEl>
                     <p:sldTgt/>
                   </p:tgtEl>
@@ -1878,7 +3464,7 @@
 </file>
 
 <file path=ppt/slides/slide3.xml><?xml version="1.0" encoding="utf-8"?>
-<p:sld xmlns:a="http://schemas.openxmlformats.org/drawingml/2006/main" xmlns:p="http://schemas.openxmlformats.org/presentationml/2006/main" xmlns:r="http://schemas.openxmlformats.org/officeDocument/2006/relationships">
+<p:sld xmlns:a="http://schemas.openxmlformats.org/drawingml/2006/main" xmlns:r="http://schemas.openxmlformats.org/officeDocument/2006/relationships" xmlns:p="http://schemas.openxmlformats.org/presentationml/2006/main">
   <p:cSld>
     <p:spTree>
       <p:nvGrpSpPr>
@@ -1910,7 +3496,8 @@
           </a:prstGeom>
         </p:spPr>
         <p:txBody>
-          <a:bodyPr lIns="0" rIns="0" tIns="0" bIns="0" anchor="ctr"/>
+          <a:bodyPr lIns="0" tIns="0" rIns="0" bIns="0" anchor="ctr"/>
+          <a:lstStyle/>
           <a:p>
             <a:pPr algn="ctr"/>
             <a:endParaRPr/>
@@ -1926,48 +3513,50 @@
         <p:spPr>
           <a:xfrm>
             <a:off x="504000" y="1769040"/>
-            <a:ext cx="9071640" cy="4384080"/>
-          </a:xfrm>
-          <a:prstGeom prst="rect">
-            <a:avLst/>
-          </a:prstGeom>
-        </p:spPr>
-        <p:txBody>
-          <a:bodyPr lIns="0" rIns="0" tIns="0" bIns="0"/>
+            <a:ext cx="2573029" cy="872560"/>
+          </a:xfrm>
+          <a:prstGeom prst="rect">
+            <a:avLst/>
+          </a:prstGeom>
+        </p:spPr>
+        <p:txBody>
+          <a:bodyPr lIns="0" tIns="0" rIns="0" bIns="0"/>
+          <a:lstStyle/>
           <a:p>
             <a:pPr>
               <a:buSzPct val="45000"/>
-              <a:buFont typeface="StarSymbol"/>
-              <a:buChar char=""/>
             </a:pPr>
             <a:r>
-              <a:rPr lang="en-US" sz="3200">
+              <a:rPr lang="en-US" sz="3200" dirty="0">
                 <a:latin typeface="Arial"/>
               </a:rPr>
               <a:t>Relationship</a:t>
             </a:r>
-            <a:endParaRPr/>
+            <a:endParaRPr dirty="0"/>
           </a:p>
         </p:txBody>
       </p:sp>
     </p:spTree>
   </p:cSld>
+  <p:clrMapOvr>
+    <a:masterClrMapping/>
+  </p:clrMapOvr>
   <p:timing>
     <p:tnLst>
       <p:par>
-        <p:cTn id="5" dur="indefinite" restart="never" nodeType="tmRoot">
+        <p:cTn id="1" dur="indefinite" restart="never" nodeType="tmRoot">
           <p:childTnLst>
             <p:seq>
-              <p:cTn id="6" nodeType="mainSeq"/>
+              <p:cTn id="2" nodeType="mainSeq"/>
               <p:prevCondLst>
-                <p:cond delay="0" evt="onPrev">
+                <p:cond evt="onPrev" delay="0">
                   <p:tgtEl>
                     <p:sldTgt/>
                   </p:tgtEl>
                 </p:cond>
               </p:prevCondLst>
               <p:nextCondLst>
-                <p:cond delay="0" evt="onNext">
+                <p:cond evt="onNext" delay="0">
                   <p:tgtEl>
                     <p:sldTgt/>
                   </p:tgtEl>
@@ -1983,7 +3572,7 @@
 </file>
 
 <file path=ppt/slides/slide4.xml><?xml version="1.0" encoding="utf-8"?>
-<p:sld xmlns:a="http://schemas.openxmlformats.org/drawingml/2006/main" xmlns:p="http://schemas.openxmlformats.org/presentationml/2006/main" xmlns:r="http://schemas.openxmlformats.org/officeDocument/2006/relationships">
+<p:sld xmlns:a="http://schemas.openxmlformats.org/drawingml/2006/main" xmlns:r="http://schemas.openxmlformats.org/officeDocument/2006/relationships" xmlns:p="http://schemas.openxmlformats.org/presentationml/2006/main">
   <p:cSld>
     <p:spTree>
       <p:nvGrpSpPr>
@@ -1999,29 +3588,48 @@
           <a:chExt cx="0" cy="0"/>
         </a:xfrm>
       </p:grpSpPr>
-      <p:sp>
-        <p:nvSpPr>
-          <p:cNvPr id="45" name="TextShape 1"/>
-          <p:cNvSpPr txBox="1"/>
+      <p:pic>
+        <p:nvPicPr>
+          <p:cNvPr id="2" name="图片 1">
+            <a:extLst>
+              <a:ext uri="{FF2B5EF4-FFF2-40B4-BE49-F238E27FC236}">
+                <a16:creationId xmlns:a16="http://schemas.microsoft.com/office/drawing/2014/main" id="{1F545F6A-26A1-4E38-9CDB-30A96A728AEB}"/>
+              </a:ext>
+            </a:extLst>
+          </p:cNvPr>
+          <p:cNvPicPr>
+            <a:picLocks noChangeAspect="1"/>
+          </p:cNvPicPr>
           <p:nvPr/>
-        </p:nvSpPr>
-        <p:spPr>
-          <a:xfrm>
-            <a:off x="504000" y="301320"/>
-            <a:ext cx="9071640" cy="1262160"/>
-          </a:xfrm>
-          <a:prstGeom prst="rect">
-            <a:avLst/>
-          </a:prstGeom>
-        </p:spPr>
-        <p:txBody>
-          <a:bodyPr lIns="0" rIns="0" tIns="0" bIns="0" anchor="ctr"/>
-          <a:p>
-            <a:pPr algn="ctr"/>
-            <a:endParaRPr/>
-          </a:p>
-        </p:txBody>
-      </p:sp>
+        </p:nvPicPr>
+        <p:blipFill>
+          <a:blip r:embed="rId3">
+            <a:extLst>
+              <a:ext uri="{BEBA8EAE-BF5A-486C-A8C5-ECC9F3942E4B}">
+                <a14:imgProps xmlns:a14="http://schemas.microsoft.com/office/drawing/2010/main">
+                  <a14:imgLayer r:embed="rId4">
+                    <a14:imgEffect>
+                      <a14:brightnessContrast contrast="40000"/>
+                    </a14:imgEffect>
+                  </a14:imgLayer>
+                </a14:imgProps>
+              </a:ext>
+            </a:extLst>
+          </a:blip>
+          <a:stretch>
+            <a:fillRect/>
+          </a:stretch>
+        </p:blipFill>
+        <p:spPr>
+          <a:xfrm>
+            <a:off x="5516380" y="687050"/>
+            <a:ext cx="3810000" cy="3810000"/>
+          </a:xfrm>
+          <a:prstGeom prst="rect">
+            <a:avLst/>
+          </a:prstGeom>
+        </p:spPr>
+      </p:pic>
       <p:sp>
         <p:nvSpPr>
           <p:cNvPr id="46" name="TextShape 2"/>
@@ -2030,49 +3638,111 @@
         </p:nvSpPr>
         <p:spPr>
           <a:xfrm>
-            <a:off x="504000" y="1769040"/>
-            <a:ext cx="9071640" cy="4384080"/>
-          </a:xfrm>
-          <a:prstGeom prst="rect">
-            <a:avLst/>
-          </a:prstGeom>
-        </p:spPr>
-        <p:txBody>
-          <a:bodyPr lIns="0" rIns="0" tIns="0" bIns="0"/>
+            <a:off x="978107" y="3492710"/>
+            <a:ext cx="7881079" cy="2008680"/>
+          </a:xfrm>
+          <a:prstGeom prst="rect">
+            <a:avLst/>
+          </a:prstGeom>
+        </p:spPr>
+        <p:txBody>
+          <a:bodyPr lIns="0" tIns="0" rIns="0" bIns="0"/>
+          <a:lstStyle/>
           <a:p>
             <a:pPr>
               <a:buSzPct val="45000"/>
-              <a:buFont typeface="StarSymbol"/>
-              <a:buChar char=""/>
             </a:pPr>
             <a:r>
-              <a:rPr lang="en-US" sz="3200">
-                <a:latin typeface="Arial"/>
+              <a:rPr lang="en-US" altLang="zh-CN" sz="23900" dirty="0">
+                <a:solidFill>
+                  <a:srgbClr val="626262"/>
+                </a:solidFill>
+                <a:latin typeface="Comic Sans MS" panose="030F0702030302020204" pitchFamily="66" charset="0"/>
+                <a:cs typeface="ItalicT" panose="00000400000000000000" pitchFamily="2" charset="0"/>
               </a:rPr>
-              <a:t>Actual state</a:t>
+              <a:t>Re</a:t>
             </a:r>
-            <a:endParaRPr/>
+            <a:r>
+              <a:rPr lang="en-US" altLang="zh-CN" sz="16600" dirty="0">
+                <a:solidFill>
+                  <a:srgbClr val="626262"/>
+                </a:solidFill>
+                <a:latin typeface="Comic Sans MS" panose="030F0702030302020204" pitchFamily="66" charset="0"/>
+                <a:cs typeface="ItalicT" panose="00000400000000000000" pitchFamily="2" charset="0"/>
+              </a:rPr>
+              <a:t>a</a:t>
+            </a:r>
+            <a:r>
+              <a:rPr lang="en-US" altLang="zh-CN" sz="8800" dirty="0">
+                <a:solidFill>
+                  <a:srgbClr val="626262"/>
+                </a:solidFill>
+                <a:latin typeface="Comic Sans MS" panose="030F0702030302020204" pitchFamily="66" charset="0"/>
+                <a:cs typeface="ItalicT" panose="00000400000000000000" pitchFamily="2" charset="0"/>
+              </a:rPr>
+              <a:t>l</a:t>
+            </a:r>
+            <a:r>
+              <a:rPr lang="en-US" altLang="zh-CN" sz="7200" dirty="0">
+                <a:solidFill>
+                  <a:srgbClr val="626262"/>
+                </a:solidFill>
+                <a:latin typeface="Comic Sans MS" panose="030F0702030302020204" pitchFamily="66" charset="0"/>
+                <a:cs typeface="ItalicT" panose="00000400000000000000" pitchFamily="2" charset="0"/>
+              </a:rPr>
+              <a:t>i</a:t>
+            </a:r>
+            <a:r>
+              <a:rPr lang="en-US" altLang="zh-CN" sz="6600" dirty="0">
+                <a:solidFill>
+                  <a:srgbClr val="626262"/>
+                </a:solidFill>
+                <a:latin typeface="Comic Sans MS" panose="030F0702030302020204" pitchFamily="66" charset="0"/>
+                <a:cs typeface="ItalicT" panose="00000400000000000000" pitchFamily="2" charset="0"/>
+              </a:rPr>
+              <a:t>t</a:t>
+            </a:r>
+            <a:r>
+              <a:rPr lang="en-US" altLang="zh-CN" sz="5400" dirty="0">
+                <a:solidFill>
+                  <a:srgbClr val="626262"/>
+                </a:solidFill>
+                <a:latin typeface="Comic Sans MS" panose="030F0702030302020204" pitchFamily="66" charset="0"/>
+                <a:cs typeface="ItalicT" panose="00000400000000000000" pitchFamily="2" charset="0"/>
+              </a:rPr>
+              <a:t>y</a:t>
+            </a:r>
+            <a:endParaRPr sz="4800" dirty="0">
+              <a:solidFill>
+                <a:srgbClr val="626262"/>
+              </a:solidFill>
+              <a:latin typeface="Comic Sans MS" panose="030F0702030302020204" pitchFamily="66" charset="0"/>
+              <a:cs typeface="ItalicT" panose="00000400000000000000" pitchFamily="2" charset="0"/>
+            </a:endParaRPr>
           </a:p>
         </p:txBody>
       </p:sp>
     </p:spTree>
   </p:cSld>
+  <p:clrMapOvr>
+    <a:masterClrMapping/>
+  </p:clrMapOvr>
   <p:timing>
     <p:tnLst>
       <p:par>
-        <p:cTn id="7" dur="indefinite" restart="never" nodeType="tmRoot">
+        <p:cTn id="1" dur="indefinite" restart="never" nodeType="tmRoot">
           <p:childTnLst>
             <p:seq>
-              <p:cTn id="8" nodeType="mainSeq"/>
+              <p:cTn id="2" nodeType="mainSeq"/>
               <p:prevCondLst>
-                <p:cond delay="0" evt="onPrev">
+                <p:cond evt="onPrev" delay="0">
                   <p:tgtEl>
                     <p:sldTgt/>
                   </p:tgtEl>
                 </p:cond>
               </p:prevCondLst>
               <p:nextCondLst>
-                <p:cond delay="0" evt="onNext">
+                <p:cond evt="onNext" delay="0">
                   <p:tgtEl>
                     <p:sldTgt/>
                   </p:tgtEl>
@@ -2088,7 +3758,7 @@
 </file>
 
 <file path=ppt/slides/slide5.xml><?xml version="1.0" encoding="utf-8"?>
-<p:sld xmlns:a="http://schemas.openxmlformats.org/drawingml/2006/main" xmlns:p="http://schemas.openxmlformats.org/presentationml/2006/main" xmlns:r="http://schemas.openxmlformats.org/officeDocument/2006/relationships">
+<p:sld xmlns:a="http://schemas.openxmlformats.org/drawingml/2006/main" xmlns:r="http://schemas.openxmlformats.org/officeDocument/2006/relationships" xmlns:p="http://schemas.openxmlformats.org/presentationml/2006/main">
   <p:cSld>
     <p:spTree>
       <p:nvGrpSpPr>
@@ -2106,67 +3776,204 @@
       </p:grpSpPr>
       <p:sp>
         <p:nvSpPr>
-          <p:cNvPr id="47" name="TextShape 1"/>
-          <p:cNvSpPr txBox="1"/>
-          <p:nvPr/>
-        </p:nvSpPr>
-        <p:spPr>
-          <a:xfrm>
-            <a:off x="504000" y="301320"/>
-            <a:ext cx="9071640" cy="1262160"/>
-          </a:xfrm>
-          <a:prstGeom prst="rect">
-            <a:avLst/>
-          </a:prstGeom>
-        </p:spPr>
-        <p:txBody>
-          <a:bodyPr lIns="0" rIns="0" tIns="0" bIns="0" anchor="ctr"/>
-          <a:p>
-            <a:pPr algn="ctr"/>
-            <a:endParaRPr/>
-          </a:p>
-        </p:txBody>
-      </p:sp>
-      <p:sp>
-        <p:nvSpPr>
           <p:cNvPr id="48" name="TextShape 2"/>
           <p:cNvSpPr txBox="1"/>
           <p:nvPr/>
         </p:nvSpPr>
         <p:spPr>
           <a:xfrm>
-            <a:off x="504000" y="1769040"/>
-            <a:ext cx="9071640" cy="4384080"/>
-          </a:xfrm>
-          <a:prstGeom prst="rect">
-            <a:avLst/>
-          </a:prstGeom>
-        </p:spPr>
-        <p:txBody>
-          <a:bodyPr lIns="0" rIns="0" tIns="0" bIns="0"/>
+            <a:off x="757707" y="1200995"/>
+            <a:ext cx="6137767" cy="852657"/>
+          </a:xfrm>
+          <a:prstGeom prst="rect">
+            <a:avLst/>
+          </a:prstGeom>
+        </p:spPr>
+        <p:txBody>
+          <a:bodyPr lIns="0" tIns="0" rIns="0" bIns="0"/>
+          <a:lstStyle/>
           <a:p>
             <a:pPr>
               <a:buSzPct val="45000"/>
-              <a:buFont typeface="StarSymbol"/>
-              <a:buChar char=""/>
             </a:pPr>
             <a:r>
-              <a:rPr lang="en-US" sz="3200">
-                <a:latin typeface="Arial"/>
+              <a:rPr lang="en-US" sz="5400" b="1" dirty="0">
+                <a:ln w="12700">
+                  <a:solidFill>
+                    <a:schemeClr val="accent5"/>
+                  </a:solidFill>
+                  <a:prstDash val="solid"/>
+                </a:ln>
+                <a:pattFill prst="ltDnDiag">
+                  <a:fgClr>
+                    <a:schemeClr val="accent5">
+                      <a:lumMod val="60000"/>
+                      <a:lumOff val="40000"/>
+                    </a:schemeClr>
+                  </a:fgClr>
+                  <a:bgClr>
+                    <a:schemeClr val="bg1"/>
+                  </a:bgClr>
+                </a:pattFill>
+                <a:latin typeface="Comic Sans MS" panose="030F0702030302020204" pitchFamily="66" charset="0"/>
               </a:rPr>
               <a:t>Public impression</a:t>
             </a:r>
-            <a:endParaRPr/>
-          </a:p>
-        </p:txBody>
-      </p:sp>
+            <a:endParaRPr sz="3600" b="1" dirty="0">
+              <a:ln w="12700">
+                <a:solidFill>
+                  <a:schemeClr val="accent5"/>
+                </a:solidFill>
+                <a:prstDash val="solid"/>
+              </a:ln>
+              <a:pattFill prst="ltDnDiag">
+                <a:fgClr>
+                  <a:schemeClr val="accent5">
+                    <a:lumMod val="60000"/>
+                    <a:lumOff val="40000"/>
+                  </a:schemeClr>
+                </a:fgClr>
+                <a:bgClr>
+                  <a:schemeClr val="bg1"/>
+                </a:bgClr>
+              </a:pattFill>
+              <a:latin typeface="Comic Sans MS" panose="030F0702030302020204" pitchFamily="66" charset="0"/>
+            </a:endParaRPr>
+          </a:p>
+        </p:txBody>
+      </p:sp>
+      <p:pic>
+        <p:nvPicPr>
+          <p:cNvPr id="2" name="图片 1">
+            <a:extLst>
+              <a:ext uri="{FF2B5EF4-FFF2-40B4-BE49-F238E27FC236}">
+                <a16:creationId xmlns:a16="http://schemas.microsoft.com/office/drawing/2014/main" id="{848E824E-0FF1-41E7-A579-FF18BFEA51AE}"/>
+              </a:ext>
+            </a:extLst>
+          </p:cNvPr>
+          <p:cNvPicPr>
+            <a:picLocks noChangeAspect="1"/>
+          </p:cNvPicPr>
+          <p:nvPr/>
+        </p:nvPicPr>
+        <p:blipFill>
+          <a:blip r:embed="rId3"/>
+          <a:stretch>
+            <a:fillRect/>
+          </a:stretch>
+        </p:blipFill>
+        <p:spPr>
+          <a:xfrm>
+            <a:off x="5317404" y="2598057"/>
+            <a:ext cx="3996912" cy="3996912"/>
+          </a:xfrm>
+          <a:prstGeom prst="rect">
+            <a:avLst/>
+          </a:prstGeom>
+          <a:solidFill>
+            <a:srgbClr val="FFFFFF">
+              <a:shade val="85000"/>
+            </a:srgbClr>
+          </a:solidFill>
+          <a:ln w="190500" cap="sq">
+            <a:solidFill>
+              <a:srgbClr val="FFFFFF"/>
+            </a:solidFill>
+            <a:miter lim="800000"/>
+          </a:ln>
+          <a:effectLst>
+            <a:outerShdw blurRad="65000" dist="50800" dir="12900000" kx="195000" ky="145000" algn="tl" rotWithShape="0">
+              <a:srgbClr val="000000">
+                <a:alpha val="30000"/>
+              </a:srgbClr>
+            </a:outerShdw>
+          </a:effectLst>
+          <a:scene3d>
+            <a:camera prst="orthographicFront">
+              <a:rot lat="0" lon="0" rev="360000"/>
+            </a:camera>
+            <a:lightRig rig="twoPt" dir="t">
+              <a:rot lat="0" lon="0" rev="7200000"/>
+            </a:lightRig>
+          </a:scene3d>
+          <a:sp3d contourW="12700">
+            <a:bevelT w="25400" h="19050"/>
+            <a:contourClr>
+              <a:srgbClr val="969696"/>
+            </a:contourClr>
+          </a:sp3d>
+        </p:spPr>
+      </p:pic>
+      <p:pic>
+        <p:nvPicPr>
+          <p:cNvPr id="3" name="图片 2">
+            <a:extLst>
+              <a:ext uri="{FF2B5EF4-FFF2-40B4-BE49-F238E27FC236}">
+                <a16:creationId xmlns:a16="http://schemas.microsoft.com/office/drawing/2014/main" id="{A6AB64D8-692F-421D-9148-A824D1EDC291}"/>
+              </a:ext>
+            </a:extLst>
+          </p:cNvPr>
+          <p:cNvPicPr>
+            <a:picLocks noChangeAspect="1"/>
+          </p:cNvPicPr>
+          <p:nvPr/>
+        </p:nvPicPr>
+        <p:blipFill>
+          <a:blip r:embed="rId4"/>
+          <a:stretch>
+            <a:fillRect/>
+          </a:stretch>
+        </p:blipFill>
+        <p:spPr>
+          <a:xfrm>
+            <a:off x="251277" y="3263055"/>
+            <a:ext cx="4352925" cy="3095625"/>
+          </a:xfrm>
+          <a:prstGeom prst="snip2DiagRect">
+            <a:avLst/>
+          </a:prstGeom>
+          <a:solidFill>
+            <a:srgbClr val="FFFFFF">
+              <a:shade val="85000"/>
+            </a:srgbClr>
+          </a:solidFill>
+          <a:ln w="88900" cap="sq">
+            <a:solidFill>
+              <a:srgbClr val="FFFFFF"/>
+            </a:solidFill>
+            <a:miter lim="800000"/>
+          </a:ln>
+          <a:effectLst>
+            <a:outerShdw blurRad="88900" algn="tl" rotWithShape="0">
+              <a:srgbClr val="000000">
+                <a:alpha val="45000"/>
+              </a:srgbClr>
+            </a:outerShdw>
+          </a:effectLst>
+          <a:scene3d>
+            <a:camera prst="orthographicFront"/>
+            <a:lightRig rig="twoPt" dir="t">
+              <a:rot lat="0" lon="0" rev="7200000"/>
+            </a:lightRig>
+          </a:scene3d>
+          <a:sp3d>
+            <a:bevelT w="25400" h="19050"/>
+            <a:contourClr>
+              <a:srgbClr val="FFFFFF"/>
+            </a:contourClr>
+          </a:sp3d>
+        </p:spPr>
+      </p:pic>
     </p:spTree>
   </p:cSld>
+  <p:clrMapOvr>
+    <a:masterClrMapping/>
+  </p:clrMapOvr>
 </p:sld>
 </file>
 
 <file path=ppt/slides/slide6.xml><?xml version="1.0" encoding="utf-8"?>
-<p:sld xmlns:a="http://schemas.openxmlformats.org/drawingml/2006/main" xmlns:p="http://schemas.openxmlformats.org/presentationml/2006/main" xmlns:r="http://schemas.openxmlformats.org/officeDocument/2006/relationships">
+<p:sld xmlns:a="http://schemas.openxmlformats.org/drawingml/2006/main" xmlns:r="http://schemas.openxmlformats.org/officeDocument/2006/relationships" xmlns:p="http://schemas.openxmlformats.org/presentationml/2006/main">
   <p:cSld>
     <p:spTree>
       <p:nvGrpSpPr>
@@ -2182,69 +3989,141 @@
           <a:chExt cx="0" cy="0"/>
         </a:xfrm>
       </p:grpSpPr>
-      <p:sp>
-        <p:nvSpPr>
-          <p:cNvPr id="49" name="TextShape 1"/>
-          <p:cNvSpPr txBox="1"/>
+      <p:pic>
+        <p:nvPicPr>
+          <p:cNvPr id="4" name="图片 3">
+            <a:extLst>
+              <a:ext uri="{FF2B5EF4-FFF2-40B4-BE49-F238E27FC236}">
+                <a16:creationId xmlns:a16="http://schemas.microsoft.com/office/drawing/2014/main" id="{05E1E85F-941F-4F16-86DF-FC86B5B5D21E}"/>
+              </a:ext>
+            </a:extLst>
+          </p:cNvPr>
+          <p:cNvPicPr>
+            <a:picLocks noChangeAspect="1"/>
+          </p:cNvPicPr>
           <p:nvPr/>
-        </p:nvSpPr>
-        <p:spPr>
-          <a:xfrm>
-            <a:off x="504000" y="301320"/>
-            <a:ext cx="9071640" cy="1262160"/>
-          </a:xfrm>
-          <a:prstGeom prst="rect">
-            <a:avLst/>
-          </a:prstGeom>
-        </p:spPr>
-        <p:txBody>
-          <a:bodyPr lIns="0" rIns="0" tIns="0" bIns="0" anchor="ctr"/>
-          <a:p>
-            <a:pPr algn="ctr"/>
-            <a:endParaRPr/>
-          </a:p>
-        </p:txBody>
-      </p:sp>
-      <p:sp>
-        <p:nvSpPr>
-          <p:cNvPr id="50" name="TextShape 2"/>
-          <p:cNvSpPr txBox="1"/>
-          <p:nvPr/>
-        </p:nvSpPr>
-        <p:spPr>
-          <a:xfrm>
-            <a:off x="504000" y="1769040"/>
-            <a:ext cx="9071640" cy="4384080"/>
-          </a:xfrm>
-          <a:prstGeom prst="rect">
-            <a:avLst/>
-          </a:prstGeom>
-        </p:spPr>
-        <p:txBody>
-          <a:bodyPr lIns="0" rIns="0" tIns="0" bIns="0"/>
-          <a:p>
-            <a:pPr>
-              <a:buSzPct val="45000"/>
-              <a:buFont typeface="StarSymbol"/>
-              <a:buChar char=""/>
+        </p:nvPicPr>
+        <p:blipFill>
+          <a:blip r:embed="rId3"/>
+          <a:stretch>
+            <a:fillRect/>
+          </a:stretch>
+        </p:blipFill>
+        <p:spPr>
+          <a:xfrm>
+            <a:off x="2941846" y="1266065"/>
+            <a:ext cx="4762500" cy="4762500"/>
+          </a:xfrm>
+          <a:prstGeom prst="rect">
+            <a:avLst/>
+          </a:prstGeom>
+        </p:spPr>
+      </p:pic>
+      <p:sp>
+        <p:nvSpPr>
+          <p:cNvPr id="3" name="文本占位符 2">
+            <a:extLst>
+              <a:ext uri="{FF2B5EF4-FFF2-40B4-BE49-F238E27FC236}">
+                <a16:creationId xmlns:a16="http://schemas.microsoft.com/office/drawing/2014/main" id="{50AE733F-DC54-4CB7-85A4-12770E84A371}"/>
+              </a:ext>
+            </a:extLst>
+          </p:cNvPr>
+          <p:cNvSpPr>
+            <a:spLocks noGrp="1"/>
+          </p:cNvSpPr>
+          <p:nvPr>
+            <p:ph type="body"/>
+          </p:nvPr>
+        </p:nvSpPr>
+        <p:spPr>
+          <a:xfrm>
+            <a:off x="3790539" y="3146983"/>
+            <a:ext cx="4253530" cy="1000664"/>
+          </a:xfrm>
+        </p:spPr>
+        <p:txBody>
+          <a:bodyPr>
+            <a:scene3d>
+              <a:camera prst="perspectiveContrastingRightFacing"/>
+              <a:lightRig rig="threePt" dir="t"/>
+            </a:scene3d>
+          </a:bodyPr>
+          <a:lstStyle/>
+          <a:p>
+            <a:pPr marL="0" indent="0">
+              <a:buNone/>
             </a:pPr>
             <a:r>
-              <a:rPr lang="en-US" sz="3200">
-                <a:latin typeface="Arial"/>
+              <a:rPr lang="en-US" altLang="zh-CN" sz="9600" b="1" dirty="0">
+                <a:ln>
+                  <a:solidFill>
+                    <a:srgbClr val="FF0000"/>
+                  </a:solidFill>
+                </a:ln>
+                <a:blipFill>
+                  <a:blip r:embed="rId4"/>
+                  <a:tile tx="0" ty="0" sx="100000" sy="100000" flip="none" algn="tl"/>
+                </a:blipFill>
+                <a:effectLst>
+                  <a:glow rad="63500">
+                    <a:schemeClr val="accent2">
+                      <a:satMod val="175000"/>
+                      <a:alpha val="40000"/>
+                    </a:schemeClr>
+                  </a:glow>
+                  <a:outerShdw blurRad="60007" dir="2000400" sy="-30000" kx="-800400" algn="bl" rotWithShape="0">
+                    <a:prstClr val="black">
+                      <a:alpha val="20000"/>
+                    </a:prstClr>
+                  </a:outerShdw>
+                </a:effectLst>
+                <a:latin typeface="Comic Sans MS" panose="030F0702030302020204" pitchFamily="66" charset="0"/>
               </a:rPr>
-              <a:t>Present situation &amp; future</a:t>
+              <a:t>Facts</a:t>
             </a:r>
-            <a:endParaRPr/>
+            <a:endParaRPr lang="zh-CN" altLang="en-US" sz="9600" b="1" dirty="0">
+              <a:ln>
+                <a:solidFill>
+                  <a:srgbClr val="FF0000"/>
+                </a:solidFill>
+              </a:ln>
+              <a:blipFill>
+                <a:blip r:embed="rId4"/>
+                <a:tile tx="0" ty="0" sx="100000" sy="100000" flip="none" algn="tl"/>
+              </a:blipFill>
+              <a:effectLst>
+                <a:glow rad="63500">
+                  <a:schemeClr val="accent2">
+                    <a:satMod val="175000"/>
+                    <a:alpha val="40000"/>
+                  </a:schemeClr>
+                </a:glow>
+                <a:outerShdw blurRad="60007" dir="2000400" sy="-30000" kx="-800400" algn="bl" rotWithShape="0">
+                  <a:prstClr val="black">
+                    <a:alpha val="20000"/>
+                  </a:prstClr>
+                </a:outerShdw>
+              </a:effectLst>
+              <a:latin typeface="Comic Sans MS" panose="030F0702030302020204" pitchFamily="66" charset="0"/>
+            </a:endParaRPr>
           </a:p>
         </p:txBody>
       </p:sp>
     </p:spTree>
+    <p:extLst>
+      <p:ext uri="{BB962C8B-B14F-4D97-AF65-F5344CB8AC3E}">
+        <p14:creationId xmlns:p14="http://schemas.microsoft.com/office/powerpoint/2010/main" val="2460421819"/>
+      </p:ext>
+    </p:extLst>
   </p:cSld>
+  <p:clrMapOvr>
+    <a:masterClrMapping/>
+  </p:clrMapOvr>
 </p:sld>
 </file>
 
 <file path=ppt/slides/slide7.xml><?xml version="1.0" encoding="utf-8"?>
-<p:sld xmlns:a="http://schemas.openxmlformats.org/drawingml/2006/main" xmlns:p="http://schemas.openxmlformats.org/presentationml/2006/main" xmlns:r="http://schemas.openxmlformats.org/officeDocument/2006/relationships">
+<p:sld xmlns:a="http://schemas.openxmlformats.org/drawingml/2006/main" xmlns:r="http://schemas.openxmlformats.org/officeDocument/2006/relationships" xmlns:p="http://schemas.openxmlformats.org/presentationml/2006/main">
   <p:cSld>
     <p:spTree>
       <p:nvGrpSpPr>
@@ -2260,9 +4139,39 @@
           <a:chExt cx="0" cy="0"/>
         </a:xfrm>
       </p:grpSpPr>
-      <p:sp>
-        <p:nvSpPr>
-          <p:cNvPr id="51" name="TextShape 1"/>
+      <p:pic>
+        <p:nvPicPr>
+          <p:cNvPr id="2" name="图片 1">
+            <a:extLst>
+              <a:ext uri="{FF2B5EF4-FFF2-40B4-BE49-F238E27FC236}">
+                <a16:creationId xmlns:a16="http://schemas.microsoft.com/office/drawing/2014/main" id="{2EBADFF6-1445-4616-81DD-C3271D485770}"/>
+              </a:ext>
+            </a:extLst>
+          </p:cNvPr>
+          <p:cNvPicPr>
+            <a:picLocks noChangeAspect="1"/>
+          </p:cNvPicPr>
+          <p:nvPr/>
+        </p:nvPicPr>
+        <p:blipFill>
+          <a:blip r:embed="rId3"/>
+          <a:stretch>
+            <a:fillRect/>
+          </a:stretch>
+        </p:blipFill>
+        <p:spPr>
+          <a:xfrm>
+            <a:off x="3799251" y="2518348"/>
+            <a:ext cx="5629562" cy="4247760"/>
+          </a:xfrm>
+          <a:prstGeom prst="rect">
+            <a:avLst/>
+          </a:prstGeom>
+        </p:spPr>
+      </p:pic>
+      <p:sp>
+        <p:nvSpPr>
+          <p:cNvPr id="49" name="TextShape 1"/>
           <p:cNvSpPr txBox="1"/>
           <p:nvPr/>
         </p:nvSpPr>
@@ -2276,75 +4185,102 @@
           </a:prstGeom>
         </p:spPr>
         <p:txBody>
-          <a:bodyPr lIns="0" rIns="0" tIns="0" bIns="0" anchor="ctr"/>
+          <a:bodyPr lIns="0" tIns="0" rIns="0" bIns="0" anchor="ctr"/>
+          <a:lstStyle/>
           <a:p>
             <a:pPr algn="ctr"/>
-            <a:r>
-              <a:rPr lang="en-US" sz="4400">
-                <a:latin typeface="Arial"/>
-              </a:rPr>
-              <a:t>Humanity &amp; ecology</a:t>
-            </a:r>
-            <a:endParaRPr/>
-          </a:p>
-        </p:txBody>
-      </p:sp>
-      <p:sp>
-        <p:nvSpPr>
-          <p:cNvPr id="52" name="TextShape 2"/>
+            <a:endParaRPr/>
+          </a:p>
+        </p:txBody>
+      </p:sp>
+      <p:sp>
+        <p:nvSpPr>
+          <p:cNvPr id="50" name="TextShape 2"/>
           <p:cNvSpPr txBox="1"/>
           <p:nvPr/>
         </p:nvSpPr>
         <p:spPr>
           <a:xfrm>
-            <a:off x="504000" y="1769040"/>
-            <a:ext cx="9071640" cy="4384080"/>
-          </a:xfrm>
-          <a:prstGeom prst="rect">
-            <a:avLst/>
-          </a:prstGeom>
-        </p:spPr>
-        <p:txBody>
-          <a:bodyPr lIns="0" rIns="0" tIns="0" bIns="0"/>
-          <a:p>
-            <a:endParaRPr/>
+            <a:off x="1823135" y="1978902"/>
+            <a:ext cx="5926780" cy="2038462"/>
+          </a:xfrm>
+          <a:prstGeom prst="rect">
+            <a:avLst/>
+          </a:prstGeom>
+        </p:spPr>
+        <p:txBody>
+          <a:bodyPr lIns="0" tIns="0" rIns="0" bIns="0"/>
+          <a:lstStyle/>
+          <a:p>
+            <a:pPr>
+              <a:buSzPct val="45000"/>
+            </a:pPr>
+            <a:r>
+              <a:rPr lang="en-US" sz="5400" b="1" dirty="0">
+                <a:ln/>
+                <a:pattFill prst="dkUpDiag">
+                  <a:fgClr>
+                    <a:schemeClr val="bg1">
+                      <a:lumMod val="50000"/>
+                    </a:schemeClr>
+                  </a:fgClr>
+                  <a:bgClr>
+                    <a:schemeClr val="tx1">
+                      <a:lumMod val="75000"/>
+                      <a:lumOff val="25000"/>
+                    </a:schemeClr>
+                  </a:bgClr>
+                </a:pattFill>
+                <a:effectLst>
+                  <a:outerShdw blurRad="38100" dist="19050" dir="2700000" algn="tl" rotWithShape="0">
+                    <a:schemeClr val="dk1">
+                      <a:lumMod val="50000"/>
+                      <a:alpha val="40000"/>
+                    </a:schemeClr>
+                  </a:outerShdw>
+                </a:effectLst>
+                <a:latin typeface="Comic Sans MS" panose="030F0702030302020204" pitchFamily="66" charset="0"/>
+              </a:rPr>
+              <a:t>Present situation &amp; future</a:t>
+            </a:r>
+            <a:endParaRPr sz="3600" b="1" dirty="0">
+              <a:ln/>
+              <a:pattFill prst="dkUpDiag">
+                <a:fgClr>
+                  <a:schemeClr val="bg1">
+                    <a:lumMod val="50000"/>
+                  </a:schemeClr>
+                </a:fgClr>
+                <a:bgClr>
+                  <a:schemeClr val="tx1">
+                    <a:lumMod val="75000"/>
+                    <a:lumOff val="25000"/>
+                  </a:schemeClr>
+                </a:bgClr>
+              </a:pattFill>
+              <a:effectLst>
+                <a:outerShdw blurRad="38100" dist="19050" dir="2700000" algn="tl" rotWithShape="0">
+                  <a:schemeClr val="dk1">
+                    <a:lumMod val="50000"/>
+                    <a:alpha val="40000"/>
+                  </a:schemeClr>
+                </a:outerShdw>
+              </a:effectLst>
+              <a:latin typeface="Comic Sans MS" panose="030F0702030302020204" pitchFamily="66" charset="0"/>
+            </a:endParaRPr>
           </a:p>
         </p:txBody>
       </p:sp>
     </p:spTree>
   </p:cSld>
-  <p:timing>
-    <p:tnLst>
-      <p:par>
-        <p:cTn id="9" dur="indefinite" restart="never" nodeType="tmRoot">
-          <p:childTnLst>
-            <p:seq>
-              <p:cTn id="10" nodeType="mainSeq"/>
-              <p:prevCondLst>
-                <p:cond delay="0" evt="onPrev">
-                  <p:tgtEl>
-                    <p:sldTgt/>
-                  </p:tgtEl>
-                </p:cond>
-              </p:prevCondLst>
-              <p:nextCondLst>
-                <p:cond delay="0" evt="onNext">
-                  <p:tgtEl>
-                    <p:sldTgt/>
-                  </p:tgtEl>
-                </p:cond>
-              </p:nextCondLst>
-            </p:seq>
-          </p:childTnLst>
-        </p:cTn>
-      </p:par>
-    </p:tnLst>
-  </p:timing>
+  <p:clrMapOvr>
+    <a:masterClrMapping/>
+  </p:clrMapOvr>
 </p:sld>
 </file>
 
 <file path=ppt/slides/slide8.xml><?xml version="1.0" encoding="utf-8"?>
-<p:sld xmlns:a="http://schemas.openxmlformats.org/drawingml/2006/main" xmlns:p="http://schemas.openxmlformats.org/presentationml/2006/main" xmlns:r="http://schemas.openxmlformats.org/officeDocument/2006/relationships">
+<p:sld xmlns:a="http://schemas.openxmlformats.org/drawingml/2006/main" xmlns:r="http://schemas.openxmlformats.org/officeDocument/2006/relationships" xmlns:p="http://schemas.openxmlformats.org/presentationml/2006/main">
   <p:cSld>
     <p:spTree>
       <p:nvGrpSpPr>
@@ -2362,7 +4298,7 @@
       </p:grpSpPr>
       <p:sp>
         <p:nvSpPr>
-          <p:cNvPr id="53" name="TextShape 1"/>
+          <p:cNvPr id="51" name="TextShape 1"/>
           <p:cNvSpPr txBox="1"/>
           <p:nvPr/>
         </p:nvSpPr>
@@ -2376,16 +4312,23 @@
           </a:prstGeom>
         </p:spPr>
         <p:txBody>
-          <a:bodyPr lIns="0" rIns="0" tIns="0" bIns="0" anchor="ctr"/>
+          <a:bodyPr lIns="0" tIns="0" rIns="0" bIns="0" anchor="ctr"/>
+          <a:lstStyle/>
           <a:p>
             <a:pPr algn="ctr"/>
-            <a:endParaRPr/>
-          </a:p>
-        </p:txBody>
-      </p:sp>
-      <p:sp>
-        <p:nvSpPr>
-          <p:cNvPr id="54" name="TextShape 2"/>
+            <a:r>
+              <a:rPr lang="en-US" sz="4400">
+                <a:latin typeface="Arial"/>
+              </a:rPr>
+              <a:t>Humanity &amp; ecology</a:t>
+            </a:r>
+            <a:endParaRPr/>
+          </a:p>
+        </p:txBody>
+      </p:sp>
+      <p:sp>
+        <p:nvSpPr>
+          <p:cNvPr id="52" name="TextShape 2"/>
           <p:cNvSpPr txBox="1"/>
           <p:nvPr/>
         </p:nvSpPr>
@@ -2399,41 +4342,34 @@
           </a:prstGeom>
         </p:spPr>
         <p:txBody>
-          <a:bodyPr lIns="0" rIns="0" tIns="0" bIns="0"/>
-          <a:p>
-            <a:pPr>
-              <a:buSzPct val="45000"/>
-              <a:buFont typeface="StarSymbol"/>
-              <a:buChar char=""/>
-            </a:pPr>
-            <a:r>
-              <a:rPr lang="en-US" sz="3200">
-                <a:latin typeface="Arial"/>
-              </a:rPr>
-              <a:t>Humanity</a:t>
-            </a:r>
+          <a:bodyPr lIns="0" tIns="0" rIns="0" bIns="0"/>
+          <a:lstStyle/>
+          <a:p>
             <a:endParaRPr/>
           </a:p>
         </p:txBody>
       </p:sp>
     </p:spTree>
   </p:cSld>
+  <p:clrMapOvr>
+    <a:masterClrMapping/>
+  </p:clrMapOvr>
   <p:timing>
     <p:tnLst>
       <p:par>
-        <p:cTn id="11" dur="indefinite" restart="never" nodeType="tmRoot">
+        <p:cTn id="1" dur="indefinite" restart="never" nodeType="tmRoot">
           <p:childTnLst>
             <p:seq>
-              <p:cTn id="12" nodeType="mainSeq"/>
+              <p:cTn id="2" nodeType="mainSeq"/>
               <p:prevCondLst>
-                <p:cond delay="0" evt="onPrev">
+                <p:cond evt="onPrev" delay="0">
                   <p:tgtEl>
                     <p:sldTgt/>
                   </p:tgtEl>
                 </p:cond>
               </p:prevCondLst>
               <p:nextCondLst>
-                <p:cond delay="0" evt="onNext">
+                <p:cond evt="onNext" delay="0">
                   <p:tgtEl>
                     <p:sldTgt/>
                   </p:tgtEl>
@@ -2449,7 +4385,7 @@
 </file>
 
 <file path=ppt/slides/slide9.xml><?xml version="1.0" encoding="utf-8"?>
-<p:sld xmlns:a="http://schemas.openxmlformats.org/drawingml/2006/main" xmlns:p="http://schemas.openxmlformats.org/presentationml/2006/main" xmlns:r="http://schemas.openxmlformats.org/officeDocument/2006/relationships">
+<p:sld xmlns:a="http://schemas.openxmlformats.org/drawingml/2006/main" xmlns:r="http://schemas.openxmlformats.org/officeDocument/2006/relationships" xmlns:p="http://schemas.openxmlformats.org/presentationml/2006/main">
   <p:cSld>
     <p:spTree>
       <p:nvGrpSpPr>
@@ -2467,7 +4403,7 @@
       </p:grpSpPr>
       <p:sp>
         <p:nvSpPr>
-          <p:cNvPr id="55" name="TextShape 1"/>
+          <p:cNvPr id="53" name="TextShape 1"/>
           <p:cNvSpPr txBox="1"/>
           <p:nvPr/>
         </p:nvSpPr>
@@ -2481,7 +4417,8 @@
           </a:prstGeom>
         </p:spPr>
         <p:txBody>
-          <a:bodyPr lIns="0" rIns="0" tIns="0" bIns="0" anchor="ctr"/>
+          <a:bodyPr lIns="0" tIns="0" rIns="0" bIns="0" anchor="ctr"/>
+          <a:lstStyle/>
           <a:p>
             <a:pPr algn="ctr"/>
             <a:endParaRPr/>
@@ -2490,7 +4427,7 @@
       </p:sp>
       <p:sp>
         <p:nvSpPr>
-          <p:cNvPr id="56" name="TextShape 2"/>
+          <p:cNvPr id="54" name="TextShape 2"/>
           <p:cNvSpPr txBox="1"/>
           <p:nvPr/>
         </p:nvSpPr>
@@ -2504,7 +4441,8 @@
           </a:prstGeom>
         </p:spPr>
         <p:txBody>
-          <a:bodyPr lIns="0" rIns="0" tIns="0" bIns="0"/>
+          <a:bodyPr lIns="0" tIns="0" rIns="0" bIns="0"/>
+          <a:lstStyle/>
           <a:p>
             <a:pPr>
               <a:buSzPct val="45000"/>
@@ -2515,7 +4453,7 @@
               <a:rPr lang="en-US" sz="3200">
                 <a:latin typeface="Arial"/>
               </a:rPr>
-              <a:t>Ecology</a:t>
+              <a:t>Humanity</a:t>
             </a:r>
             <a:endParaRPr/>
           </a:p>
@@ -2523,6 +4461,36 @@
       </p:sp>
     </p:spTree>
   </p:cSld>
+  <p:clrMapOvr>
+    <a:masterClrMapping/>
+  </p:clrMapOvr>
+  <p:timing>
+    <p:tnLst>
+      <p:par>
+        <p:cTn id="1" dur="indefinite" restart="never" nodeType="tmRoot">
+          <p:childTnLst>
+            <p:seq>
+              <p:cTn id="2" nodeType="mainSeq"/>
+              <p:prevCondLst>
+                <p:cond evt="onPrev" delay="0">
+                  <p:tgtEl>
+                    <p:sldTgt/>
+                  </p:tgtEl>
+                </p:cond>
+              </p:prevCondLst>
+              <p:nextCondLst>
+                <p:cond evt="onNext" delay="0">
+                  <p:tgtEl>
+                    <p:sldTgt/>
+                  </p:tgtEl>
+                </p:cond>
+              </p:nextCondLst>
+            </p:seq>
+          </p:childTnLst>
+        </p:cTn>
+      </p:par>
+    </p:tnLst>
+  </p:timing>
 </p:sld>
 </file>
 
@@ -2746,5 +4714,302 @@
       </a:bgFillStyleLst>
     </a:fmtScheme>
   </a:themeElements>
+  <a:objectDefaults/>
+  <a:extraClrSchemeLst/>
+</a:theme>
+</file>
+
+<file path=ppt/theme/theme2.xml><?xml version="1.0" encoding="utf-8"?>
+<a:theme xmlns:a="http://schemas.openxmlformats.org/drawingml/2006/main" name="Office 主题​​">
+  <a:themeElements>
+    <a:clrScheme name="Office">
+      <a:dk1>
+        <a:sysClr val="windowText" lastClr="000000"/>
+      </a:dk1>
+      <a:lt1>
+        <a:sysClr val="window" lastClr="FFFFFF"/>
+      </a:lt1>
+      <a:dk2>
+        <a:srgbClr val="44546A"/>
+      </a:dk2>
+      <a:lt2>
+        <a:srgbClr val="E7E6E6"/>
+      </a:lt2>
+      <a:accent1>
+        <a:srgbClr val="4472C4"/>
+      </a:accent1>
+      <a:accent2>
+        <a:srgbClr val="ED7D31"/>
+      </a:accent2>
+      <a:accent3>
+        <a:srgbClr val="A5A5A5"/>
+      </a:accent3>
+      <a:accent4>
+        <a:srgbClr val="FFC000"/>
+      </a:accent4>
+      <a:accent5>
+        <a:srgbClr val="5B9BD5"/>
+      </a:accent5>
+      <a:accent6>
+        <a:srgbClr val="70AD47"/>
+      </a:accent6>
+      <a:hlink>
+        <a:srgbClr val="0563C1"/>
+      </a:hlink>
+      <a:folHlink>
+        <a:srgbClr val="954F72"/>
+      </a:folHlink>
+    </a:clrScheme>
+    <a:fontScheme name="Office">
+      <a:majorFont>
+        <a:latin typeface="等线 Light" panose="020F0302020204030204"/>
+        <a:ea typeface=""/>
+        <a:cs typeface=""/>
+        <a:font script="Jpan" typeface="游ゴシック Light"/>
+        <a:font script="Hang" typeface="맑은 고딕"/>
+        <a:font script="Hans" typeface="等线 Light"/>
+        <a:font script="Hant" typeface="新細明體"/>
+        <a:font script="Arab" typeface="Times New Roman"/>
+        <a:font script="Hebr" typeface="Times New Roman"/>
+        <a:font script="Thai" typeface="Angsana New"/>
+        <a:font script="Ethi" typeface="Nyala"/>
+        <a:font script="Beng" typeface="Vrinda"/>
+        <a:font script="Gujr" typeface="Shruti"/>
+        <a:font script="Khmr" typeface="MoolBoran"/>
+        <a:font script="Knda" typeface="Tunga"/>
+        <a:font script="Guru" typeface="Raavi"/>
+        <a:font script="Cans" typeface="Euphemia"/>
+        <a:font script="Cher" typeface="Plantagenet Cherokee"/>
+        <a:font script="Yiii" typeface="Microsoft Yi Baiti"/>
+        <a:font script="Tibt" typeface="Microsoft Himalaya"/>
+        <a:font script="Thaa" typeface="MV Boli"/>
+        <a:font script="Deva" typeface="Mangal"/>
+        <a:font script="Telu" typeface="Gautami"/>
+        <a:font script="Taml" typeface="Latha"/>
+        <a:font script="Syrc" typeface="Estrangelo Edessa"/>
+        <a:font script="Orya" typeface="Kalinga"/>
+        <a:font script="Mlym" typeface="Kartika"/>
+        <a:font script="Laoo" typeface="DokChampa"/>
+        <a:font script="Sinh" typeface="Iskoola Pota"/>
+        <a:font script="Mong" typeface="Mongolian Baiti"/>
+        <a:font script="Viet" typeface="Times New Roman"/>
+        <a:font script="Uigh" typeface="Microsoft Uighur"/>
+        <a:font script="Geor" typeface="Sylfaen"/>
+        <a:font script="Armn" typeface="Arial"/>
+        <a:font script="Bugi" typeface="Leelawadee UI"/>
+        <a:font script="Bopo" typeface="Microsoft JhengHei"/>
+        <a:font script="Java" typeface="Javanese Text"/>
+        <a:font script="Lisu" typeface="Segoe UI"/>
+        <a:font script="Mymr" typeface="Myanmar Text"/>
+        <a:font script="Nkoo" typeface="Ebrima"/>
+        <a:font script="Olck" typeface="Nirmala UI"/>
+        <a:font script="Osma" typeface="Ebrima"/>
+        <a:font script="Phag" typeface="Phagspa"/>
+        <a:font script="Syrn" typeface="Estrangelo Edessa"/>
+        <a:font script="Syrj" typeface="Estrangelo Edessa"/>
+        <a:font script="Syre" typeface="Estrangelo Edessa"/>
+        <a:font script="Sora" typeface="Nirmala UI"/>
+        <a:font script="Tale" typeface="Microsoft Tai Le"/>
+        <a:font script="Talu" typeface="Microsoft New Tai Lue"/>
+        <a:font script="Tfng" typeface="Ebrima"/>
+      </a:majorFont>
+      <a:minorFont>
+        <a:latin typeface="等线" panose="020F0502020204030204"/>
+        <a:ea typeface=""/>
+        <a:cs typeface=""/>
+        <a:font script="Jpan" typeface="游ゴシック"/>
+        <a:font script="Hang" typeface="맑은 고딕"/>
+        <a:font script="Hans" typeface="等线"/>
+        <a:font script="Hant" typeface="新細明體"/>
+        <a:font script="Arab" typeface="Arial"/>
+        <a:font script="Hebr" typeface="Arial"/>
+        <a:font script="Thai" typeface="Cordia New"/>
+        <a:font script="Ethi" typeface="Nyala"/>
+        <a:font script="Beng" typeface="Vrinda"/>
+        <a:font script="Gujr" typeface="Shruti"/>
+        <a:font script="Khmr" typeface="DaunPenh"/>
+        <a:font script="Knda" typeface="Tunga"/>
+        <a:font script="Guru" typeface="Raavi"/>
+        <a:font script="Cans" typeface="Euphemia"/>
+        <a:font script="Cher" typeface="Plantagenet Cherokee"/>
+        <a:font script="Yiii" typeface="Microsoft Yi Baiti"/>
+        <a:font script="Tibt" typeface="Microsoft Himalaya"/>
+        <a:font script="Thaa" typeface="MV Boli"/>
+        <a:font script="Deva" typeface="Mangal"/>
+        <a:font script="Telu" typeface="Gautami"/>
+        <a:font script="Taml" typeface="Latha"/>
+        <a:font script="Syrc" typeface="Estrangelo Edessa"/>
+        <a:font script="Orya" typeface="Kalinga"/>
+        <a:font script="Mlym" typeface="Kartika"/>
+        <a:font script="Laoo" typeface="DokChampa"/>
+        <a:font script="Sinh" typeface="Iskoola Pota"/>
+        <a:font script="Mong" typeface="Mongolian Baiti"/>
+        <a:font script="Viet" typeface="Arial"/>
+        <a:font script="Uigh" typeface="Microsoft Uighur"/>
+        <a:font script="Geor" typeface="Sylfaen"/>
+        <a:font script="Armn" typeface="Arial"/>
+        <a:font script="Bugi" typeface="Leelawadee UI"/>
+        <a:font script="Bopo" typeface="Microsoft JhengHei"/>
+        <a:font script="Java" typeface="Javanese Text"/>
+        <a:font script="Lisu" typeface="Segoe UI"/>
+        <a:font script="Mymr" typeface="Myanmar Text"/>
+        <a:font script="Nkoo" typeface="Ebrima"/>
+        <a:font script="Olck" typeface="Nirmala UI"/>
+        <a:font script="Osma" typeface="Ebrima"/>
+        <a:font script="Phag" typeface="Phagspa"/>
+        <a:font script="Syrn" typeface="Estrangelo Edessa"/>
+        <a:font script="Syrj" typeface="Estrangelo Edessa"/>
+        <a:font script="Syre" typeface="Estrangelo Edessa"/>
+        <a:font script="Sora" typeface="Nirmala UI"/>
+        <a:font script="Tale" typeface="Microsoft Tai Le"/>
+        <a:font script="Talu" typeface="Microsoft New Tai Lue"/>
+        <a:font script="Tfng" typeface="Ebrima"/>
+      </a:minorFont>
+    </a:fontScheme>
+    <a:fmtScheme name="Office">
+      <a:fillStyleLst>
+        <a:solidFill>
+          <a:schemeClr val="phClr"/>
+        </a:solidFill>
+        <a:gradFill rotWithShape="1">
+          <a:gsLst>
+            <a:gs pos="0">
+              <a:schemeClr val="phClr">
+                <a:lumMod val="110000"/>
+                <a:satMod val="105000"/>
+                <a:tint val="67000"/>
+              </a:schemeClr>
+            </a:gs>
+            <a:gs pos="50000">
+              <a:schemeClr val="phClr">
+                <a:lumMod val="105000"/>
+                <a:satMod val="103000"/>
+                <a:tint val="73000"/>
+              </a:schemeClr>
+            </a:gs>
+            <a:gs pos="100000">
+              <a:schemeClr val="phClr">
+                <a:lumMod val="105000"/>
+                <a:satMod val="109000"/>
+                <a:tint val="81000"/>
+              </a:schemeClr>
+            </a:gs>
+          </a:gsLst>
+          <a:lin ang="5400000" scaled="0"/>
+        </a:gradFill>
+        <a:gradFill rotWithShape="1">
+          <a:gsLst>
+            <a:gs pos="0">
+              <a:schemeClr val="phClr">
+                <a:satMod val="103000"/>
+                <a:lumMod val="102000"/>
+                <a:tint val="94000"/>
+              </a:schemeClr>
+            </a:gs>
+            <a:gs pos="50000">
+              <a:schemeClr val="phClr">
+                <a:satMod val="110000"/>
+                <a:lumMod val="100000"/>
+                <a:shade val="100000"/>
+              </a:schemeClr>
+            </a:gs>
+            <a:gs pos="100000">
+              <a:schemeClr val="phClr">
+                <a:lumMod val="99000"/>
+                <a:satMod val="120000"/>
+                <a:shade val="78000"/>
+              </a:schemeClr>
+            </a:gs>
+          </a:gsLst>
+          <a:lin ang="5400000" scaled="0"/>
+        </a:gradFill>
+      </a:fillStyleLst>
+      <a:lnStyleLst>
+        <a:ln w="6350" cap="flat" cmpd="sng" algn="ctr">
+          <a:solidFill>
+            <a:schemeClr val="phClr"/>
+          </a:solidFill>
+          <a:prstDash val="solid"/>
+          <a:miter lim="800000"/>
+        </a:ln>
+        <a:ln w="12700" cap="flat" cmpd="sng" algn="ctr">
+          <a:solidFill>
+            <a:schemeClr val="phClr"/>
+          </a:solidFill>
+          <a:prstDash val="solid"/>
+          <a:miter lim="800000"/>
+        </a:ln>
+        <a:ln w="19050" cap="flat" cmpd="sng" algn="ctr">
+          <a:solidFill>
+            <a:schemeClr val="phClr"/>
+          </a:solidFill>
+          <a:prstDash val="solid"/>
+          <a:miter lim="800000"/>
+        </a:ln>
+      </a:lnStyleLst>
+      <a:effectStyleLst>
+        <a:effectStyle>
+          <a:effectLst/>
+        </a:effectStyle>
+        <a:effectStyle>
+          <a:effectLst/>
+        </a:effectStyle>
+        <a:effectStyle>
+          <a:effectLst>
+            <a:outerShdw blurRad="57150" dist="19050" dir="5400000" algn="ctr" rotWithShape="0">
+              <a:srgbClr val="000000">
+                <a:alpha val="63000"/>
+              </a:srgbClr>
+            </a:outerShdw>
+          </a:effectLst>
+        </a:effectStyle>
+      </a:effectStyleLst>
+      <a:bgFillStyleLst>
+        <a:solidFill>
+          <a:schemeClr val="phClr"/>
+        </a:solidFill>
+        <a:solidFill>
+          <a:schemeClr val="phClr">
+            <a:tint val="95000"/>
+            <a:satMod val="170000"/>
+          </a:schemeClr>
+        </a:solidFill>
+        <a:gradFill rotWithShape="1">
+          <a:gsLst>
+            <a:gs pos="0">
+              <a:schemeClr val="phClr">
+                <a:tint val="93000"/>
+                <a:satMod val="150000"/>
+                <a:shade val="98000"/>
+                <a:lumMod val="102000"/>
+              </a:schemeClr>
+            </a:gs>
+            <a:gs pos="50000">
+              <a:schemeClr val="phClr">
+                <a:tint val="98000"/>
+                <a:satMod val="130000"/>
+                <a:shade val="90000"/>
+                <a:lumMod val="103000"/>
+              </a:schemeClr>
+            </a:gs>
+            <a:gs pos="100000">
+              <a:schemeClr val="phClr">
+                <a:shade val="63000"/>
+                <a:satMod val="120000"/>
+              </a:schemeClr>
+            </a:gs>
+          </a:gsLst>
+          <a:lin ang="5400000" scaled="0"/>
+        </a:gradFill>
+      </a:bgFillStyleLst>
+    </a:fmtScheme>
+  </a:themeElements>
+  <a:objectDefaults/>
+  <a:extraClrSchemeLst/>
+  <a:extLst>
+    <a:ext uri="{05A4C25C-085E-4340-85A3-A5531E510DB2}">
+      <thm15:themeFamily xmlns:thm15="http://schemas.microsoft.com/office/thememl/2012/main" name="Office Theme" id="{62F939B6-93AF-4DB8-9C6B-D6C7DFDC589F}" vid="{4A3C46E8-61CC-4603-A589-7422A47A8E4A}"/>
+    </a:ext>
+  </a:extLst>
 </a:theme>
 </file>
--- a/Keynote.pptx
+++ b/Keynote.pptx
@@ -119,6 +119,11 @@
       </a:defRPr>
     </a:lvl9pPr>
   </p:defaultTextStyle>
+  <p:extLst>
+    <p:ext uri="{EFAFB233-063F-42B5-8137-9DF3F51BA10A}">
+      <p15:sldGuideLst xmlns:p15="http://schemas.microsoft.com/office/powerpoint/2012/main"/>
+    </p:ext>
+  </p:extLst>
 </p:presentation>
 </file>
 
@@ -204,7 +209,7 @@
           <a:p>
             <a:fld id="{C737FCC2-D8B8-4496-A646-FA3D1545D785}" type="datetimeFigureOut">
               <a:rPr lang="zh-CN" altLang="en-US" smtClean="0"/>
-              <a:t>2018.06.05</a:t>
+              <a:t>2018.06.07</a:t>
             </a:fld>
             <a:endParaRPr lang="zh-CN" altLang="en-US"/>
           </a:p>
@@ -517,11 +522,7 @@
           <a:p>
             <a:r>
               <a:rPr lang="en-US" altLang="zh-CN" dirty="0"/>
-              <a:t>Well ,let know about </a:t>
-            </a:r>
-            <a:r>
-              <a:rPr lang="en-US" altLang="zh-CN"/>
-              <a:t>some realities.</a:t>
+              <a:t>Well ,let know about some realities. The reality about the relationship between human beings and animals. </a:t>
             </a:r>
             <a:endParaRPr lang="zh-CN" altLang="en-US" dirty="0"/>
           </a:p>
@@ -607,15 +608,43 @@
           <a:bodyPr/>
           <a:lstStyle/>
           <a:p>
+            <a:pPr marL="0" indent="0">
+              <a:buFont typeface="Arial" panose="020B0604020202020204" pitchFamily="34" charset="0"/>
+              <a:buNone/>
+            </a:pPr>
             <a:r>
               <a:rPr lang="en-US" altLang="zh-CN" dirty="0"/>
               <a:t>* One major opinion is that animals raised by human beings have rights like human beings and live a happy life.</a:t>
             </a:r>
           </a:p>
           <a:p>
+            <a:pPr marL="0" indent="0">
+              <a:buFont typeface="Arial" panose="020B0604020202020204" pitchFamily="34" charset="0"/>
+              <a:buNone/>
+            </a:pPr>
             <a:r>
               <a:rPr lang="en-US" altLang="zh-CN" dirty="0"/>
-              <a:t>* Another major opinion is that animals are suffering great pain and they totally have no rights or respect.</a:t>
+              <a:t>* Like what displayed on television and printed on advertisement paper. They have big ‘play ground’ to play freely and eat delicious foods. Besides, they will accept physical examination and be treated timely. With reasonable and humanistic breeding they will keep in good health and have a positive mood.</a:t>
+            </a:r>
+          </a:p>
+          <a:p>
+            <a:pPr marL="0" indent="0">
+              <a:buFont typeface="Arial" panose="020B0604020202020204" pitchFamily="34" charset="0"/>
+              <a:buNone/>
+            </a:pPr>
+            <a:r>
+              <a:rPr lang="en-US" altLang="zh-CN" dirty="0"/>
+              <a:t>*Another major opinion is that animals are suffering great pain and they totally have no rights or respect.</a:t>
+            </a:r>
+          </a:p>
+          <a:p>
+            <a:pPr marL="0" indent="0">
+              <a:buFont typeface="Arial" panose="020B0604020202020204" pitchFamily="34" charset="0"/>
+              <a:buNone/>
+            </a:pPr>
+            <a:r>
+              <a:rPr lang="en-US" altLang="zh-CN" dirty="0"/>
+              <a:t>* We can also see on some video that many animal like pig will killed cruelly. Some pets like dogs were under maltreat of their owners. Some endangered animals were killed because of the drive of the of the profile.</a:t>
             </a:r>
             <a:endParaRPr lang="zh-CN" altLang="en-US" dirty="0"/>
           </a:p>
@@ -966,6 +995,9 @@
   <p:clrMapOvr>
     <a:masterClrMapping/>
   </p:clrMapOvr>
+  <p:transition spd="med">
+    <p:pull/>
+  </p:transition>
 </p:sldLayout>
 </file>
 
@@ -1073,6 +1105,9 @@
   <p:clrMapOvr>
     <a:masterClrMapping/>
   </p:clrMapOvr>
+  <p:transition spd="med">
+    <p:pull/>
+  </p:transition>
 </p:sldLayout>
 </file>
 
@@ -1234,6 +1269,9 @@
   <p:clrMapOvr>
     <a:masterClrMapping/>
   </p:clrMapOvr>
+  <p:transition spd="med">
+    <p:pull/>
+  </p:transition>
 </p:sldLayout>
 </file>
 
@@ -1391,6 +1429,9 @@
   <p:clrMapOvr>
     <a:masterClrMapping/>
   </p:clrMapOvr>
+  <p:transition spd="med">
+    <p:pull/>
+  </p:transition>
 </p:sldLayout>
 </file>
 
@@ -1472,6 +1513,9 @@
   <p:clrMapOvr>
     <a:masterClrMapping/>
   </p:clrMapOvr>
+  <p:transition spd="med">
+    <p:pull/>
+  </p:transition>
 </p:sldLayout>
 </file>
 
@@ -1552,6 +1596,9 @@
   <p:clrMapOvr>
     <a:masterClrMapping/>
   </p:clrMapOvr>
+  <p:transition spd="med">
+    <p:pull/>
+  </p:transition>
 </p:sldLayout>
 </file>
 
@@ -1659,6 +1706,9 @@
   <p:clrMapOvr>
     <a:masterClrMapping/>
   </p:clrMapOvr>
+  <p:transition spd="med">
+    <p:pull/>
+  </p:transition>
 </p:sldLayout>
 </file>
 
@@ -1712,6 +1762,9 @@
   <p:clrMapOvr>
     <a:masterClrMapping/>
   </p:clrMapOvr>
+  <p:transition spd="med">
+    <p:pull/>
+  </p:transition>
 </p:sldLayout>
 </file>
 
@@ -1765,6 +1818,9 @@
   <p:clrMapOvr>
     <a:masterClrMapping/>
   </p:clrMapOvr>
+  <p:transition spd="med">
+    <p:pull/>
+  </p:transition>
 </p:sldLayout>
 </file>
 
@@ -1899,6 +1955,9 @@
   <p:clrMapOvr>
     <a:masterClrMapping/>
   </p:clrMapOvr>
+  <p:transition spd="med">
+    <p:pull/>
+  </p:transition>
 </p:sldLayout>
 </file>
 
@@ -2033,6 +2092,9 @@
   <p:clrMapOvr>
     <a:masterClrMapping/>
   </p:clrMapOvr>
+  <p:transition spd="med">
+    <p:pull/>
+  </p:transition>
 </p:sldLayout>
 </file>
 
@@ -2167,6 +2229,9 @@
   <p:clrMapOvr>
     <a:masterClrMapping/>
   </p:clrMapOvr>
+  <p:transition spd="med">
+    <p:pull/>
+  </p:transition>
 </p:sldLayout>
 </file>
 
@@ -2466,6 +2531,9 @@
     <p:sldLayoutId id="2147483659" r:id="rId11"/>
     <p:sldLayoutId id="2147483660" r:id="rId12"/>
   </p:sldLayoutIdLst>
+  <p:transition spd="med">
+    <p:pull/>
+  </p:transition>
   <p:txStyles>
     <p:titleStyle>
       <a:lvl1pPr algn="l" defTabSz="914400" rtl="0" eaLnBrk="1" latinLnBrk="0" hangingPunct="1">
@@ -2876,6 +2944,9 @@
   <p:clrMapOvr>
     <a:masterClrMapping/>
   </p:clrMapOvr>
+  <p:transition spd="slow">
+    <p:cover/>
+  </p:transition>
   <p:timing>
     <p:tnLst>
       <p:par>
@@ -2986,6 +3057,9 @@
   <p:clrMapOvr>
     <a:masterClrMapping/>
   </p:clrMapOvr>
+  <p:transition spd="med">
+    <p:pull/>
+  </p:transition>
 </p:sld>
 </file>
 
@@ -3064,6 +3138,9 @@
   <p:clrMapOvr>
     <a:masterClrMapping/>
   </p:clrMapOvr>
+  <p:transition spd="med">
+    <p:pull/>
+  </p:transition>
 </p:sld>
 </file>
 
@@ -3147,6 +3224,9 @@
   <p:clrMapOvr>
     <a:masterClrMapping/>
   </p:clrMapOvr>
+  <p:transition spd="med">
+    <p:pull/>
+  </p:transition>
 </p:sld>
 </file>
 
@@ -3288,6 +3368,9 @@
   <p:clrMapOvr>
     <a:masterClrMapping/>
   </p:clrMapOvr>
+  <p:transition spd="med">
+    <p:pull/>
+  </p:transition>
 </p:sld>
 </file>
 
@@ -3433,6 +3516,9 @@
   <p:clrMapOvr>
     <a:masterClrMapping/>
   </p:clrMapOvr>
+  <p:transition spd="med">
+    <p:pull/>
+  </p:transition>
   <p:timing>
     <p:tnLst>
       <p:par>
@@ -3541,6 +3627,9 @@
   <p:clrMapOvr>
     <a:masterClrMapping/>
   </p:clrMapOvr>
+  <p:transition spd="med">
+    <p:pull/>
+  </p:transition>
   <p:timing>
     <p:tnLst>
       <p:par>
@@ -3727,6 +3816,9 @@
   <p:clrMapOvr>
     <a:masterClrMapping/>
   </p:clrMapOvr>
+  <p:transition spd="med">
+    <p:pull/>
+  </p:transition>
   <p:timing>
     <p:tnLst>
       <p:par>
@@ -3774,6 +3866,66 @@
           <a:chExt cx="0" cy="0"/>
         </a:xfrm>
       </p:grpSpPr>
+      <p:pic>
+        <p:nvPicPr>
+          <p:cNvPr id="3" name="图片 2">
+            <a:extLst>
+              <a:ext uri="{FF2B5EF4-FFF2-40B4-BE49-F238E27FC236}">
+                <a16:creationId xmlns:a16="http://schemas.microsoft.com/office/drawing/2014/main" id="{A6AB64D8-692F-421D-9148-A824D1EDC291}"/>
+              </a:ext>
+            </a:extLst>
+          </p:cNvPr>
+          <p:cNvPicPr>
+            <a:picLocks noChangeAspect="1"/>
+          </p:cNvPicPr>
+          <p:nvPr/>
+        </p:nvPicPr>
+        <p:blipFill>
+          <a:blip r:embed="rId3"/>
+          <a:stretch>
+            <a:fillRect/>
+          </a:stretch>
+        </p:blipFill>
+        <p:spPr>
+          <a:xfrm>
+            <a:off x="1064077" y="1771357"/>
+            <a:ext cx="7546523" cy="5366784"/>
+          </a:xfrm>
+          <a:prstGeom prst="snip2DiagRect">
+            <a:avLst/>
+          </a:prstGeom>
+          <a:solidFill>
+            <a:srgbClr val="FFFFFF">
+              <a:shade val="85000"/>
+            </a:srgbClr>
+          </a:solidFill>
+          <a:ln w="88900" cap="sq">
+            <a:solidFill>
+              <a:srgbClr val="FFFFFF"/>
+            </a:solidFill>
+            <a:miter lim="800000"/>
+          </a:ln>
+          <a:effectLst>
+            <a:outerShdw blurRad="88900" algn="tl" rotWithShape="0">
+              <a:srgbClr val="000000">
+                <a:alpha val="45000"/>
+              </a:srgbClr>
+            </a:outerShdw>
+          </a:effectLst>
+          <a:scene3d>
+            <a:camera prst="orthographicFront"/>
+            <a:lightRig rig="twoPt" dir="t">
+              <a:rot lat="0" lon="0" rev="7200000"/>
+            </a:lightRig>
+          </a:scene3d>
+          <a:sp3d>
+            <a:bevelT w="25400" h="19050"/>
+            <a:contourClr>
+              <a:srgbClr val="FFFFFF"/>
+            </a:contourClr>
+          </a:sp3d>
+        </p:spPr>
+      </p:pic>
       <p:sp>
         <p:nvSpPr>
           <p:cNvPr id="48" name="TextShape 2"/>
@@ -3782,7 +3934,7 @@
         </p:nvSpPr>
         <p:spPr>
           <a:xfrm>
-            <a:off x="757707" y="1200995"/>
+            <a:off x="937077" y="774666"/>
             <a:ext cx="6137767" cy="852657"/>
           </a:xfrm>
           <a:prstGeom prst="rect">
@@ -3857,15 +4009,15 @@
           <p:nvPr/>
         </p:nvPicPr>
         <p:blipFill>
-          <a:blip r:embed="rId3"/>
+          <a:blip r:embed="rId4"/>
           <a:stretch>
             <a:fillRect/>
           </a:stretch>
         </p:blipFill>
         <p:spPr>
           <a:xfrm>
-            <a:off x="5317404" y="2598057"/>
-            <a:ext cx="3996912" cy="3996912"/>
+            <a:off x="3196504" y="1938201"/>
+            <a:ext cx="5033096" cy="5033096"/>
           </a:xfrm>
           <a:prstGeom prst="rect">
             <a:avLst/>
@@ -3904,71 +4056,208 @@
           </a:sp3d>
         </p:spPr>
       </p:pic>
-      <p:pic>
-        <p:nvPicPr>
-          <p:cNvPr id="3" name="图片 2">
-            <a:extLst>
-              <a:ext uri="{FF2B5EF4-FFF2-40B4-BE49-F238E27FC236}">
-                <a16:creationId xmlns:a16="http://schemas.microsoft.com/office/drawing/2014/main" id="{A6AB64D8-692F-421D-9148-A824D1EDC291}"/>
-              </a:ext>
-            </a:extLst>
-          </p:cNvPr>
-          <p:cNvPicPr>
-            <a:picLocks noChangeAspect="1"/>
-          </p:cNvPicPr>
-          <p:nvPr/>
-        </p:nvPicPr>
-        <p:blipFill>
-          <a:blip r:embed="rId4"/>
-          <a:stretch>
-            <a:fillRect/>
-          </a:stretch>
-        </p:blipFill>
-        <p:spPr>
-          <a:xfrm>
-            <a:off x="251277" y="3263055"/>
-            <a:ext cx="4352925" cy="3095625"/>
-          </a:xfrm>
-          <a:prstGeom prst="snip2DiagRect">
-            <a:avLst/>
-          </a:prstGeom>
-          <a:solidFill>
-            <a:srgbClr val="FFFFFF">
-              <a:shade val="85000"/>
-            </a:srgbClr>
-          </a:solidFill>
-          <a:ln w="88900" cap="sq">
-            <a:solidFill>
-              <a:srgbClr val="FFFFFF"/>
-            </a:solidFill>
-            <a:miter lim="800000"/>
-          </a:ln>
-          <a:effectLst>
-            <a:outerShdw blurRad="88900" algn="tl" rotWithShape="0">
-              <a:srgbClr val="000000">
-                <a:alpha val="45000"/>
-              </a:srgbClr>
-            </a:outerShdw>
-          </a:effectLst>
-          <a:scene3d>
-            <a:camera prst="orthographicFront"/>
-            <a:lightRig rig="twoPt" dir="t">
-              <a:rot lat="0" lon="0" rev="7200000"/>
-            </a:lightRig>
-          </a:scene3d>
-          <a:sp3d>
-            <a:bevelT w="25400" h="19050"/>
-            <a:contourClr>
-              <a:srgbClr val="FFFFFF"/>
-            </a:contourClr>
-          </a:sp3d>
-        </p:spPr>
-      </p:pic>
     </p:spTree>
   </p:cSld>
   <p:clrMapOvr>
     <a:masterClrMapping/>
   </p:clrMapOvr>
+  <p:transition spd="med">
+    <p:pull/>
+  </p:transition>
+  <p:timing>
+    <p:tnLst>
+      <p:par>
+        <p:cTn id="1" dur="indefinite" restart="never" nodeType="tmRoot">
+          <p:childTnLst>
+            <p:seq concurrent="1" nextAc="seek">
+              <p:cTn id="2" dur="indefinite" nodeType="mainSeq">
+                <p:childTnLst>
+                  <p:par>
+                    <p:cTn id="3" fill="hold">
+                      <p:stCondLst>
+                        <p:cond delay="indefinite"/>
+                      </p:stCondLst>
+                      <p:childTnLst>
+                        <p:par>
+                          <p:cTn id="4" fill="hold">
+                            <p:stCondLst>
+                              <p:cond delay="0"/>
+                            </p:stCondLst>
+                            <p:childTnLst>
+                              <p:par>
+                                <p:cTn id="5" presetID="2" presetClass="exit" presetSubtype="4" fill="hold" nodeType="clickEffect">
+                                  <p:stCondLst>
+                                    <p:cond delay="0"/>
+                                  </p:stCondLst>
+                                  <p:childTnLst>
+                                    <p:anim calcmode="lin" valueType="num">
+                                      <p:cBhvr additive="base">
+                                        <p:cTn id="6" dur="500"/>
+                                        <p:tgtEl>
+                                          <p:spTgt spid="3"/>
+                                        </p:tgtEl>
+                                        <p:attrNameLst>
+                                          <p:attrName>ppt_x</p:attrName>
+                                        </p:attrNameLst>
+                                      </p:cBhvr>
+                                      <p:tavLst>
+                                        <p:tav tm="0">
+                                          <p:val>
+                                            <p:strVal val="ppt_x"/>
+                                          </p:val>
+                                        </p:tav>
+                                        <p:tav tm="100000">
+                                          <p:val>
+                                            <p:strVal val="ppt_x"/>
+                                          </p:val>
+                                        </p:tav>
+                                      </p:tavLst>
+                                    </p:anim>
+                                    <p:anim calcmode="lin" valueType="num">
+                                      <p:cBhvr additive="base">
+                                        <p:cTn id="7" dur="500"/>
+                                        <p:tgtEl>
+                                          <p:spTgt spid="3"/>
+                                        </p:tgtEl>
+                                        <p:attrNameLst>
+                                          <p:attrName>ppt_y</p:attrName>
+                                        </p:attrNameLst>
+                                      </p:cBhvr>
+                                      <p:tavLst>
+                                        <p:tav tm="0">
+                                          <p:val>
+                                            <p:strVal val="ppt_y"/>
+                                          </p:val>
+                                        </p:tav>
+                                        <p:tav tm="100000">
+                                          <p:val>
+                                            <p:strVal val="1+ppt_h/2"/>
+                                          </p:val>
+                                        </p:tav>
+                                      </p:tavLst>
+                                    </p:anim>
+                                    <p:set>
+                                      <p:cBhvr>
+                                        <p:cTn id="8" dur="1" fill="hold">
+                                          <p:stCondLst>
+                                            <p:cond delay="499"/>
+                                          </p:stCondLst>
+                                        </p:cTn>
+                                        <p:tgtEl>
+                                          <p:spTgt spid="3"/>
+                                        </p:tgtEl>
+                                        <p:attrNameLst>
+                                          <p:attrName>style.visibility</p:attrName>
+                                        </p:attrNameLst>
+                                      </p:cBhvr>
+                                      <p:to>
+                                        <p:strVal val="hidden"/>
+                                      </p:to>
+                                    </p:set>
+                                  </p:childTnLst>
+                                </p:cTn>
+                              </p:par>
+                              <p:par>
+                                <p:cTn id="9" presetID="2" presetClass="entr" presetSubtype="4" fill="hold" nodeType="withEffect">
+                                  <p:stCondLst>
+                                    <p:cond delay="0"/>
+                                  </p:stCondLst>
+                                  <p:childTnLst>
+                                    <p:set>
+                                      <p:cBhvr>
+                                        <p:cTn id="10" dur="1" fill="hold">
+                                          <p:stCondLst>
+                                            <p:cond delay="0"/>
+                                          </p:stCondLst>
+                                        </p:cTn>
+                                        <p:tgtEl>
+                                          <p:spTgt spid="2"/>
+                                        </p:tgtEl>
+                                        <p:attrNameLst>
+                                          <p:attrName>style.visibility</p:attrName>
+                                        </p:attrNameLst>
+                                      </p:cBhvr>
+                                      <p:to>
+                                        <p:strVal val="visible"/>
+                                      </p:to>
+                                    </p:set>
+                                    <p:anim calcmode="lin" valueType="num">
+                                      <p:cBhvr additive="base">
+                                        <p:cTn id="11" dur="500" fill="hold"/>
+                                        <p:tgtEl>
+                                          <p:spTgt spid="2"/>
+                                        </p:tgtEl>
+                                        <p:attrNameLst>
+                                          <p:attrName>ppt_x</p:attrName>
+                                        </p:attrNameLst>
+                                      </p:cBhvr>
+                                      <p:tavLst>
+                                        <p:tav tm="0">
+                                          <p:val>
+                                            <p:strVal val="#ppt_x"/>
+                                          </p:val>
+                                        </p:tav>
+                                        <p:tav tm="100000">
+                                          <p:val>
+                                            <p:strVal val="#ppt_x"/>
+                                          </p:val>
+                                        </p:tav>
+                                      </p:tavLst>
+                                    </p:anim>
+                                    <p:anim calcmode="lin" valueType="num">
+                                      <p:cBhvr additive="base">
+                                        <p:cTn id="12" dur="500" fill="hold"/>
+                                        <p:tgtEl>
+                                          <p:spTgt spid="2"/>
+                                        </p:tgtEl>
+                                        <p:attrNameLst>
+                                          <p:attrName>ppt_y</p:attrName>
+                                        </p:attrNameLst>
+                                      </p:cBhvr>
+                                      <p:tavLst>
+                                        <p:tav tm="0">
+                                          <p:val>
+                                            <p:strVal val="1+#ppt_h/2"/>
+                                          </p:val>
+                                        </p:tav>
+                                        <p:tav tm="100000">
+                                          <p:val>
+                                            <p:strVal val="#ppt_y"/>
+                                          </p:val>
+                                        </p:tav>
+                                      </p:tavLst>
+                                    </p:anim>
+                                  </p:childTnLst>
+                                </p:cTn>
+                              </p:par>
+                            </p:childTnLst>
+                          </p:cTn>
+                        </p:par>
+                      </p:childTnLst>
+                    </p:cTn>
+                  </p:par>
+                </p:childTnLst>
+              </p:cTn>
+              <p:prevCondLst>
+                <p:cond evt="onPrev" delay="0">
+                  <p:tgtEl>
+                    <p:sldTgt/>
+                  </p:tgtEl>
+                </p:cond>
+              </p:prevCondLst>
+              <p:nextCondLst>
+                <p:cond evt="onNext" delay="0">
+                  <p:tgtEl>
+                    <p:sldTgt/>
+                  </p:tgtEl>
+                </p:cond>
+              </p:nextCondLst>
+            </p:seq>
+          </p:childTnLst>
+        </p:cTn>
+      </p:par>
+    </p:tnLst>
+  </p:timing>
 </p:sld>
 </file>
 
@@ -4119,6 +4408,9 @@
   <p:clrMapOvr>
     <a:masterClrMapping/>
   </p:clrMapOvr>
+  <p:transition spd="med">
+    <p:pull/>
+  </p:transition>
 </p:sld>
 </file>
 
@@ -4276,6 +4568,9 @@
   <p:clrMapOvr>
     <a:masterClrMapping/>
   </p:clrMapOvr>
+  <p:transition spd="med">
+    <p:pull/>
+  </p:transition>
 </p:sld>
 </file>
 
@@ -4354,6 +4649,9 @@
   <p:clrMapOvr>
     <a:masterClrMapping/>
   </p:clrMapOvr>
+  <p:transition spd="med">
+    <p:pull/>
+  </p:transition>
   <p:timing>
     <p:tnLst>
       <p:par>
@@ -4464,6 +4762,9 @@
   <p:clrMapOvr>
     <a:masterClrMapping/>
   </p:clrMapOvr>
+  <p:transition spd="med">
+    <p:pull/>
+  </p:transition>
   <p:timing>
     <p:tnLst>
       <p:par>
